--- a/07_Torseurs/TD_02_ChevilleNAO/images/Figures.pptx
+++ b/07_Torseurs/TD_02_ChevilleNAO/images/Figures.pptx
@@ -6,6 +6,8 @@
   </p:sldMasterIdLst>
   <p:sldIdLst>
     <p:sldId id="256" r:id="rId2"/>
+    <p:sldId id="257" r:id="rId3"/>
+    <p:sldId id="258" r:id="rId4"/>
   </p:sldIdLst>
   <p:sldSz cx="9144000" cy="6858000" type="screen4x3"/>
   <p:notesSz cx="6858000" cy="9144000"/>
@@ -289,7 +291,7 @@
             <a:fld id="{AA309A6D-C09C-4548-B29A-6CF363A7E532}" type="datetimeFigureOut">
               <a:rPr lang="fr-FR" smtClean="0"/>
               <a:pPr/>
-              <a:t>21/01/2014</a:t>
+              <a:t>23/01/2014</a:t>
             </a:fld>
             <a:endParaRPr lang="fr-BE"/>
           </a:p>
@@ -456,7 +458,7 @@
             <a:fld id="{AA309A6D-C09C-4548-B29A-6CF363A7E532}" type="datetimeFigureOut">
               <a:rPr lang="fr-FR" smtClean="0"/>
               <a:pPr/>
-              <a:t>21/01/2014</a:t>
+              <a:t>23/01/2014</a:t>
             </a:fld>
             <a:endParaRPr lang="fr-BE"/>
           </a:p>
@@ -633,7 +635,7 @@
             <a:fld id="{AA309A6D-C09C-4548-B29A-6CF363A7E532}" type="datetimeFigureOut">
               <a:rPr lang="fr-FR" smtClean="0"/>
               <a:pPr/>
-              <a:t>21/01/2014</a:t>
+              <a:t>23/01/2014</a:t>
             </a:fld>
             <a:endParaRPr lang="fr-BE"/>
           </a:p>
@@ -800,7 +802,7 @@
             <a:fld id="{AA309A6D-C09C-4548-B29A-6CF363A7E532}" type="datetimeFigureOut">
               <a:rPr lang="fr-FR" smtClean="0"/>
               <a:pPr/>
-              <a:t>21/01/2014</a:t>
+              <a:t>23/01/2014</a:t>
             </a:fld>
             <a:endParaRPr lang="fr-BE"/>
           </a:p>
@@ -1043,7 +1045,7 @@
             <a:fld id="{AA309A6D-C09C-4548-B29A-6CF363A7E532}" type="datetimeFigureOut">
               <a:rPr lang="fr-FR" smtClean="0"/>
               <a:pPr/>
-              <a:t>21/01/2014</a:t>
+              <a:t>23/01/2014</a:t>
             </a:fld>
             <a:endParaRPr lang="fr-BE"/>
           </a:p>
@@ -1328,7 +1330,7 @@
             <a:fld id="{AA309A6D-C09C-4548-B29A-6CF363A7E532}" type="datetimeFigureOut">
               <a:rPr lang="fr-FR" smtClean="0"/>
               <a:pPr/>
-              <a:t>21/01/2014</a:t>
+              <a:t>23/01/2014</a:t>
             </a:fld>
             <a:endParaRPr lang="fr-BE"/>
           </a:p>
@@ -1747,7 +1749,7 @@
             <a:fld id="{AA309A6D-C09C-4548-B29A-6CF363A7E532}" type="datetimeFigureOut">
               <a:rPr lang="fr-FR" smtClean="0"/>
               <a:pPr/>
-              <a:t>21/01/2014</a:t>
+              <a:t>23/01/2014</a:t>
             </a:fld>
             <a:endParaRPr lang="fr-BE"/>
           </a:p>
@@ -1862,7 +1864,7 @@
             <a:fld id="{AA309A6D-C09C-4548-B29A-6CF363A7E532}" type="datetimeFigureOut">
               <a:rPr lang="fr-FR" smtClean="0"/>
               <a:pPr/>
-              <a:t>21/01/2014</a:t>
+              <a:t>23/01/2014</a:t>
             </a:fld>
             <a:endParaRPr lang="fr-BE"/>
           </a:p>
@@ -1954,7 +1956,7 @@
             <a:fld id="{AA309A6D-C09C-4548-B29A-6CF363A7E532}" type="datetimeFigureOut">
               <a:rPr lang="fr-FR" smtClean="0"/>
               <a:pPr/>
-              <a:t>21/01/2014</a:t>
+              <a:t>23/01/2014</a:t>
             </a:fld>
             <a:endParaRPr lang="fr-BE"/>
           </a:p>
@@ -2228,7 +2230,7 @@
             <a:fld id="{AA309A6D-C09C-4548-B29A-6CF363A7E532}" type="datetimeFigureOut">
               <a:rPr lang="fr-FR" smtClean="0"/>
               <a:pPr/>
-              <a:t>21/01/2014</a:t>
+              <a:t>23/01/2014</a:t>
             </a:fld>
             <a:endParaRPr lang="fr-BE"/>
           </a:p>
@@ -2478,7 +2480,7 @@
             <a:fld id="{AA309A6D-C09C-4548-B29A-6CF363A7E532}" type="datetimeFigureOut">
               <a:rPr lang="fr-FR" smtClean="0"/>
               <a:pPr/>
-              <a:t>21/01/2014</a:t>
+              <a:t>23/01/2014</a:t>
             </a:fld>
             <a:endParaRPr lang="fr-BE"/>
           </a:p>
@@ -2688,7 +2690,7 @@
             <a:fld id="{AA309A6D-C09C-4548-B29A-6CF363A7E532}" type="datetimeFigureOut">
               <a:rPr lang="fr-FR" smtClean="0"/>
               <a:pPr/>
-              <a:t>21/01/2014</a:t>
+              <a:t>23/01/2014</a:t>
             </a:fld>
             <a:endParaRPr lang="fr-BE"/>
           </a:p>
@@ -3426,6 +3428,6024 @@
 </p:sld>
 </file>
 
+<file path=ppt/slides/slide2.xml><?xml version="1.0" encoding="utf-8"?>
+<p:sld xmlns:a="http://schemas.openxmlformats.org/drawingml/2006/main" xmlns:r="http://schemas.openxmlformats.org/officeDocument/2006/relationships" xmlns:p="http://schemas.openxmlformats.org/presentationml/2006/main">
+  <p:cSld>
+    <p:spTree>
+      <p:nvGrpSpPr>
+        <p:cNvPr id="1" name=""/>
+        <p:cNvGrpSpPr/>
+        <p:nvPr/>
+      </p:nvGrpSpPr>
+      <p:grpSpPr>
+        <a:xfrm>
+          <a:off x="0" y="0"/>
+          <a:ext cx="0" cy="0"/>
+          <a:chOff x="0" y="0"/>
+          <a:chExt cx="0" cy="0"/>
+        </a:xfrm>
+      </p:grpSpPr>
+      <mc:AlternateContent xmlns:mc="http://schemas.openxmlformats.org/markup-compatibility/2006">
+        <mc:Choice xmlns:a14="http://schemas.microsoft.com/office/drawing/2010/main" Requires="a14">
+          <p:sp>
+            <p:nvSpPr>
+              <p:cNvPr id="93" name="ZoneTexte 92"/>
+              <p:cNvSpPr txBox="1"/>
+              <p:nvPr/>
+            </p:nvSpPr>
+            <p:spPr>
+              <a:xfrm>
+                <a:off x="3204873" y="2851945"/>
+                <a:ext cx="296555" cy="246221"/>
+              </a:xfrm>
+              <a:prstGeom prst="rect">
+                <a:avLst/>
+              </a:prstGeom>
+              <a:noFill/>
+            </p:spPr>
+            <p:txBody>
+              <a:bodyPr wrap="none" rtlCol="0">
+                <a:spAutoFit/>
+              </a:bodyPr>
+              <a:lstStyle/>
+              <a:p>
+                <a14:m>
+                  <m:oMathPara xmlns:m="http://schemas.openxmlformats.org/officeDocument/2006/math">
+                    <m:oMathParaPr>
+                      <m:jc m:val="centerGroup"/>
+                    </m:oMathParaPr>
+                    <m:oMath xmlns:m="http://schemas.openxmlformats.org/officeDocument/2006/math">
+                      <m:r>
+                        <a:rPr lang="fr-FR" sz="1000" b="0" i="1" smtClean="0">
+                          <a:latin typeface="Cambria Math"/>
+                        </a:rPr>
+                        <m:t>𝐴</m:t>
+                      </m:r>
+                    </m:oMath>
+                  </m:oMathPara>
+                </a14:m>
+                <a:endParaRPr lang="fr-FR" sz="1000" dirty="0"/>
+              </a:p>
+            </p:txBody>
+          </p:sp>
+        </mc:Choice>
+        <mc:Fallback>
+          <p:sp>
+            <p:nvSpPr>
+              <p:cNvPr id="93" name="ZoneTexte 92"/>
+              <p:cNvSpPr txBox="1">
+                <a:spLocks noRot="1" noChangeAspect="1" noMove="1" noResize="1" noEditPoints="1" noAdjustHandles="1" noChangeArrowheads="1" noChangeShapeType="1" noTextEdit="1"/>
+              </p:cNvSpPr>
+              <p:nvPr/>
+            </p:nvSpPr>
+            <p:spPr>
+              <a:xfrm>
+                <a:off x="3204873" y="2851945"/>
+                <a:ext cx="296555" cy="246221"/>
+              </a:xfrm>
+              <a:prstGeom prst="rect">
+                <a:avLst/>
+              </a:prstGeom>
+              <a:blipFill rotWithShape="1">
+                <a:blip r:embed="rId2"/>
+                <a:stretch>
+                  <a:fillRect/>
+                </a:stretch>
+              </a:blipFill>
+            </p:spPr>
+            <p:txBody>
+              <a:bodyPr/>
+              <a:lstStyle/>
+              <a:p>
+                <a:r>
+                  <a:rPr lang="fr-FR">
+                    <a:noFill/>
+                  </a:rPr>
+                  <a:t> </a:t>
+                </a:r>
+              </a:p>
+            </p:txBody>
+          </p:sp>
+        </mc:Fallback>
+      </mc:AlternateContent>
+      <p:pic>
+        <p:nvPicPr>
+          <p:cNvPr id="4" name="Picture 2" descr="F:\Github\CI_03_EtudeCinematique\07_Torseurs\TD_02_ChevilleNAO\images\cheville_sw.png"/>
+          <p:cNvPicPr>
+            <a:picLocks noChangeAspect="1" noChangeArrowheads="1"/>
+          </p:cNvPicPr>
+          <p:nvPr/>
+        </p:nvPicPr>
+        <p:blipFill>
+          <a:blip r:embed="rId3" cstate="print"/>
+          <a:srcRect/>
+          <a:stretch>
+            <a:fillRect/>
+          </a:stretch>
+        </p:blipFill>
+        <p:spPr bwMode="auto">
+          <a:xfrm>
+            <a:off x="4355976" y="1700808"/>
+            <a:ext cx="1152884" cy="1143008"/>
+          </a:xfrm>
+          <a:prstGeom prst="rect">
+            <a:avLst/>
+          </a:prstGeom>
+          <a:ln>
+            <a:noFill/>
+          </a:ln>
+          <a:effectLst>
+            <a:outerShdw blurRad="292100" dist="139700" dir="2700000" algn="tl" rotWithShape="0">
+              <a:srgbClr val="333333">
+                <a:alpha val="65000"/>
+              </a:srgbClr>
+            </a:outerShdw>
+          </a:effectLst>
+        </p:spPr>
+      </p:pic>
+      <p:grpSp>
+        <p:nvGrpSpPr>
+          <p:cNvPr id="26" name="Groupe 25"/>
+          <p:cNvGrpSpPr/>
+          <p:nvPr/>
+        </p:nvGrpSpPr>
+        <p:grpSpPr>
+          <a:xfrm>
+            <a:off x="1126488" y="2123323"/>
+            <a:ext cx="629946" cy="191491"/>
+            <a:chOff x="1451565" y="2504654"/>
+            <a:chExt cx="629946" cy="191491"/>
+          </a:xfrm>
+        </p:grpSpPr>
+        <p:sp>
+          <p:nvSpPr>
+            <p:cNvPr id="5" name="Ellipse 4"/>
+            <p:cNvSpPr/>
+            <p:nvPr/>
+          </p:nvSpPr>
+          <p:spPr>
+            <a:xfrm>
+              <a:off x="1835696" y="2544986"/>
+              <a:ext cx="72008" cy="144016"/>
+            </a:xfrm>
+            <a:prstGeom prst="ellipse">
+              <a:avLst/>
+            </a:prstGeom>
+            <a:solidFill>
+              <a:schemeClr val="bg1"/>
+            </a:solidFill>
+            <a:ln w="12700">
+              <a:solidFill>
+                <a:schemeClr val="tx1"/>
+              </a:solidFill>
+            </a:ln>
+          </p:spPr>
+          <p:style>
+            <a:lnRef idx="2">
+              <a:schemeClr val="accent1">
+                <a:shade val="50000"/>
+              </a:schemeClr>
+            </a:lnRef>
+            <a:fillRef idx="1">
+              <a:schemeClr val="accent1"/>
+            </a:fillRef>
+            <a:effectRef idx="0">
+              <a:schemeClr val="accent1"/>
+            </a:effectRef>
+            <a:fontRef idx="minor">
+              <a:schemeClr val="lt1"/>
+            </a:fontRef>
+          </p:style>
+          <p:txBody>
+            <a:bodyPr rtlCol="0" anchor="ctr"/>
+            <a:lstStyle/>
+            <a:p>
+              <a:pPr algn="ctr"/>
+              <a:endParaRPr lang="fr-FR"/>
+            </a:p>
+          </p:txBody>
+        </p:sp>
+        <p:cxnSp>
+          <p:nvCxnSpPr>
+            <p:cNvPr id="8" name="Connecteur droit 7"/>
+            <p:cNvCxnSpPr>
+              <a:stCxn id="5" idx="0"/>
+            </p:cNvCxnSpPr>
+            <p:nvPr/>
+          </p:nvCxnSpPr>
+          <p:spPr>
+            <a:xfrm flipH="1" flipV="1">
+              <a:off x="1691680" y="2509416"/>
+              <a:ext cx="180020" cy="35570"/>
+            </a:xfrm>
+            <a:prstGeom prst="line">
+              <a:avLst/>
+            </a:prstGeom>
+            <a:ln>
+              <a:solidFill>
+                <a:schemeClr val="tx1"/>
+              </a:solidFill>
+            </a:ln>
+          </p:spPr>
+          <p:style>
+            <a:lnRef idx="1">
+              <a:schemeClr val="accent1"/>
+            </a:lnRef>
+            <a:fillRef idx="0">
+              <a:schemeClr val="accent1"/>
+            </a:fillRef>
+            <a:effectRef idx="0">
+              <a:schemeClr val="accent1"/>
+            </a:effectRef>
+            <a:fontRef idx="minor">
+              <a:schemeClr val="tx1"/>
+            </a:fontRef>
+          </p:style>
+        </p:cxnSp>
+        <p:sp>
+          <p:nvSpPr>
+            <p:cNvPr id="11" name="Arc 10"/>
+            <p:cNvSpPr/>
+            <p:nvPr/>
+          </p:nvSpPr>
+          <p:spPr>
+            <a:xfrm>
+              <a:off x="1655680" y="2509432"/>
+              <a:ext cx="72000" cy="144000"/>
+            </a:xfrm>
+            <a:prstGeom prst="arc">
+              <a:avLst>
+                <a:gd name="adj1" fmla="val 5436458"/>
+                <a:gd name="adj2" fmla="val 16689347"/>
+              </a:avLst>
+            </a:prstGeom>
+            <a:solidFill>
+              <a:schemeClr val="bg1"/>
+            </a:solidFill>
+            <a:ln w="12700">
+              <a:solidFill>
+                <a:schemeClr val="tx1"/>
+              </a:solidFill>
+            </a:ln>
+          </p:spPr>
+          <p:style>
+            <a:lnRef idx="2">
+              <a:schemeClr val="accent1">
+                <a:shade val="50000"/>
+              </a:schemeClr>
+            </a:lnRef>
+            <a:fillRef idx="1">
+              <a:schemeClr val="accent1"/>
+            </a:fillRef>
+            <a:effectRef idx="0">
+              <a:schemeClr val="accent1"/>
+            </a:effectRef>
+            <a:fontRef idx="minor">
+              <a:schemeClr val="lt1"/>
+            </a:fontRef>
+          </p:style>
+          <p:txBody>
+            <a:bodyPr rtlCol="0" anchor="ctr"/>
+            <a:lstStyle/>
+            <a:p>
+              <a:pPr algn="ctr"/>
+              <a:endParaRPr lang="fr-FR">
+                <a:solidFill>
+                  <a:schemeClr val="lt1"/>
+                </a:solidFill>
+              </a:endParaRPr>
+            </a:p>
+          </p:txBody>
+        </p:sp>
+        <p:cxnSp>
+          <p:nvCxnSpPr>
+            <p:cNvPr id="15" name="Connecteur droit 14"/>
+            <p:cNvCxnSpPr>
+              <a:stCxn id="5" idx="4"/>
+            </p:cNvCxnSpPr>
+            <p:nvPr/>
+          </p:nvCxnSpPr>
+          <p:spPr>
+            <a:xfrm flipH="1" flipV="1">
+              <a:off x="1691680" y="2653432"/>
+              <a:ext cx="180020" cy="35570"/>
+            </a:xfrm>
+            <a:prstGeom prst="line">
+              <a:avLst/>
+            </a:prstGeom>
+            <a:ln>
+              <a:solidFill>
+                <a:schemeClr val="tx1"/>
+              </a:solidFill>
+            </a:ln>
+          </p:spPr>
+          <p:style>
+            <a:lnRef idx="1">
+              <a:schemeClr val="accent1"/>
+            </a:lnRef>
+            <a:fillRef idx="0">
+              <a:schemeClr val="accent1"/>
+            </a:fillRef>
+            <a:effectRef idx="0">
+              <a:schemeClr val="accent1"/>
+            </a:effectRef>
+            <a:fontRef idx="minor">
+              <a:schemeClr val="tx1"/>
+            </a:fontRef>
+          </p:style>
+        </p:cxnSp>
+        <p:sp>
+          <p:nvSpPr>
+            <p:cNvPr id="17" name="Ellipse 16"/>
+            <p:cNvSpPr/>
+            <p:nvPr/>
+          </p:nvSpPr>
+          <p:spPr>
+            <a:xfrm>
+              <a:off x="1859831" y="2552129"/>
+              <a:ext cx="72008" cy="144016"/>
+            </a:xfrm>
+            <a:prstGeom prst="ellipse">
+              <a:avLst/>
+            </a:prstGeom>
+            <a:solidFill>
+              <a:schemeClr val="bg1"/>
+            </a:solidFill>
+            <a:ln w="12700">
+              <a:solidFill>
+                <a:schemeClr val="tx1"/>
+              </a:solidFill>
+            </a:ln>
+          </p:spPr>
+          <p:style>
+            <a:lnRef idx="2">
+              <a:schemeClr val="accent1">
+                <a:shade val="50000"/>
+              </a:schemeClr>
+            </a:lnRef>
+            <a:fillRef idx="1">
+              <a:schemeClr val="accent1"/>
+            </a:fillRef>
+            <a:effectRef idx="0">
+              <a:schemeClr val="accent1"/>
+            </a:effectRef>
+            <a:fontRef idx="minor">
+              <a:schemeClr val="lt1"/>
+            </a:fontRef>
+          </p:style>
+          <p:txBody>
+            <a:bodyPr rtlCol="0" anchor="ctr"/>
+            <a:lstStyle/>
+            <a:p>
+              <a:pPr algn="ctr"/>
+              <a:endParaRPr lang="fr-FR"/>
+            </a:p>
+          </p:txBody>
+        </p:sp>
+        <p:sp>
+          <p:nvSpPr>
+            <p:cNvPr id="18" name="Arc 17"/>
+            <p:cNvSpPr/>
+            <p:nvPr/>
+          </p:nvSpPr>
+          <p:spPr>
+            <a:xfrm>
+              <a:off x="1631585" y="2504654"/>
+              <a:ext cx="72000" cy="144000"/>
+            </a:xfrm>
+            <a:prstGeom prst="arc">
+              <a:avLst>
+                <a:gd name="adj1" fmla="val 5436458"/>
+                <a:gd name="adj2" fmla="val 16689347"/>
+              </a:avLst>
+            </a:prstGeom>
+            <a:noFill/>
+            <a:ln w="12700">
+              <a:solidFill>
+                <a:schemeClr val="tx1"/>
+              </a:solidFill>
+            </a:ln>
+          </p:spPr>
+          <p:style>
+            <a:lnRef idx="2">
+              <a:schemeClr val="accent1">
+                <a:shade val="50000"/>
+              </a:schemeClr>
+            </a:lnRef>
+            <a:fillRef idx="1">
+              <a:schemeClr val="accent1"/>
+            </a:fillRef>
+            <a:effectRef idx="0">
+              <a:schemeClr val="accent1"/>
+            </a:effectRef>
+            <a:fontRef idx="minor">
+              <a:schemeClr val="lt1"/>
+            </a:fontRef>
+          </p:style>
+          <p:txBody>
+            <a:bodyPr rtlCol="0" anchor="ctr"/>
+            <a:lstStyle/>
+            <a:p>
+              <a:pPr algn="ctr"/>
+              <a:endParaRPr lang="fr-FR">
+                <a:solidFill>
+                  <a:schemeClr val="lt1"/>
+                </a:solidFill>
+              </a:endParaRPr>
+            </a:p>
+          </p:txBody>
+        </p:sp>
+        <p:cxnSp>
+          <p:nvCxnSpPr>
+            <p:cNvPr id="19" name="Connecteur droit 18"/>
+            <p:cNvCxnSpPr/>
+            <p:nvPr/>
+          </p:nvCxnSpPr>
+          <p:spPr>
+            <a:xfrm flipH="1" flipV="1">
+              <a:off x="1901491" y="2624137"/>
+              <a:ext cx="180020" cy="35570"/>
+            </a:xfrm>
+            <a:prstGeom prst="line">
+              <a:avLst/>
+            </a:prstGeom>
+            <a:ln>
+              <a:solidFill>
+                <a:schemeClr val="tx1"/>
+              </a:solidFill>
+            </a:ln>
+          </p:spPr>
+          <p:style>
+            <a:lnRef idx="1">
+              <a:schemeClr val="accent1"/>
+            </a:lnRef>
+            <a:fillRef idx="0">
+              <a:schemeClr val="accent1"/>
+            </a:fillRef>
+            <a:effectRef idx="0">
+              <a:schemeClr val="accent1"/>
+            </a:effectRef>
+            <a:fontRef idx="minor">
+              <a:schemeClr val="tx1"/>
+            </a:fontRef>
+          </p:style>
+        </p:cxnSp>
+        <p:cxnSp>
+          <p:nvCxnSpPr>
+            <p:cNvPr id="20" name="Connecteur droit 19"/>
+            <p:cNvCxnSpPr/>
+            <p:nvPr/>
+          </p:nvCxnSpPr>
+          <p:spPr>
+            <a:xfrm flipH="1" flipV="1">
+              <a:off x="1451565" y="2534344"/>
+              <a:ext cx="180020" cy="35570"/>
+            </a:xfrm>
+            <a:prstGeom prst="line">
+              <a:avLst/>
+            </a:prstGeom>
+            <a:ln>
+              <a:solidFill>
+                <a:schemeClr val="tx1"/>
+              </a:solidFill>
+            </a:ln>
+          </p:spPr>
+          <p:style>
+            <a:lnRef idx="1">
+              <a:schemeClr val="accent1"/>
+            </a:lnRef>
+            <a:fillRef idx="0">
+              <a:schemeClr val="accent1"/>
+            </a:fillRef>
+            <a:effectRef idx="0">
+              <a:schemeClr val="accent1"/>
+            </a:effectRef>
+            <a:fontRef idx="minor">
+              <a:schemeClr val="tx1"/>
+            </a:fontRef>
+          </p:style>
+        </p:cxnSp>
+      </p:grpSp>
+      <p:cxnSp>
+        <p:nvCxnSpPr>
+          <p:cNvPr id="21" name="Connecteur droit 20"/>
+          <p:cNvCxnSpPr>
+            <a:stCxn id="54" idx="7"/>
+            <a:endCxn id="62" idx="3"/>
+          </p:cNvCxnSpPr>
+          <p:nvPr/>
+        </p:nvCxnSpPr>
+        <p:spPr>
+          <a:xfrm flipV="1">
+            <a:off x="2678688" y="3033971"/>
+            <a:ext cx="493742" cy="488128"/>
+          </a:xfrm>
+          <a:prstGeom prst="line">
+            <a:avLst/>
+          </a:prstGeom>
+          <a:ln w="12700">
+            <a:solidFill>
+              <a:schemeClr val="tx2"/>
+            </a:solidFill>
+          </a:ln>
+        </p:spPr>
+        <p:style>
+          <a:lnRef idx="1">
+            <a:schemeClr val="accent1"/>
+          </a:lnRef>
+          <a:fillRef idx="0">
+            <a:schemeClr val="accent1"/>
+          </a:fillRef>
+          <a:effectRef idx="0">
+            <a:schemeClr val="accent1"/>
+          </a:effectRef>
+          <a:fontRef idx="minor">
+            <a:schemeClr val="tx1"/>
+          </a:fontRef>
+        </p:style>
+      </p:cxnSp>
+      <p:grpSp>
+        <p:nvGrpSpPr>
+          <p:cNvPr id="27" name="Groupe 26"/>
+          <p:cNvGrpSpPr/>
+          <p:nvPr/>
+        </p:nvGrpSpPr>
+        <p:grpSpPr>
+          <a:xfrm>
+            <a:off x="1399202" y="1725398"/>
+            <a:ext cx="629946" cy="191491"/>
+            <a:chOff x="1451565" y="2504654"/>
+            <a:chExt cx="629946" cy="191491"/>
+          </a:xfrm>
+        </p:grpSpPr>
+        <p:sp>
+          <p:nvSpPr>
+            <p:cNvPr id="28" name="Ellipse 27"/>
+            <p:cNvSpPr/>
+            <p:nvPr/>
+          </p:nvSpPr>
+          <p:spPr>
+            <a:xfrm>
+              <a:off x="1835696" y="2544986"/>
+              <a:ext cx="72008" cy="144016"/>
+            </a:xfrm>
+            <a:prstGeom prst="ellipse">
+              <a:avLst/>
+            </a:prstGeom>
+            <a:solidFill>
+              <a:schemeClr val="bg1"/>
+            </a:solidFill>
+            <a:ln w="12700">
+              <a:solidFill>
+                <a:schemeClr val="tx1"/>
+              </a:solidFill>
+            </a:ln>
+          </p:spPr>
+          <p:style>
+            <a:lnRef idx="2">
+              <a:schemeClr val="accent1">
+                <a:shade val="50000"/>
+              </a:schemeClr>
+            </a:lnRef>
+            <a:fillRef idx="1">
+              <a:schemeClr val="accent1"/>
+            </a:fillRef>
+            <a:effectRef idx="0">
+              <a:schemeClr val="accent1"/>
+            </a:effectRef>
+            <a:fontRef idx="minor">
+              <a:schemeClr val="lt1"/>
+            </a:fontRef>
+          </p:style>
+          <p:txBody>
+            <a:bodyPr rtlCol="0" anchor="ctr"/>
+            <a:lstStyle/>
+            <a:p>
+              <a:pPr algn="ctr"/>
+              <a:endParaRPr lang="fr-FR"/>
+            </a:p>
+          </p:txBody>
+        </p:sp>
+        <p:cxnSp>
+          <p:nvCxnSpPr>
+            <p:cNvPr id="29" name="Connecteur droit 28"/>
+            <p:cNvCxnSpPr>
+              <a:stCxn id="28" idx="0"/>
+            </p:cNvCxnSpPr>
+            <p:nvPr/>
+          </p:nvCxnSpPr>
+          <p:spPr>
+            <a:xfrm flipH="1" flipV="1">
+              <a:off x="1691680" y="2509416"/>
+              <a:ext cx="180020" cy="35570"/>
+            </a:xfrm>
+            <a:prstGeom prst="line">
+              <a:avLst/>
+            </a:prstGeom>
+            <a:ln>
+              <a:solidFill>
+                <a:schemeClr val="tx1"/>
+              </a:solidFill>
+            </a:ln>
+          </p:spPr>
+          <p:style>
+            <a:lnRef idx="1">
+              <a:schemeClr val="accent1"/>
+            </a:lnRef>
+            <a:fillRef idx="0">
+              <a:schemeClr val="accent1"/>
+            </a:fillRef>
+            <a:effectRef idx="0">
+              <a:schemeClr val="accent1"/>
+            </a:effectRef>
+            <a:fontRef idx="minor">
+              <a:schemeClr val="tx1"/>
+            </a:fontRef>
+          </p:style>
+        </p:cxnSp>
+        <p:sp>
+          <p:nvSpPr>
+            <p:cNvPr id="30" name="Arc 29"/>
+            <p:cNvSpPr/>
+            <p:nvPr/>
+          </p:nvSpPr>
+          <p:spPr>
+            <a:xfrm>
+              <a:off x="1655680" y="2509432"/>
+              <a:ext cx="72000" cy="144000"/>
+            </a:xfrm>
+            <a:prstGeom prst="arc">
+              <a:avLst>
+                <a:gd name="adj1" fmla="val 5436458"/>
+                <a:gd name="adj2" fmla="val 16689347"/>
+              </a:avLst>
+            </a:prstGeom>
+            <a:solidFill>
+              <a:schemeClr val="bg1"/>
+            </a:solidFill>
+            <a:ln w="12700">
+              <a:solidFill>
+                <a:schemeClr val="tx1"/>
+              </a:solidFill>
+            </a:ln>
+          </p:spPr>
+          <p:style>
+            <a:lnRef idx="2">
+              <a:schemeClr val="accent1">
+                <a:shade val="50000"/>
+              </a:schemeClr>
+            </a:lnRef>
+            <a:fillRef idx="1">
+              <a:schemeClr val="accent1"/>
+            </a:fillRef>
+            <a:effectRef idx="0">
+              <a:schemeClr val="accent1"/>
+            </a:effectRef>
+            <a:fontRef idx="minor">
+              <a:schemeClr val="lt1"/>
+            </a:fontRef>
+          </p:style>
+          <p:txBody>
+            <a:bodyPr rtlCol="0" anchor="ctr"/>
+            <a:lstStyle/>
+            <a:p>
+              <a:pPr algn="ctr"/>
+              <a:endParaRPr lang="fr-FR">
+                <a:solidFill>
+                  <a:schemeClr val="lt1"/>
+                </a:solidFill>
+              </a:endParaRPr>
+            </a:p>
+          </p:txBody>
+        </p:sp>
+        <p:cxnSp>
+          <p:nvCxnSpPr>
+            <p:cNvPr id="31" name="Connecteur droit 30"/>
+            <p:cNvCxnSpPr>
+              <a:stCxn id="28" idx="4"/>
+            </p:cNvCxnSpPr>
+            <p:nvPr/>
+          </p:nvCxnSpPr>
+          <p:spPr>
+            <a:xfrm flipH="1" flipV="1">
+              <a:off x="1691680" y="2653432"/>
+              <a:ext cx="180020" cy="35570"/>
+            </a:xfrm>
+            <a:prstGeom prst="line">
+              <a:avLst/>
+            </a:prstGeom>
+            <a:ln>
+              <a:solidFill>
+                <a:schemeClr val="tx1"/>
+              </a:solidFill>
+            </a:ln>
+          </p:spPr>
+          <p:style>
+            <a:lnRef idx="1">
+              <a:schemeClr val="accent1"/>
+            </a:lnRef>
+            <a:fillRef idx="0">
+              <a:schemeClr val="accent1"/>
+            </a:fillRef>
+            <a:effectRef idx="0">
+              <a:schemeClr val="accent1"/>
+            </a:effectRef>
+            <a:fontRef idx="minor">
+              <a:schemeClr val="tx1"/>
+            </a:fontRef>
+          </p:style>
+        </p:cxnSp>
+        <p:sp>
+          <p:nvSpPr>
+            <p:cNvPr id="32" name="Ellipse 31"/>
+            <p:cNvSpPr/>
+            <p:nvPr/>
+          </p:nvSpPr>
+          <p:spPr>
+            <a:xfrm>
+              <a:off x="1859831" y="2552129"/>
+              <a:ext cx="72008" cy="144016"/>
+            </a:xfrm>
+            <a:prstGeom prst="ellipse">
+              <a:avLst/>
+            </a:prstGeom>
+            <a:solidFill>
+              <a:schemeClr val="bg1"/>
+            </a:solidFill>
+            <a:ln w="12700">
+              <a:solidFill>
+                <a:schemeClr val="tx1"/>
+              </a:solidFill>
+            </a:ln>
+          </p:spPr>
+          <p:style>
+            <a:lnRef idx="2">
+              <a:schemeClr val="accent1">
+                <a:shade val="50000"/>
+              </a:schemeClr>
+            </a:lnRef>
+            <a:fillRef idx="1">
+              <a:schemeClr val="accent1"/>
+            </a:fillRef>
+            <a:effectRef idx="0">
+              <a:schemeClr val="accent1"/>
+            </a:effectRef>
+            <a:fontRef idx="minor">
+              <a:schemeClr val="lt1"/>
+            </a:fontRef>
+          </p:style>
+          <p:txBody>
+            <a:bodyPr rtlCol="0" anchor="ctr"/>
+            <a:lstStyle/>
+            <a:p>
+              <a:pPr algn="ctr"/>
+              <a:endParaRPr lang="fr-FR"/>
+            </a:p>
+          </p:txBody>
+        </p:sp>
+        <p:sp>
+          <p:nvSpPr>
+            <p:cNvPr id="33" name="Arc 32"/>
+            <p:cNvSpPr/>
+            <p:nvPr/>
+          </p:nvSpPr>
+          <p:spPr>
+            <a:xfrm>
+              <a:off x="1631585" y="2504654"/>
+              <a:ext cx="72000" cy="144000"/>
+            </a:xfrm>
+            <a:prstGeom prst="arc">
+              <a:avLst>
+                <a:gd name="adj1" fmla="val 5436458"/>
+                <a:gd name="adj2" fmla="val 16689347"/>
+              </a:avLst>
+            </a:prstGeom>
+            <a:noFill/>
+            <a:ln w="12700">
+              <a:solidFill>
+                <a:schemeClr val="tx1"/>
+              </a:solidFill>
+            </a:ln>
+          </p:spPr>
+          <p:style>
+            <a:lnRef idx="2">
+              <a:schemeClr val="accent1">
+                <a:shade val="50000"/>
+              </a:schemeClr>
+            </a:lnRef>
+            <a:fillRef idx="1">
+              <a:schemeClr val="accent1"/>
+            </a:fillRef>
+            <a:effectRef idx="0">
+              <a:schemeClr val="accent1"/>
+            </a:effectRef>
+            <a:fontRef idx="minor">
+              <a:schemeClr val="lt1"/>
+            </a:fontRef>
+          </p:style>
+          <p:txBody>
+            <a:bodyPr rtlCol="0" anchor="ctr"/>
+            <a:lstStyle/>
+            <a:p>
+              <a:pPr algn="ctr"/>
+              <a:endParaRPr lang="fr-FR">
+                <a:solidFill>
+                  <a:schemeClr val="lt1"/>
+                </a:solidFill>
+              </a:endParaRPr>
+            </a:p>
+          </p:txBody>
+        </p:sp>
+        <p:cxnSp>
+          <p:nvCxnSpPr>
+            <p:cNvPr id="34" name="Connecteur droit 33"/>
+            <p:cNvCxnSpPr/>
+            <p:nvPr/>
+          </p:nvCxnSpPr>
+          <p:spPr>
+            <a:xfrm flipH="1" flipV="1">
+              <a:off x="1901491" y="2624137"/>
+              <a:ext cx="180020" cy="35570"/>
+            </a:xfrm>
+            <a:prstGeom prst="line">
+              <a:avLst/>
+            </a:prstGeom>
+            <a:ln>
+              <a:solidFill>
+                <a:schemeClr val="tx1"/>
+              </a:solidFill>
+            </a:ln>
+          </p:spPr>
+          <p:style>
+            <a:lnRef idx="1">
+              <a:schemeClr val="accent1"/>
+            </a:lnRef>
+            <a:fillRef idx="0">
+              <a:schemeClr val="accent1"/>
+            </a:fillRef>
+            <a:effectRef idx="0">
+              <a:schemeClr val="accent1"/>
+            </a:effectRef>
+            <a:fontRef idx="minor">
+              <a:schemeClr val="tx1"/>
+            </a:fontRef>
+          </p:style>
+        </p:cxnSp>
+        <p:cxnSp>
+          <p:nvCxnSpPr>
+            <p:cNvPr id="35" name="Connecteur droit 34"/>
+            <p:cNvCxnSpPr/>
+            <p:nvPr/>
+          </p:nvCxnSpPr>
+          <p:spPr>
+            <a:xfrm flipH="1" flipV="1">
+              <a:off x="1451565" y="2534344"/>
+              <a:ext cx="180020" cy="35570"/>
+            </a:xfrm>
+            <a:prstGeom prst="line">
+              <a:avLst/>
+            </a:prstGeom>
+            <a:ln>
+              <a:solidFill>
+                <a:schemeClr val="tx1"/>
+              </a:solidFill>
+            </a:ln>
+          </p:spPr>
+          <p:style>
+            <a:lnRef idx="1">
+              <a:schemeClr val="accent1"/>
+            </a:lnRef>
+            <a:fillRef idx="0">
+              <a:schemeClr val="accent1"/>
+            </a:fillRef>
+            <a:effectRef idx="0">
+              <a:schemeClr val="accent1"/>
+            </a:effectRef>
+            <a:fontRef idx="minor">
+              <a:schemeClr val="tx1"/>
+            </a:fontRef>
+          </p:style>
+        </p:cxnSp>
+      </p:grpSp>
+      <p:cxnSp>
+        <p:nvCxnSpPr>
+          <p:cNvPr id="36" name="Connecteur droit 35"/>
+          <p:cNvCxnSpPr/>
+          <p:nvPr/>
+        </p:nvCxnSpPr>
+        <p:spPr>
+          <a:xfrm>
+            <a:off x="1456613" y="2289886"/>
+            <a:ext cx="0" cy="109711"/>
+          </a:xfrm>
+          <a:prstGeom prst="line">
+            <a:avLst/>
+          </a:prstGeom>
+          <a:ln>
+            <a:solidFill>
+              <a:schemeClr val="tx1"/>
+            </a:solidFill>
+          </a:ln>
+        </p:spPr>
+        <p:style>
+          <a:lnRef idx="1">
+            <a:schemeClr val="accent1"/>
+          </a:lnRef>
+          <a:fillRef idx="0">
+            <a:schemeClr val="accent1"/>
+          </a:fillRef>
+          <a:effectRef idx="0">
+            <a:schemeClr val="accent1"/>
+          </a:effectRef>
+          <a:fontRef idx="minor">
+            <a:schemeClr val="tx1"/>
+          </a:fontRef>
+        </p:style>
+      </p:cxnSp>
+      <p:grpSp>
+        <p:nvGrpSpPr>
+          <p:cNvPr id="47" name="Groupe 46"/>
+          <p:cNvGrpSpPr/>
+          <p:nvPr/>
+        </p:nvGrpSpPr>
+        <p:grpSpPr>
+          <a:xfrm rot="619393">
+            <a:off x="1335137" y="2403114"/>
+            <a:ext cx="218434" cy="109218"/>
+            <a:chOff x="1547664" y="2843816"/>
+            <a:chExt cx="288000" cy="144000"/>
+          </a:xfrm>
+        </p:grpSpPr>
+        <p:sp>
+          <p:nvSpPr>
+            <p:cNvPr id="42" name="Rectangle 41"/>
+            <p:cNvSpPr/>
+            <p:nvPr/>
+          </p:nvSpPr>
+          <p:spPr>
+            <a:xfrm>
+              <a:off x="1547664" y="2843816"/>
+              <a:ext cx="288000" cy="144000"/>
+            </a:xfrm>
+            <a:prstGeom prst="rect">
+              <a:avLst/>
+            </a:prstGeom>
+            <a:pattFill prst="wdUpDiag">
+              <a:fgClr>
+                <a:schemeClr val="tx1"/>
+              </a:fgClr>
+              <a:bgClr>
+                <a:schemeClr val="bg1"/>
+              </a:bgClr>
+            </a:pattFill>
+            <a:ln>
+              <a:noFill/>
+            </a:ln>
+          </p:spPr>
+          <p:style>
+            <a:lnRef idx="1">
+              <a:schemeClr val="accent1"/>
+            </a:lnRef>
+            <a:fillRef idx="0">
+              <a:schemeClr val="accent1"/>
+            </a:fillRef>
+            <a:effectRef idx="0">
+              <a:schemeClr val="accent1"/>
+            </a:effectRef>
+            <a:fontRef idx="minor">
+              <a:schemeClr val="tx1"/>
+            </a:fontRef>
+          </p:style>
+          <p:txBody>
+            <a:bodyPr rtlCol="0" anchor="ctr"/>
+            <a:lstStyle/>
+            <a:p>
+              <a:pPr algn="ctr"/>
+              <a:endParaRPr lang="fr-FR"/>
+            </a:p>
+          </p:txBody>
+        </p:sp>
+        <p:cxnSp>
+          <p:nvCxnSpPr>
+            <p:cNvPr id="43" name="Connecteur droit 42"/>
+            <p:cNvCxnSpPr/>
+            <p:nvPr/>
+          </p:nvCxnSpPr>
+          <p:spPr>
+            <a:xfrm>
+              <a:off x="1547664" y="2843816"/>
+              <a:ext cx="281911" cy="0"/>
+            </a:xfrm>
+            <a:prstGeom prst="line">
+              <a:avLst/>
+            </a:prstGeom>
+            <a:ln>
+              <a:solidFill>
+                <a:schemeClr val="tx1"/>
+              </a:solidFill>
+            </a:ln>
+          </p:spPr>
+          <p:style>
+            <a:lnRef idx="1">
+              <a:schemeClr val="accent1"/>
+            </a:lnRef>
+            <a:fillRef idx="0">
+              <a:schemeClr val="accent1"/>
+            </a:fillRef>
+            <a:effectRef idx="0">
+              <a:schemeClr val="accent1"/>
+            </a:effectRef>
+            <a:fontRef idx="minor">
+              <a:schemeClr val="tx1"/>
+            </a:fontRef>
+          </p:style>
+        </p:cxnSp>
+      </p:grpSp>
+      <p:cxnSp>
+        <p:nvCxnSpPr>
+          <p:cNvPr id="50" name="Connecteur droit 49"/>
+          <p:cNvCxnSpPr/>
+          <p:nvPr/>
+        </p:nvCxnSpPr>
+        <p:spPr>
+          <a:xfrm flipV="1">
+            <a:off x="1742130" y="1535501"/>
+            <a:ext cx="41203" cy="217007"/>
+          </a:xfrm>
+          <a:prstGeom prst="line">
+            <a:avLst/>
+          </a:prstGeom>
+          <a:ln>
+            <a:solidFill>
+              <a:schemeClr val="tx1"/>
+            </a:solidFill>
+          </a:ln>
+        </p:spPr>
+        <p:style>
+          <a:lnRef idx="1">
+            <a:schemeClr val="accent1"/>
+          </a:lnRef>
+          <a:fillRef idx="0">
+            <a:schemeClr val="accent1"/>
+          </a:fillRef>
+          <a:effectRef idx="0">
+            <a:schemeClr val="accent1"/>
+          </a:effectRef>
+          <a:fontRef idx="minor">
+            <a:schemeClr val="tx1"/>
+          </a:fontRef>
+        </p:style>
+      </p:cxnSp>
+      <p:sp>
+        <p:nvSpPr>
+          <p:cNvPr id="54" name="Ellipse 53"/>
+          <p:cNvSpPr/>
+          <p:nvPr/>
+        </p:nvSpPr>
+        <p:spPr>
+          <a:xfrm>
+            <a:off x="2555776" y="3501008"/>
+            <a:ext cx="144000" cy="144016"/>
+          </a:xfrm>
+          <a:prstGeom prst="ellipse">
+            <a:avLst/>
+          </a:prstGeom>
+          <a:solidFill>
+            <a:schemeClr val="bg1"/>
+          </a:solidFill>
+          <a:ln w="12700">
+            <a:solidFill>
+              <a:schemeClr val="tx1"/>
+            </a:solidFill>
+          </a:ln>
+        </p:spPr>
+        <p:style>
+          <a:lnRef idx="2">
+            <a:schemeClr val="accent1">
+              <a:shade val="50000"/>
+            </a:schemeClr>
+          </a:lnRef>
+          <a:fillRef idx="1">
+            <a:schemeClr val="accent1"/>
+          </a:fillRef>
+          <a:effectRef idx="0">
+            <a:schemeClr val="accent1"/>
+          </a:effectRef>
+          <a:fontRef idx="minor">
+            <a:schemeClr val="lt1"/>
+          </a:fontRef>
+        </p:style>
+        <p:txBody>
+          <a:bodyPr rtlCol="0" anchor="ctr"/>
+          <a:lstStyle/>
+          <a:p>
+            <a:pPr algn="ctr"/>
+            <a:endParaRPr lang="fr-FR"/>
+          </a:p>
+        </p:txBody>
+      </p:sp>
+      <p:cxnSp>
+        <p:nvCxnSpPr>
+          <p:cNvPr id="55" name="Connecteur droit 54"/>
+          <p:cNvCxnSpPr/>
+          <p:nvPr/>
+        </p:nvCxnSpPr>
+        <p:spPr>
+          <a:xfrm>
+            <a:off x="2627776" y="3645024"/>
+            <a:ext cx="0" cy="109711"/>
+          </a:xfrm>
+          <a:prstGeom prst="line">
+            <a:avLst/>
+          </a:prstGeom>
+          <a:ln w="12700">
+            <a:solidFill>
+              <a:schemeClr val="tx1"/>
+            </a:solidFill>
+          </a:ln>
+        </p:spPr>
+        <p:style>
+          <a:lnRef idx="1">
+            <a:schemeClr val="accent1"/>
+          </a:lnRef>
+          <a:fillRef idx="0">
+            <a:schemeClr val="accent1"/>
+          </a:fillRef>
+          <a:effectRef idx="0">
+            <a:schemeClr val="accent1"/>
+          </a:effectRef>
+          <a:fontRef idx="minor">
+            <a:schemeClr val="tx1"/>
+          </a:fontRef>
+        </p:style>
+      </p:cxnSp>
+      <p:grpSp>
+        <p:nvGrpSpPr>
+          <p:cNvPr id="56" name="Groupe 55"/>
+          <p:cNvGrpSpPr/>
+          <p:nvPr/>
+        </p:nvGrpSpPr>
+        <p:grpSpPr>
+          <a:xfrm>
+            <a:off x="2521596" y="3739251"/>
+            <a:ext cx="216000" cy="109220"/>
+            <a:chOff x="1547664" y="2843816"/>
+            <a:chExt cx="284791" cy="144003"/>
+          </a:xfrm>
+        </p:grpSpPr>
+        <p:sp>
+          <p:nvSpPr>
+            <p:cNvPr id="57" name="Rectangle 56"/>
+            <p:cNvSpPr/>
+            <p:nvPr/>
+          </p:nvSpPr>
+          <p:spPr>
+            <a:xfrm>
+              <a:off x="1547664" y="2843819"/>
+              <a:ext cx="284791" cy="144000"/>
+            </a:xfrm>
+            <a:prstGeom prst="rect">
+              <a:avLst/>
+            </a:prstGeom>
+            <a:pattFill prst="wdUpDiag">
+              <a:fgClr>
+                <a:schemeClr val="tx1"/>
+              </a:fgClr>
+              <a:bgClr>
+                <a:schemeClr val="bg1"/>
+              </a:bgClr>
+            </a:pattFill>
+            <a:ln w="12700">
+              <a:noFill/>
+            </a:ln>
+          </p:spPr>
+          <p:style>
+            <a:lnRef idx="1">
+              <a:schemeClr val="accent1"/>
+            </a:lnRef>
+            <a:fillRef idx="0">
+              <a:schemeClr val="accent1"/>
+            </a:fillRef>
+            <a:effectRef idx="0">
+              <a:schemeClr val="accent1"/>
+            </a:effectRef>
+            <a:fontRef idx="minor">
+              <a:schemeClr val="tx1"/>
+            </a:fontRef>
+          </p:style>
+          <p:txBody>
+            <a:bodyPr rtlCol="0" anchor="ctr"/>
+            <a:lstStyle/>
+            <a:p>
+              <a:pPr algn="ctr"/>
+              <a:endParaRPr lang="fr-FR"/>
+            </a:p>
+          </p:txBody>
+        </p:sp>
+        <p:cxnSp>
+          <p:nvCxnSpPr>
+            <p:cNvPr id="58" name="Connecteur droit 57"/>
+            <p:cNvCxnSpPr/>
+            <p:nvPr/>
+          </p:nvCxnSpPr>
+          <p:spPr>
+            <a:xfrm>
+              <a:off x="1547664" y="2843816"/>
+              <a:ext cx="284791" cy="0"/>
+            </a:xfrm>
+            <a:prstGeom prst="line">
+              <a:avLst/>
+            </a:prstGeom>
+            <a:ln w="12700">
+              <a:solidFill>
+                <a:schemeClr val="tx1"/>
+              </a:solidFill>
+            </a:ln>
+          </p:spPr>
+          <p:style>
+            <a:lnRef idx="1">
+              <a:schemeClr val="accent1"/>
+            </a:lnRef>
+            <a:fillRef idx="0">
+              <a:schemeClr val="accent1"/>
+            </a:fillRef>
+            <a:effectRef idx="0">
+              <a:schemeClr val="accent1"/>
+            </a:effectRef>
+            <a:fontRef idx="minor">
+              <a:schemeClr val="tx1"/>
+            </a:fontRef>
+          </p:style>
+        </p:cxnSp>
+      </p:grpSp>
+      <p:sp>
+        <p:nvSpPr>
+          <p:cNvPr id="62" name="Ellipse 61"/>
+          <p:cNvSpPr/>
+          <p:nvPr/>
+        </p:nvSpPr>
+        <p:spPr>
+          <a:xfrm>
+            <a:off x="3151342" y="2911046"/>
+            <a:ext cx="144000" cy="144016"/>
+          </a:xfrm>
+          <a:prstGeom prst="ellipse">
+            <a:avLst/>
+          </a:prstGeom>
+          <a:solidFill>
+            <a:schemeClr val="bg1"/>
+          </a:solidFill>
+          <a:ln w="12700">
+            <a:solidFill>
+              <a:srgbClr val="7030A0"/>
+            </a:solidFill>
+          </a:ln>
+        </p:spPr>
+        <p:style>
+          <a:lnRef idx="2">
+            <a:schemeClr val="accent1">
+              <a:shade val="50000"/>
+            </a:schemeClr>
+          </a:lnRef>
+          <a:fillRef idx="1">
+            <a:schemeClr val="accent1"/>
+          </a:fillRef>
+          <a:effectRef idx="0">
+            <a:schemeClr val="accent1"/>
+          </a:effectRef>
+          <a:fontRef idx="minor">
+            <a:schemeClr val="lt1"/>
+          </a:fontRef>
+        </p:style>
+        <p:txBody>
+          <a:bodyPr rtlCol="0" anchor="ctr"/>
+          <a:lstStyle/>
+          <a:p>
+            <a:pPr algn="ctr"/>
+            <a:endParaRPr lang="fr-FR"/>
+          </a:p>
+        </p:txBody>
+      </p:sp>
+      <p:sp>
+        <p:nvSpPr>
+          <p:cNvPr id="65" name="Rectangle 64"/>
+          <p:cNvSpPr/>
+          <p:nvPr/>
+        </p:nvSpPr>
+        <p:spPr>
+          <a:xfrm>
+            <a:off x="3079342" y="2658282"/>
+            <a:ext cx="288000" cy="144000"/>
+          </a:xfrm>
+          <a:prstGeom prst="rect">
+            <a:avLst/>
+          </a:prstGeom>
+          <a:noFill/>
+          <a:ln w="12700">
+            <a:solidFill>
+              <a:srgbClr val="7030A0"/>
+            </a:solidFill>
+          </a:ln>
+        </p:spPr>
+        <p:style>
+          <a:lnRef idx="1">
+            <a:schemeClr val="accent1"/>
+          </a:lnRef>
+          <a:fillRef idx="0">
+            <a:schemeClr val="accent1"/>
+          </a:fillRef>
+          <a:effectRef idx="0">
+            <a:schemeClr val="accent1"/>
+          </a:effectRef>
+          <a:fontRef idx="minor">
+            <a:schemeClr val="tx1"/>
+          </a:fontRef>
+        </p:style>
+        <p:txBody>
+          <a:bodyPr rtlCol="0" anchor="ctr"/>
+          <a:lstStyle/>
+          <a:p>
+            <a:pPr algn="ctr"/>
+            <a:endParaRPr lang="fr-FR"/>
+          </a:p>
+        </p:txBody>
+      </p:sp>
+      <p:cxnSp>
+        <p:nvCxnSpPr>
+          <p:cNvPr id="66" name="Connecteur droit 65"/>
+          <p:cNvCxnSpPr>
+            <a:stCxn id="62" idx="0"/>
+            <a:endCxn id="65" idx="2"/>
+          </p:cNvCxnSpPr>
+          <p:nvPr/>
+        </p:nvCxnSpPr>
+        <p:spPr>
+          <a:xfrm flipV="1">
+            <a:off x="3223342" y="2802282"/>
+            <a:ext cx="0" cy="108764"/>
+          </a:xfrm>
+          <a:prstGeom prst="line">
+            <a:avLst/>
+          </a:prstGeom>
+          <a:ln w="12700">
+            <a:solidFill>
+              <a:srgbClr val="7030A0"/>
+            </a:solidFill>
+          </a:ln>
+        </p:spPr>
+        <p:style>
+          <a:lnRef idx="1">
+            <a:schemeClr val="accent1"/>
+          </a:lnRef>
+          <a:fillRef idx="0">
+            <a:schemeClr val="accent1"/>
+          </a:fillRef>
+          <a:effectRef idx="0">
+            <a:schemeClr val="accent1"/>
+          </a:effectRef>
+          <a:fontRef idx="minor">
+            <a:schemeClr val="tx1"/>
+          </a:fontRef>
+        </p:style>
+      </p:cxnSp>
+      <p:cxnSp>
+        <p:nvCxnSpPr>
+          <p:cNvPr id="69" name="Connecteur droit 68"/>
+          <p:cNvCxnSpPr/>
+          <p:nvPr/>
+        </p:nvCxnSpPr>
+        <p:spPr>
+          <a:xfrm flipH="1">
+            <a:off x="2997260" y="2730282"/>
+            <a:ext cx="466252" cy="0"/>
+          </a:xfrm>
+          <a:prstGeom prst="line">
+            <a:avLst/>
+          </a:prstGeom>
+          <a:ln w="12700">
+            <a:solidFill>
+              <a:schemeClr val="accent2"/>
+            </a:solidFill>
+          </a:ln>
+        </p:spPr>
+        <p:style>
+          <a:lnRef idx="1">
+            <a:schemeClr val="accent1"/>
+          </a:lnRef>
+          <a:fillRef idx="0">
+            <a:schemeClr val="accent1"/>
+          </a:fillRef>
+          <a:effectRef idx="0">
+            <a:schemeClr val="accent1"/>
+          </a:effectRef>
+          <a:fontRef idx="minor">
+            <a:schemeClr val="tx1"/>
+          </a:fontRef>
+        </p:style>
+      </p:cxnSp>
+      <p:cxnSp>
+        <p:nvCxnSpPr>
+          <p:cNvPr id="72" name="Connecteur droit 71"/>
+          <p:cNvCxnSpPr/>
+          <p:nvPr/>
+        </p:nvCxnSpPr>
+        <p:spPr>
+          <a:xfrm flipV="1">
+            <a:off x="3055391" y="2658282"/>
+            <a:ext cx="0" cy="144000"/>
+          </a:xfrm>
+          <a:prstGeom prst="line">
+            <a:avLst/>
+          </a:prstGeom>
+          <a:ln w="12700">
+            <a:solidFill>
+              <a:schemeClr val="accent2"/>
+            </a:solidFill>
+          </a:ln>
+        </p:spPr>
+        <p:style>
+          <a:lnRef idx="1">
+            <a:schemeClr val="accent1"/>
+          </a:lnRef>
+          <a:fillRef idx="0">
+            <a:schemeClr val="accent1"/>
+          </a:fillRef>
+          <a:effectRef idx="0">
+            <a:schemeClr val="accent1"/>
+          </a:effectRef>
+          <a:fontRef idx="minor">
+            <a:schemeClr val="tx1"/>
+          </a:fontRef>
+        </p:style>
+      </p:cxnSp>
+      <p:cxnSp>
+        <p:nvCxnSpPr>
+          <p:cNvPr id="73" name="Connecteur droit 72"/>
+          <p:cNvCxnSpPr/>
+          <p:nvPr/>
+        </p:nvCxnSpPr>
+        <p:spPr>
+          <a:xfrm flipV="1">
+            <a:off x="3391504" y="2658282"/>
+            <a:ext cx="0" cy="144000"/>
+          </a:xfrm>
+          <a:prstGeom prst="line">
+            <a:avLst/>
+          </a:prstGeom>
+          <a:ln w="12700">
+            <a:solidFill>
+              <a:schemeClr val="accent2"/>
+            </a:solidFill>
+          </a:ln>
+        </p:spPr>
+        <p:style>
+          <a:lnRef idx="1">
+            <a:schemeClr val="accent1"/>
+          </a:lnRef>
+          <a:fillRef idx="0">
+            <a:schemeClr val="accent1"/>
+          </a:fillRef>
+          <a:effectRef idx="0">
+            <a:schemeClr val="accent1"/>
+          </a:effectRef>
+          <a:fontRef idx="minor">
+            <a:schemeClr val="tx1"/>
+          </a:fontRef>
+        </p:style>
+      </p:cxnSp>
+      <p:cxnSp>
+        <p:nvCxnSpPr>
+          <p:cNvPr id="74" name="Connecteur droit 73"/>
+          <p:cNvCxnSpPr/>
+          <p:nvPr/>
+        </p:nvCxnSpPr>
+        <p:spPr>
+          <a:xfrm flipV="1">
+            <a:off x="2997260" y="2111508"/>
+            <a:ext cx="0" cy="617478"/>
+          </a:xfrm>
+          <a:prstGeom prst="line">
+            <a:avLst/>
+          </a:prstGeom>
+          <a:ln w="12700">
+            <a:solidFill>
+              <a:schemeClr val="accent2"/>
+            </a:solidFill>
+          </a:ln>
+        </p:spPr>
+        <p:style>
+          <a:lnRef idx="1">
+            <a:schemeClr val="accent1"/>
+          </a:lnRef>
+          <a:fillRef idx="0">
+            <a:schemeClr val="accent1"/>
+          </a:fillRef>
+          <a:effectRef idx="0">
+            <a:schemeClr val="accent1"/>
+          </a:effectRef>
+          <a:fontRef idx="minor">
+            <a:schemeClr val="tx1"/>
+          </a:fontRef>
+        </p:style>
+      </p:cxnSp>
+      <p:cxnSp>
+        <p:nvCxnSpPr>
+          <p:cNvPr id="76" name="Connecteur droit 75"/>
+          <p:cNvCxnSpPr/>
+          <p:nvPr/>
+        </p:nvCxnSpPr>
+        <p:spPr>
+          <a:xfrm flipV="1">
+            <a:off x="2997261" y="2111507"/>
+            <a:ext cx="233125" cy="1"/>
+          </a:xfrm>
+          <a:prstGeom prst="line">
+            <a:avLst/>
+          </a:prstGeom>
+          <a:ln w="12700">
+            <a:solidFill>
+              <a:schemeClr val="accent2"/>
+            </a:solidFill>
+          </a:ln>
+        </p:spPr>
+        <p:style>
+          <a:lnRef idx="1">
+            <a:schemeClr val="accent1"/>
+          </a:lnRef>
+          <a:fillRef idx="0">
+            <a:schemeClr val="accent1"/>
+          </a:fillRef>
+          <a:effectRef idx="0">
+            <a:schemeClr val="accent1"/>
+          </a:effectRef>
+          <a:fontRef idx="minor">
+            <a:schemeClr val="tx1"/>
+          </a:fontRef>
+        </p:style>
+      </p:cxnSp>
+      <p:cxnSp>
+        <p:nvCxnSpPr>
+          <p:cNvPr id="79" name="Connecteur droit 78"/>
+          <p:cNvCxnSpPr/>
+          <p:nvPr/>
+        </p:nvCxnSpPr>
+        <p:spPr>
+          <a:xfrm flipV="1">
+            <a:off x="3229291" y="1854526"/>
+            <a:ext cx="0" cy="256982"/>
+          </a:xfrm>
+          <a:prstGeom prst="line">
+            <a:avLst/>
+          </a:prstGeom>
+          <a:ln w="12700">
+            <a:solidFill>
+              <a:schemeClr val="accent2"/>
+            </a:solidFill>
+          </a:ln>
+        </p:spPr>
+        <p:style>
+          <a:lnRef idx="1">
+            <a:schemeClr val="accent1"/>
+          </a:lnRef>
+          <a:fillRef idx="0">
+            <a:schemeClr val="accent1"/>
+          </a:fillRef>
+          <a:effectRef idx="0">
+            <a:schemeClr val="accent1"/>
+          </a:effectRef>
+          <a:fontRef idx="minor">
+            <a:schemeClr val="tx1"/>
+          </a:fontRef>
+        </p:style>
+      </p:cxnSp>
+      <p:cxnSp>
+        <p:nvCxnSpPr>
+          <p:cNvPr id="80" name="Connecteur droit 79"/>
+          <p:cNvCxnSpPr>
+            <a:stCxn id="54" idx="6"/>
+          </p:cNvCxnSpPr>
+          <p:nvPr/>
+        </p:nvCxnSpPr>
+        <p:spPr>
+          <a:xfrm>
+            <a:off x="2699776" y="3573016"/>
+            <a:ext cx="270946" cy="0"/>
+          </a:xfrm>
+          <a:prstGeom prst="line">
+            <a:avLst/>
+          </a:prstGeom>
+          <a:ln w="6350">
+            <a:solidFill>
+              <a:schemeClr val="tx1"/>
+            </a:solidFill>
+            <a:tailEnd type="stealth" w="sm" len="med"/>
+          </a:ln>
+        </p:spPr>
+        <p:style>
+          <a:lnRef idx="1">
+            <a:schemeClr val="accent1"/>
+          </a:lnRef>
+          <a:fillRef idx="0">
+            <a:schemeClr val="accent1"/>
+          </a:fillRef>
+          <a:effectRef idx="0">
+            <a:schemeClr val="accent1"/>
+          </a:effectRef>
+          <a:fontRef idx="minor">
+            <a:schemeClr val="tx1"/>
+          </a:fontRef>
+        </p:style>
+      </p:cxnSp>
+      <p:cxnSp>
+        <p:nvCxnSpPr>
+          <p:cNvPr id="83" name="Connecteur droit 82"/>
+          <p:cNvCxnSpPr/>
+          <p:nvPr/>
+        </p:nvCxnSpPr>
+        <p:spPr>
+          <a:xfrm rot="16200000" flipV="1">
+            <a:off x="2492303" y="3365535"/>
+            <a:ext cx="270946" cy="0"/>
+          </a:xfrm>
+          <a:prstGeom prst="line">
+            <a:avLst/>
+          </a:prstGeom>
+          <a:ln w="6350">
+            <a:solidFill>
+              <a:schemeClr val="tx1"/>
+            </a:solidFill>
+            <a:tailEnd type="stealth" w="sm" len="med"/>
+          </a:ln>
+        </p:spPr>
+        <p:style>
+          <a:lnRef idx="1">
+            <a:schemeClr val="accent1"/>
+          </a:lnRef>
+          <a:fillRef idx="0">
+            <a:schemeClr val="accent1"/>
+          </a:fillRef>
+          <a:effectRef idx="0">
+            <a:schemeClr val="accent1"/>
+          </a:effectRef>
+          <a:fontRef idx="minor">
+            <a:schemeClr val="tx1"/>
+          </a:fontRef>
+        </p:style>
+      </p:cxnSp>
+      <mc:AlternateContent xmlns:mc="http://schemas.openxmlformats.org/markup-compatibility/2006">
+        <mc:Choice xmlns:a14="http://schemas.microsoft.com/office/drawing/2010/main" Requires="a14">
+          <p:sp>
+            <p:nvSpPr>
+              <p:cNvPr id="84" name="ZoneTexte 83"/>
+              <p:cNvSpPr txBox="1"/>
+              <p:nvPr/>
+            </p:nvSpPr>
+            <p:spPr>
+              <a:xfrm>
+                <a:off x="2912766" y="3441121"/>
+                <a:ext cx="313419" cy="263790"/>
+              </a:xfrm>
+              <a:prstGeom prst="rect">
+                <a:avLst/>
+              </a:prstGeom>
+              <a:noFill/>
+            </p:spPr>
+            <p:txBody>
+              <a:bodyPr wrap="none" rtlCol="0">
+                <a:spAutoFit/>
+              </a:bodyPr>
+              <a:lstStyle/>
+              <a:p>
+                <a14:m>
+                  <m:oMathPara xmlns:m="http://schemas.openxmlformats.org/officeDocument/2006/math">
+                    <m:oMathParaPr>
+                      <m:jc m:val="centerGroup"/>
+                    </m:oMathParaPr>
+                    <m:oMath xmlns:m="http://schemas.openxmlformats.org/officeDocument/2006/math">
+                      <m:acc>
+                        <m:accPr>
+                          <m:chr m:val="⃗"/>
+                          <m:ctrlPr>
+                            <a:rPr lang="fr-FR" sz="1000" i="1" smtClean="0">
+                              <a:latin typeface="Cambria Math"/>
+                            </a:rPr>
+                          </m:ctrlPr>
+                        </m:accPr>
+                        <m:e>
+                          <m:sSub>
+                            <m:sSubPr>
+                              <m:ctrlPr>
+                                <a:rPr lang="fr-FR" sz="1000" b="0" i="1" smtClean="0">
+                                  <a:latin typeface="Cambria Math"/>
+                                </a:rPr>
+                              </m:ctrlPr>
+                            </m:sSubPr>
+                            <m:e>
+                              <m:r>
+                                <a:rPr lang="fr-FR" sz="1000" b="0" i="1" smtClean="0">
+                                  <a:latin typeface="Cambria Math"/>
+                                </a:rPr>
+                                <m:t>𝑖</m:t>
+                              </m:r>
+                            </m:e>
+                            <m:sub>
+                              <m:r>
+                                <a:rPr lang="fr-FR" sz="1000" b="0" i="1" smtClean="0">
+                                  <a:latin typeface="Cambria Math"/>
+                                </a:rPr>
+                                <m:t>0</m:t>
+                              </m:r>
+                            </m:sub>
+                          </m:sSub>
+                        </m:e>
+                      </m:acc>
+                    </m:oMath>
+                  </m:oMathPara>
+                </a14:m>
+                <a:endParaRPr lang="fr-FR" sz="1000" dirty="0"/>
+              </a:p>
+            </p:txBody>
+          </p:sp>
+        </mc:Choice>
+        <mc:Fallback>
+          <p:sp>
+            <p:nvSpPr>
+              <p:cNvPr id="84" name="ZoneTexte 83"/>
+              <p:cNvSpPr txBox="1">
+                <a:spLocks noRot="1" noChangeAspect="1" noMove="1" noResize="1" noEditPoints="1" noAdjustHandles="1" noChangeArrowheads="1" noChangeShapeType="1" noTextEdit="1"/>
+              </p:cNvSpPr>
+              <p:nvPr/>
+            </p:nvSpPr>
+            <p:spPr>
+              <a:xfrm>
+                <a:off x="2912766" y="3441121"/>
+                <a:ext cx="313419" cy="263790"/>
+              </a:xfrm>
+              <a:prstGeom prst="rect">
+                <a:avLst/>
+              </a:prstGeom>
+              <a:blipFill rotWithShape="1">
+                <a:blip r:embed="rId4"/>
+                <a:stretch>
+                  <a:fillRect/>
+                </a:stretch>
+              </a:blipFill>
+            </p:spPr>
+            <p:txBody>
+              <a:bodyPr/>
+              <a:lstStyle/>
+              <a:p>
+                <a:r>
+                  <a:rPr lang="fr-FR">
+                    <a:noFill/>
+                  </a:rPr>
+                  <a:t> </a:t>
+                </a:r>
+              </a:p>
+            </p:txBody>
+          </p:sp>
+        </mc:Fallback>
+      </mc:AlternateContent>
+      <mc:AlternateContent xmlns:mc="http://schemas.openxmlformats.org/markup-compatibility/2006">
+        <mc:Choice xmlns:a14="http://schemas.microsoft.com/office/drawing/2010/main" Requires="a14">
+          <p:sp>
+            <p:nvSpPr>
+              <p:cNvPr id="85" name="ZoneTexte 84"/>
+              <p:cNvSpPr txBox="1"/>
+              <p:nvPr/>
+            </p:nvSpPr>
+            <p:spPr>
+              <a:xfrm>
+                <a:off x="2363860" y="3098166"/>
+                <a:ext cx="315471" cy="263790"/>
+              </a:xfrm>
+              <a:prstGeom prst="rect">
+                <a:avLst/>
+              </a:prstGeom>
+              <a:noFill/>
+            </p:spPr>
+            <p:txBody>
+              <a:bodyPr wrap="none" rtlCol="0">
+                <a:spAutoFit/>
+              </a:bodyPr>
+              <a:lstStyle/>
+              <a:p>
+                <a14:m>
+                  <m:oMathPara xmlns:m="http://schemas.openxmlformats.org/officeDocument/2006/math">
+                    <m:oMathParaPr>
+                      <m:jc m:val="centerGroup"/>
+                    </m:oMathParaPr>
+                    <m:oMath xmlns:m="http://schemas.openxmlformats.org/officeDocument/2006/math">
+                      <m:acc>
+                        <m:accPr>
+                          <m:chr m:val="⃗"/>
+                          <m:ctrlPr>
+                            <a:rPr lang="fr-FR" sz="1000" i="1" smtClean="0">
+                              <a:latin typeface="Cambria Math"/>
+                            </a:rPr>
+                          </m:ctrlPr>
+                        </m:accPr>
+                        <m:e>
+                          <m:sSub>
+                            <m:sSubPr>
+                              <m:ctrlPr>
+                                <a:rPr lang="fr-FR" sz="1000" b="0" i="1" smtClean="0">
+                                  <a:latin typeface="Cambria Math"/>
+                                </a:rPr>
+                              </m:ctrlPr>
+                            </m:sSubPr>
+                            <m:e>
+                              <m:r>
+                                <a:rPr lang="fr-FR" sz="1000" b="0" i="1" smtClean="0">
+                                  <a:latin typeface="Cambria Math"/>
+                                </a:rPr>
+                                <m:t>𝑗</m:t>
+                              </m:r>
+                            </m:e>
+                            <m:sub>
+                              <m:r>
+                                <a:rPr lang="fr-FR" sz="1000" b="0" i="1" smtClean="0">
+                                  <a:latin typeface="Cambria Math"/>
+                                </a:rPr>
+                                <m:t>0</m:t>
+                              </m:r>
+                            </m:sub>
+                          </m:sSub>
+                        </m:e>
+                      </m:acc>
+                    </m:oMath>
+                  </m:oMathPara>
+                </a14:m>
+                <a:endParaRPr lang="fr-FR" sz="1000" dirty="0"/>
+              </a:p>
+            </p:txBody>
+          </p:sp>
+        </mc:Choice>
+        <mc:Fallback>
+          <p:sp>
+            <p:nvSpPr>
+              <p:cNvPr id="85" name="ZoneTexte 84"/>
+              <p:cNvSpPr txBox="1">
+                <a:spLocks noRot="1" noChangeAspect="1" noMove="1" noResize="1" noEditPoints="1" noAdjustHandles="1" noChangeArrowheads="1" noChangeShapeType="1" noTextEdit="1"/>
+              </p:cNvSpPr>
+              <p:nvPr/>
+            </p:nvSpPr>
+            <p:spPr>
+              <a:xfrm>
+                <a:off x="2363860" y="3098166"/>
+                <a:ext cx="315471" cy="263790"/>
+              </a:xfrm>
+              <a:prstGeom prst="rect">
+                <a:avLst/>
+              </a:prstGeom>
+              <a:blipFill rotWithShape="1">
+                <a:blip r:embed="rId5"/>
+                <a:stretch>
+                  <a:fillRect/>
+                </a:stretch>
+              </a:blipFill>
+            </p:spPr>
+            <p:txBody>
+              <a:bodyPr/>
+              <a:lstStyle/>
+              <a:p>
+                <a:r>
+                  <a:rPr lang="fr-FR">
+                    <a:noFill/>
+                  </a:rPr>
+                  <a:t> </a:t>
+                </a:r>
+              </a:p>
+            </p:txBody>
+          </p:sp>
+        </mc:Fallback>
+      </mc:AlternateContent>
+      <p:sp>
+        <p:nvSpPr>
+          <p:cNvPr id="86" name="Ellipse 85"/>
+          <p:cNvSpPr/>
+          <p:nvPr/>
+        </p:nvSpPr>
+        <p:spPr>
+          <a:xfrm>
+            <a:off x="2737596" y="3735813"/>
+            <a:ext cx="144000" cy="144016"/>
+          </a:xfrm>
+          <a:prstGeom prst="ellipse">
+            <a:avLst/>
+          </a:prstGeom>
+          <a:solidFill>
+            <a:schemeClr val="bg1"/>
+          </a:solidFill>
+          <a:ln w="9525">
+            <a:solidFill>
+              <a:schemeClr val="tx1"/>
+            </a:solidFill>
+          </a:ln>
+        </p:spPr>
+        <p:style>
+          <a:lnRef idx="2">
+            <a:schemeClr val="accent1">
+              <a:shade val="50000"/>
+            </a:schemeClr>
+          </a:lnRef>
+          <a:fillRef idx="1">
+            <a:schemeClr val="accent1"/>
+          </a:fillRef>
+          <a:effectRef idx="0">
+            <a:schemeClr val="accent1"/>
+          </a:effectRef>
+          <a:fontRef idx="minor">
+            <a:schemeClr val="lt1"/>
+          </a:fontRef>
+        </p:style>
+        <p:txBody>
+          <a:bodyPr rtlCol="0" anchor="ctr"/>
+          <a:lstStyle/>
+          <a:p>
+            <a:pPr algn="ctr"/>
+            <a:r>
+              <a:rPr lang="fr-FR" sz="800" dirty="0" smtClean="0">
+                <a:solidFill>
+                  <a:sysClr val="windowText" lastClr="000000"/>
+                </a:solidFill>
+              </a:rPr>
+              <a:t>0</a:t>
+            </a:r>
+            <a:endParaRPr lang="fr-FR" dirty="0">
+              <a:solidFill>
+                <a:sysClr val="windowText" lastClr="000000"/>
+              </a:solidFill>
+            </a:endParaRPr>
+          </a:p>
+        </p:txBody>
+      </p:sp>
+      <p:sp>
+        <p:nvSpPr>
+          <p:cNvPr id="87" name="Ellipse 86"/>
+          <p:cNvSpPr/>
+          <p:nvPr/>
+        </p:nvSpPr>
+        <p:spPr>
+          <a:xfrm>
+            <a:off x="2946706" y="2983054"/>
+            <a:ext cx="144000" cy="144016"/>
+          </a:xfrm>
+          <a:prstGeom prst="ellipse">
+            <a:avLst/>
+          </a:prstGeom>
+          <a:solidFill>
+            <a:schemeClr val="bg1"/>
+          </a:solidFill>
+          <a:ln w="9525">
+            <a:solidFill>
+              <a:schemeClr val="tx2"/>
+            </a:solidFill>
+          </a:ln>
+        </p:spPr>
+        <p:style>
+          <a:lnRef idx="2">
+            <a:schemeClr val="accent1">
+              <a:shade val="50000"/>
+            </a:schemeClr>
+          </a:lnRef>
+          <a:fillRef idx="1">
+            <a:schemeClr val="accent1"/>
+          </a:fillRef>
+          <a:effectRef idx="0">
+            <a:schemeClr val="accent1"/>
+          </a:effectRef>
+          <a:fontRef idx="minor">
+            <a:schemeClr val="lt1"/>
+          </a:fontRef>
+        </p:style>
+        <p:txBody>
+          <a:bodyPr rtlCol="0" anchor="ctr"/>
+          <a:lstStyle/>
+          <a:p>
+            <a:pPr algn="ctr"/>
+            <a:r>
+              <a:rPr lang="fr-FR" sz="800" dirty="0">
+                <a:solidFill>
+                  <a:schemeClr val="tx2"/>
+                </a:solidFill>
+              </a:rPr>
+              <a:t>1</a:t>
+            </a:r>
+            <a:endParaRPr lang="fr-FR" dirty="0">
+              <a:solidFill>
+                <a:schemeClr val="tx2"/>
+              </a:solidFill>
+            </a:endParaRPr>
+          </a:p>
+        </p:txBody>
+      </p:sp>
+      <p:sp>
+        <p:nvSpPr>
+          <p:cNvPr id="88" name="Ellipse 87"/>
+          <p:cNvSpPr/>
+          <p:nvPr/>
+        </p:nvSpPr>
+        <p:spPr>
+          <a:xfrm>
+            <a:off x="3297911" y="2472978"/>
+            <a:ext cx="144000" cy="144016"/>
+          </a:xfrm>
+          <a:prstGeom prst="ellipse">
+            <a:avLst/>
+          </a:prstGeom>
+          <a:solidFill>
+            <a:schemeClr val="bg1"/>
+          </a:solidFill>
+          <a:ln w="9525">
+            <a:solidFill>
+              <a:srgbClr val="7030A0"/>
+            </a:solidFill>
+          </a:ln>
+        </p:spPr>
+        <p:style>
+          <a:lnRef idx="2">
+            <a:schemeClr val="accent1">
+              <a:shade val="50000"/>
+            </a:schemeClr>
+          </a:lnRef>
+          <a:fillRef idx="1">
+            <a:schemeClr val="accent1"/>
+          </a:fillRef>
+          <a:effectRef idx="0">
+            <a:schemeClr val="accent1"/>
+          </a:effectRef>
+          <a:fontRef idx="minor">
+            <a:schemeClr val="lt1"/>
+          </a:fontRef>
+        </p:style>
+        <p:txBody>
+          <a:bodyPr rtlCol="0" anchor="ctr"/>
+          <a:lstStyle/>
+          <a:p>
+            <a:pPr algn="ctr"/>
+            <a:r>
+              <a:rPr lang="fr-FR" sz="800" dirty="0" smtClean="0">
+                <a:solidFill>
+                  <a:srgbClr val="7030A0"/>
+                </a:solidFill>
+              </a:rPr>
+              <a:t>2</a:t>
+            </a:r>
+            <a:endParaRPr lang="fr-FR" dirty="0">
+              <a:solidFill>
+                <a:srgbClr val="7030A0"/>
+              </a:solidFill>
+            </a:endParaRPr>
+          </a:p>
+        </p:txBody>
+      </p:sp>
+      <p:sp>
+        <p:nvSpPr>
+          <p:cNvPr id="89" name="Ellipse 88"/>
+          <p:cNvSpPr/>
+          <p:nvPr/>
+        </p:nvSpPr>
+        <p:spPr>
+          <a:xfrm>
+            <a:off x="3041823" y="2147061"/>
+            <a:ext cx="144000" cy="144016"/>
+          </a:xfrm>
+          <a:prstGeom prst="ellipse">
+            <a:avLst/>
+          </a:prstGeom>
+          <a:solidFill>
+            <a:schemeClr val="bg1"/>
+          </a:solidFill>
+          <a:ln w="9525">
+            <a:solidFill>
+              <a:schemeClr val="accent2"/>
+            </a:solidFill>
+          </a:ln>
+        </p:spPr>
+        <p:style>
+          <a:lnRef idx="2">
+            <a:schemeClr val="accent1">
+              <a:shade val="50000"/>
+            </a:schemeClr>
+          </a:lnRef>
+          <a:fillRef idx="1">
+            <a:schemeClr val="accent1"/>
+          </a:fillRef>
+          <a:effectRef idx="0">
+            <a:schemeClr val="accent1"/>
+          </a:effectRef>
+          <a:fontRef idx="minor">
+            <a:schemeClr val="lt1"/>
+          </a:fontRef>
+        </p:style>
+        <p:txBody>
+          <a:bodyPr rtlCol="0" anchor="ctr"/>
+          <a:lstStyle/>
+          <a:p>
+            <a:pPr algn="ctr"/>
+            <a:r>
+              <a:rPr lang="fr-FR" sz="800" dirty="0">
+                <a:solidFill>
+                  <a:schemeClr val="accent2"/>
+                </a:solidFill>
+              </a:rPr>
+              <a:t>3</a:t>
+            </a:r>
+            <a:endParaRPr lang="fr-FR" dirty="0">
+              <a:solidFill>
+                <a:schemeClr val="accent2"/>
+              </a:solidFill>
+            </a:endParaRPr>
+          </a:p>
+        </p:txBody>
+      </p:sp>
+      <mc:AlternateContent xmlns:mc="http://schemas.openxmlformats.org/markup-compatibility/2006">
+        <mc:Choice xmlns:a14="http://schemas.microsoft.com/office/drawing/2010/main" Requires="a14">
+          <p:sp>
+            <p:nvSpPr>
+              <p:cNvPr id="94" name="ZoneTexte 93"/>
+              <p:cNvSpPr txBox="1"/>
+              <p:nvPr/>
+            </p:nvSpPr>
+            <p:spPr>
+              <a:xfrm>
+                <a:off x="3391504" y="2581432"/>
+                <a:ext cx="301941" cy="246221"/>
+              </a:xfrm>
+              <a:prstGeom prst="rect">
+                <a:avLst/>
+              </a:prstGeom>
+              <a:noFill/>
+            </p:spPr>
+            <p:txBody>
+              <a:bodyPr wrap="none" rtlCol="0">
+                <a:spAutoFit/>
+              </a:bodyPr>
+              <a:lstStyle/>
+              <a:p>
+                <a14:m>
+                  <m:oMathPara xmlns:m="http://schemas.openxmlformats.org/officeDocument/2006/math">
+                    <m:oMathParaPr>
+                      <m:jc m:val="centerGroup"/>
+                    </m:oMathParaPr>
+                    <m:oMath xmlns:m="http://schemas.openxmlformats.org/officeDocument/2006/math">
+                      <m:r>
+                        <a:rPr lang="fr-FR" sz="1000" b="0" i="1" smtClean="0">
+                          <a:latin typeface="Cambria Math"/>
+                        </a:rPr>
+                        <m:t>𝐵</m:t>
+                      </m:r>
+                    </m:oMath>
+                  </m:oMathPara>
+                </a14:m>
+                <a:endParaRPr lang="fr-FR" sz="1000" dirty="0"/>
+              </a:p>
+            </p:txBody>
+          </p:sp>
+        </mc:Choice>
+        <mc:Fallback>
+          <p:sp>
+            <p:nvSpPr>
+              <p:cNvPr id="94" name="ZoneTexte 93"/>
+              <p:cNvSpPr txBox="1">
+                <a:spLocks noRot="1" noChangeAspect="1" noMove="1" noResize="1" noEditPoints="1" noAdjustHandles="1" noChangeArrowheads="1" noChangeShapeType="1" noTextEdit="1"/>
+              </p:cNvSpPr>
+              <p:nvPr/>
+            </p:nvSpPr>
+            <p:spPr>
+              <a:xfrm>
+                <a:off x="3391504" y="2581432"/>
+                <a:ext cx="301941" cy="246221"/>
+              </a:xfrm>
+              <a:prstGeom prst="rect">
+                <a:avLst/>
+              </a:prstGeom>
+              <a:blipFill rotWithShape="1">
+                <a:blip r:embed="rId6"/>
+                <a:stretch>
+                  <a:fillRect/>
+                </a:stretch>
+              </a:blipFill>
+            </p:spPr>
+            <p:txBody>
+              <a:bodyPr/>
+              <a:lstStyle/>
+              <a:p>
+                <a:r>
+                  <a:rPr lang="fr-FR">
+                    <a:noFill/>
+                  </a:rPr>
+                  <a:t> </a:t>
+                </a:r>
+              </a:p>
+            </p:txBody>
+          </p:sp>
+        </mc:Fallback>
+      </mc:AlternateContent>
+      <mc:AlternateContent xmlns:mc="http://schemas.openxmlformats.org/markup-compatibility/2006">
+        <mc:Choice xmlns:a14="http://schemas.microsoft.com/office/drawing/2010/main" Requires="a14">
+          <p:sp>
+            <p:nvSpPr>
+              <p:cNvPr id="95" name="ZoneTexte 94"/>
+              <p:cNvSpPr txBox="1"/>
+              <p:nvPr/>
+            </p:nvSpPr>
+            <p:spPr>
+              <a:xfrm>
+                <a:off x="3181358" y="1725216"/>
+                <a:ext cx="296107" cy="246221"/>
+              </a:xfrm>
+              <a:prstGeom prst="rect">
+                <a:avLst/>
+              </a:prstGeom>
+              <a:noFill/>
+            </p:spPr>
+            <p:txBody>
+              <a:bodyPr wrap="none" rtlCol="0">
+                <a:spAutoFit/>
+              </a:bodyPr>
+              <a:lstStyle/>
+              <a:p>
+                <a14:m>
+                  <m:oMathPara xmlns:m="http://schemas.openxmlformats.org/officeDocument/2006/math">
+                    <m:oMathParaPr>
+                      <m:jc m:val="centerGroup"/>
+                    </m:oMathParaPr>
+                    <m:oMath xmlns:m="http://schemas.openxmlformats.org/officeDocument/2006/math">
+                      <m:r>
+                        <a:rPr lang="fr-FR" sz="1000" b="0" i="1" smtClean="0">
+                          <a:latin typeface="Cambria Math"/>
+                        </a:rPr>
+                        <m:t>𝐶</m:t>
+                      </m:r>
+                    </m:oMath>
+                  </m:oMathPara>
+                </a14:m>
+                <a:endParaRPr lang="fr-FR" sz="1000" dirty="0"/>
+              </a:p>
+            </p:txBody>
+          </p:sp>
+        </mc:Choice>
+        <mc:Fallback>
+          <p:sp>
+            <p:nvSpPr>
+              <p:cNvPr id="95" name="ZoneTexte 94"/>
+              <p:cNvSpPr txBox="1">
+                <a:spLocks noRot="1" noChangeAspect="1" noMove="1" noResize="1" noEditPoints="1" noAdjustHandles="1" noChangeArrowheads="1" noChangeShapeType="1" noTextEdit="1"/>
+              </p:cNvSpPr>
+              <p:nvPr/>
+            </p:nvSpPr>
+            <p:spPr>
+              <a:xfrm>
+                <a:off x="3181358" y="1725216"/>
+                <a:ext cx="296107" cy="246221"/>
+              </a:xfrm>
+              <a:prstGeom prst="rect">
+                <a:avLst/>
+              </a:prstGeom>
+              <a:blipFill rotWithShape="1">
+                <a:blip r:embed="rId7"/>
+                <a:stretch>
+                  <a:fillRect/>
+                </a:stretch>
+              </a:blipFill>
+            </p:spPr>
+            <p:txBody>
+              <a:bodyPr/>
+              <a:lstStyle/>
+              <a:p>
+                <a:r>
+                  <a:rPr lang="fr-FR">
+                    <a:noFill/>
+                  </a:rPr>
+                  <a:t> </a:t>
+                </a:r>
+              </a:p>
+            </p:txBody>
+          </p:sp>
+        </mc:Fallback>
+      </mc:AlternateContent>
+      <mc:AlternateContent xmlns:mc="http://schemas.openxmlformats.org/markup-compatibility/2006">
+        <mc:Choice xmlns:a14="http://schemas.microsoft.com/office/drawing/2010/main" Requires="a14">
+          <p:sp>
+            <p:nvSpPr>
+              <p:cNvPr id="96" name="ZoneTexte 95"/>
+              <p:cNvSpPr txBox="1"/>
+              <p:nvPr/>
+            </p:nvSpPr>
+            <p:spPr>
+              <a:xfrm>
+                <a:off x="2331669" y="3441121"/>
+                <a:ext cx="303224" cy="246221"/>
+              </a:xfrm>
+              <a:prstGeom prst="rect">
+                <a:avLst/>
+              </a:prstGeom>
+              <a:noFill/>
+            </p:spPr>
+            <p:txBody>
+              <a:bodyPr wrap="none" rtlCol="0">
+                <a:spAutoFit/>
+              </a:bodyPr>
+              <a:lstStyle/>
+              <a:p>
+                <a14:m>
+                  <m:oMathPara xmlns:m="http://schemas.openxmlformats.org/officeDocument/2006/math">
+                    <m:oMathParaPr>
+                      <m:jc m:val="centerGroup"/>
+                    </m:oMathParaPr>
+                    <m:oMath xmlns:m="http://schemas.openxmlformats.org/officeDocument/2006/math">
+                      <m:r>
+                        <a:rPr lang="fr-FR" sz="1000" b="0" i="1" smtClean="0">
+                          <a:latin typeface="Cambria Math"/>
+                        </a:rPr>
+                        <m:t>𝑂</m:t>
+                      </m:r>
+                    </m:oMath>
+                  </m:oMathPara>
+                </a14:m>
+                <a:endParaRPr lang="fr-FR" sz="1000" dirty="0"/>
+              </a:p>
+            </p:txBody>
+          </p:sp>
+        </mc:Choice>
+        <mc:Fallback>
+          <p:sp>
+            <p:nvSpPr>
+              <p:cNvPr id="96" name="ZoneTexte 95"/>
+              <p:cNvSpPr txBox="1">
+                <a:spLocks noRot="1" noChangeAspect="1" noMove="1" noResize="1" noEditPoints="1" noAdjustHandles="1" noChangeArrowheads="1" noChangeShapeType="1" noTextEdit="1"/>
+              </p:cNvSpPr>
+              <p:nvPr/>
+            </p:nvSpPr>
+            <p:spPr>
+              <a:xfrm>
+                <a:off x="2331669" y="3441121"/>
+                <a:ext cx="303224" cy="246221"/>
+              </a:xfrm>
+              <a:prstGeom prst="rect">
+                <a:avLst/>
+              </a:prstGeom>
+              <a:blipFill rotWithShape="1">
+                <a:blip r:embed="rId8"/>
+                <a:stretch>
+                  <a:fillRect/>
+                </a:stretch>
+              </a:blipFill>
+            </p:spPr>
+            <p:txBody>
+              <a:bodyPr/>
+              <a:lstStyle/>
+              <a:p>
+                <a:r>
+                  <a:rPr lang="fr-FR">
+                    <a:noFill/>
+                  </a:rPr>
+                  <a:t> </a:t>
+                </a:r>
+              </a:p>
+            </p:txBody>
+          </p:sp>
+        </mc:Fallback>
+      </mc:AlternateContent>
+      <p:cxnSp>
+        <p:nvCxnSpPr>
+          <p:cNvPr id="97" name="Connecteur droit 96"/>
+          <p:cNvCxnSpPr>
+            <a:stCxn id="54" idx="7"/>
+          </p:cNvCxnSpPr>
+          <p:nvPr/>
+        </p:nvCxnSpPr>
+        <p:spPr>
+          <a:xfrm flipV="1">
+            <a:off x="2678688" y="3278035"/>
+            <a:ext cx="246871" cy="244064"/>
+          </a:xfrm>
+          <a:prstGeom prst="line">
+            <a:avLst/>
+          </a:prstGeom>
+          <a:ln w="6350">
+            <a:solidFill>
+              <a:schemeClr val="tx2"/>
+            </a:solidFill>
+            <a:tailEnd type="stealth" w="sm" len="med"/>
+          </a:ln>
+        </p:spPr>
+        <p:style>
+          <a:lnRef idx="1">
+            <a:schemeClr val="accent1"/>
+          </a:lnRef>
+          <a:fillRef idx="0">
+            <a:schemeClr val="accent1"/>
+          </a:fillRef>
+          <a:effectRef idx="0">
+            <a:schemeClr val="accent1"/>
+          </a:effectRef>
+          <a:fontRef idx="minor">
+            <a:schemeClr val="tx1"/>
+          </a:fontRef>
+        </p:style>
+      </p:cxnSp>
+      <mc:AlternateContent xmlns:mc="http://schemas.openxmlformats.org/markup-compatibility/2006">
+        <mc:Choice xmlns:a14="http://schemas.microsoft.com/office/drawing/2010/main" Requires="a14">
+          <p:sp>
+            <p:nvSpPr>
+              <p:cNvPr id="100" name="ZoneTexte 99"/>
+              <p:cNvSpPr txBox="1"/>
+              <p:nvPr/>
+            </p:nvSpPr>
+            <p:spPr>
+              <a:xfrm>
+                <a:off x="2705846" y="3082081"/>
+                <a:ext cx="310470" cy="263790"/>
+              </a:xfrm>
+              <a:prstGeom prst="rect">
+                <a:avLst/>
+              </a:prstGeom>
+              <a:noFill/>
+            </p:spPr>
+            <p:txBody>
+              <a:bodyPr wrap="none" rtlCol="0">
+                <a:spAutoFit/>
+              </a:bodyPr>
+              <a:lstStyle/>
+              <a:p>
+                <a14:m>
+                  <m:oMathPara xmlns:m="http://schemas.openxmlformats.org/officeDocument/2006/math">
+                    <m:oMathParaPr>
+                      <m:jc m:val="centerGroup"/>
+                    </m:oMathParaPr>
+                    <m:oMath xmlns:m="http://schemas.openxmlformats.org/officeDocument/2006/math">
+                      <m:acc>
+                        <m:accPr>
+                          <m:chr m:val="⃗"/>
+                          <m:ctrlPr>
+                            <a:rPr lang="fr-FR" sz="1000" i="1" smtClean="0">
+                              <a:latin typeface="Cambria Math"/>
+                            </a:rPr>
+                          </m:ctrlPr>
+                        </m:accPr>
+                        <m:e>
+                          <m:sSub>
+                            <m:sSubPr>
+                              <m:ctrlPr>
+                                <a:rPr lang="fr-FR" sz="1000" b="0" i="1" smtClean="0">
+                                  <a:latin typeface="Cambria Math"/>
+                                </a:rPr>
+                              </m:ctrlPr>
+                            </m:sSubPr>
+                            <m:e>
+                              <m:r>
+                                <a:rPr lang="fr-FR" sz="1000" b="0" i="1" smtClean="0">
+                                  <a:latin typeface="Cambria Math"/>
+                                </a:rPr>
+                                <m:t>𝑖</m:t>
+                              </m:r>
+                            </m:e>
+                            <m:sub>
+                              <m:r>
+                                <a:rPr lang="fr-FR" sz="1000" b="0" i="1" smtClean="0">
+                                  <a:latin typeface="Cambria Math"/>
+                                </a:rPr>
+                                <m:t>1</m:t>
+                              </m:r>
+                            </m:sub>
+                          </m:sSub>
+                        </m:e>
+                      </m:acc>
+                    </m:oMath>
+                  </m:oMathPara>
+                </a14:m>
+                <a:endParaRPr lang="fr-FR" sz="1000" dirty="0"/>
+              </a:p>
+            </p:txBody>
+          </p:sp>
+        </mc:Choice>
+        <mc:Fallback>
+          <p:sp>
+            <p:nvSpPr>
+              <p:cNvPr id="100" name="ZoneTexte 99"/>
+              <p:cNvSpPr txBox="1">
+                <a:spLocks noRot="1" noChangeAspect="1" noMove="1" noResize="1" noEditPoints="1" noAdjustHandles="1" noChangeArrowheads="1" noChangeShapeType="1" noTextEdit="1"/>
+              </p:cNvSpPr>
+              <p:nvPr/>
+            </p:nvSpPr>
+            <p:spPr>
+              <a:xfrm>
+                <a:off x="2705846" y="3082081"/>
+                <a:ext cx="310470" cy="263790"/>
+              </a:xfrm>
+              <a:prstGeom prst="rect">
+                <a:avLst/>
+              </a:prstGeom>
+              <a:blipFill rotWithShape="1">
+                <a:blip r:embed="rId9"/>
+                <a:stretch>
+                  <a:fillRect/>
+                </a:stretch>
+              </a:blipFill>
+            </p:spPr>
+            <p:txBody>
+              <a:bodyPr/>
+              <a:lstStyle/>
+              <a:p>
+                <a:r>
+                  <a:rPr lang="fr-FR">
+                    <a:noFill/>
+                  </a:rPr>
+                  <a:t> </a:t>
+                </a:r>
+              </a:p>
+            </p:txBody>
+          </p:sp>
+        </mc:Fallback>
+      </mc:AlternateContent>
+      <p:cxnSp>
+        <p:nvCxnSpPr>
+          <p:cNvPr id="101" name="Connecteur droit 100"/>
+          <p:cNvCxnSpPr/>
+          <p:nvPr/>
+        </p:nvCxnSpPr>
+        <p:spPr>
+          <a:xfrm flipV="1">
+            <a:off x="3223342" y="2552129"/>
+            <a:ext cx="0" cy="358917"/>
+          </a:xfrm>
+          <a:prstGeom prst="line">
+            <a:avLst/>
+          </a:prstGeom>
+          <a:ln w="6350">
+            <a:solidFill>
+              <a:srgbClr val="7030A0"/>
+            </a:solidFill>
+            <a:tailEnd type="stealth" w="sm" len="med"/>
+          </a:ln>
+        </p:spPr>
+        <p:style>
+          <a:lnRef idx="1">
+            <a:schemeClr val="accent1"/>
+          </a:lnRef>
+          <a:fillRef idx="0">
+            <a:schemeClr val="accent1"/>
+          </a:fillRef>
+          <a:effectRef idx="0">
+            <a:schemeClr val="accent1"/>
+          </a:effectRef>
+          <a:fontRef idx="minor">
+            <a:schemeClr val="tx1"/>
+          </a:fontRef>
+        </p:style>
+      </p:cxnSp>
+      <p:cxnSp>
+        <p:nvCxnSpPr>
+          <p:cNvPr id="108" name="Connecteur droit 107"/>
+          <p:cNvCxnSpPr/>
+          <p:nvPr/>
+        </p:nvCxnSpPr>
+        <p:spPr>
+          <a:xfrm flipV="1">
+            <a:off x="3230386" y="1751714"/>
+            <a:ext cx="0" cy="358917"/>
+          </a:xfrm>
+          <a:prstGeom prst="line">
+            <a:avLst/>
+          </a:prstGeom>
+          <a:ln w="6350">
+            <a:solidFill>
+              <a:schemeClr val="accent2"/>
+            </a:solidFill>
+            <a:tailEnd type="stealth" w="sm" len="med"/>
+          </a:ln>
+        </p:spPr>
+        <p:style>
+          <a:lnRef idx="1">
+            <a:schemeClr val="accent1"/>
+          </a:lnRef>
+          <a:fillRef idx="0">
+            <a:schemeClr val="accent1"/>
+          </a:fillRef>
+          <a:effectRef idx="0">
+            <a:schemeClr val="accent1"/>
+          </a:effectRef>
+          <a:fontRef idx="minor">
+            <a:schemeClr val="tx1"/>
+          </a:fontRef>
+        </p:style>
+      </p:cxnSp>
+      <mc:AlternateContent xmlns:mc="http://schemas.openxmlformats.org/markup-compatibility/2006">
+        <mc:Choice xmlns:a14="http://schemas.microsoft.com/office/drawing/2010/main" Requires="a14">
+          <p:sp>
+            <p:nvSpPr>
+              <p:cNvPr id="109" name="ZoneTexte 108"/>
+              <p:cNvSpPr txBox="1"/>
+              <p:nvPr/>
+            </p:nvSpPr>
+            <p:spPr>
+              <a:xfrm>
+                <a:off x="3003162" y="2384864"/>
+                <a:ext cx="313419" cy="263790"/>
+              </a:xfrm>
+              <a:prstGeom prst="rect">
+                <a:avLst/>
+              </a:prstGeom>
+              <a:noFill/>
+            </p:spPr>
+            <p:txBody>
+              <a:bodyPr wrap="none" rtlCol="0">
+                <a:spAutoFit/>
+              </a:bodyPr>
+              <a:lstStyle/>
+              <a:p>
+                <a14:m>
+                  <m:oMathPara xmlns:m="http://schemas.openxmlformats.org/officeDocument/2006/math">
+                    <m:oMathParaPr>
+                      <m:jc m:val="centerGroup"/>
+                    </m:oMathParaPr>
+                    <m:oMath xmlns:m="http://schemas.openxmlformats.org/officeDocument/2006/math">
+                      <m:acc>
+                        <m:accPr>
+                          <m:chr m:val="⃗"/>
+                          <m:ctrlPr>
+                            <a:rPr lang="fr-FR" sz="1000" i="1" smtClean="0">
+                              <a:latin typeface="Cambria Math"/>
+                            </a:rPr>
+                          </m:ctrlPr>
+                        </m:accPr>
+                        <m:e>
+                          <m:sSub>
+                            <m:sSubPr>
+                              <m:ctrlPr>
+                                <a:rPr lang="fr-FR" sz="1000" b="0" i="1" smtClean="0">
+                                  <a:latin typeface="Cambria Math"/>
+                                </a:rPr>
+                              </m:ctrlPr>
+                            </m:sSubPr>
+                            <m:e>
+                              <m:r>
+                                <a:rPr lang="fr-FR" sz="1000" b="0" i="1" smtClean="0">
+                                  <a:latin typeface="Cambria Math"/>
+                                </a:rPr>
+                                <m:t>𝑖</m:t>
+                              </m:r>
+                            </m:e>
+                            <m:sub>
+                              <m:r>
+                                <a:rPr lang="fr-FR" sz="1000" b="0" i="1" smtClean="0">
+                                  <a:latin typeface="Cambria Math"/>
+                                </a:rPr>
+                                <m:t>2</m:t>
+                              </m:r>
+                            </m:sub>
+                          </m:sSub>
+                        </m:e>
+                      </m:acc>
+                    </m:oMath>
+                  </m:oMathPara>
+                </a14:m>
+                <a:endParaRPr lang="fr-FR" sz="1000" dirty="0"/>
+              </a:p>
+            </p:txBody>
+          </p:sp>
+        </mc:Choice>
+        <mc:Fallback>
+          <p:sp>
+            <p:nvSpPr>
+              <p:cNvPr id="109" name="ZoneTexte 108"/>
+              <p:cNvSpPr txBox="1">
+                <a:spLocks noRot="1" noChangeAspect="1" noMove="1" noResize="1" noEditPoints="1" noAdjustHandles="1" noChangeArrowheads="1" noChangeShapeType="1" noTextEdit="1"/>
+              </p:cNvSpPr>
+              <p:nvPr/>
+            </p:nvSpPr>
+            <p:spPr>
+              <a:xfrm>
+                <a:off x="3003162" y="2384864"/>
+                <a:ext cx="313419" cy="263790"/>
+              </a:xfrm>
+              <a:prstGeom prst="rect">
+                <a:avLst/>
+              </a:prstGeom>
+              <a:blipFill rotWithShape="1">
+                <a:blip r:embed="rId10"/>
+                <a:stretch>
+                  <a:fillRect/>
+                </a:stretch>
+              </a:blipFill>
+            </p:spPr>
+            <p:txBody>
+              <a:bodyPr/>
+              <a:lstStyle/>
+              <a:p>
+                <a:r>
+                  <a:rPr lang="fr-FR">
+                    <a:noFill/>
+                  </a:rPr>
+                  <a:t> </a:t>
+                </a:r>
+              </a:p>
+            </p:txBody>
+          </p:sp>
+        </mc:Fallback>
+      </mc:AlternateContent>
+      <mc:AlternateContent xmlns:mc="http://schemas.openxmlformats.org/markup-compatibility/2006">
+        <mc:Choice xmlns:a14="http://schemas.microsoft.com/office/drawing/2010/main" Requires="a14">
+          <p:sp>
+            <p:nvSpPr>
+              <p:cNvPr id="110" name="ZoneTexte 109"/>
+              <p:cNvSpPr txBox="1"/>
+              <p:nvPr/>
+            </p:nvSpPr>
+            <p:spPr>
+              <a:xfrm>
+                <a:off x="2981923" y="1619819"/>
+                <a:ext cx="313419" cy="263790"/>
+              </a:xfrm>
+              <a:prstGeom prst="rect">
+                <a:avLst/>
+              </a:prstGeom>
+              <a:noFill/>
+            </p:spPr>
+            <p:txBody>
+              <a:bodyPr wrap="none" rtlCol="0">
+                <a:spAutoFit/>
+              </a:bodyPr>
+              <a:lstStyle/>
+              <a:p>
+                <a14:m>
+                  <m:oMathPara xmlns:m="http://schemas.openxmlformats.org/officeDocument/2006/math">
+                    <m:oMathParaPr>
+                      <m:jc m:val="centerGroup"/>
+                    </m:oMathParaPr>
+                    <m:oMath xmlns:m="http://schemas.openxmlformats.org/officeDocument/2006/math">
+                      <m:acc>
+                        <m:accPr>
+                          <m:chr m:val="⃗"/>
+                          <m:ctrlPr>
+                            <a:rPr lang="fr-FR" sz="1000" i="1" smtClean="0">
+                              <a:latin typeface="Cambria Math"/>
+                            </a:rPr>
+                          </m:ctrlPr>
+                        </m:accPr>
+                        <m:e>
+                          <m:sSub>
+                            <m:sSubPr>
+                              <m:ctrlPr>
+                                <a:rPr lang="fr-FR" sz="1000" b="0" i="1" smtClean="0">
+                                  <a:latin typeface="Cambria Math"/>
+                                </a:rPr>
+                              </m:ctrlPr>
+                            </m:sSubPr>
+                            <m:e>
+                              <m:r>
+                                <a:rPr lang="fr-FR" sz="1000" b="0" i="1" smtClean="0">
+                                  <a:latin typeface="Cambria Math"/>
+                                </a:rPr>
+                                <m:t>𝑖</m:t>
+                              </m:r>
+                            </m:e>
+                            <m:sub>
+                              <m:r>
+                                <a:rPr lang="fr-FR" sz="1000" b="0" i="1" smtClean="0">
+                                  <a:latin typeface="Cambria Math"/>
+                                </a:rPr>
+                                <m:t>3</m:t>
+                              </m:r>
+                            </m:sub>
+                          </m:sSub>
+                        </m:e>
+                      </m:acc>
+                    </m:oMath>
+                  </m:oMathPara>
+                </a14:m>
+                <a:endParaRPr lang="fr-FR" sz="1000" dirty="0"/>
+              </a:p>
+            </p:txBody>
+          </p:sp>
+        </mc:Choice>
+        <mc:Fallback>
+          <p:sp>
+            <p:nvSpPr>
+              <p:cNvPr id="110" name="ZoneTexte 109"/>
+              <p:cNvSpPr txBox="1">
+                <a:spLocks noRot="1" noChangeAspect="1" noMove="1" noResize="1" noEditPoints="1" noAdjustHandles="1" noChangeArrowheads="1" noChangeShapeType="1" noTextEdit="1"/>
+              </p:cNvSpPr>
+              <p:nvPr/>
+            </p:nvSpPr>
+            <p:spPr>
+              <a:xfrm>
+                <a:off x="2981923" y="1619819"/>
+                <a:ext cx="313419" cy="263790"/>
+              </a:xfrm>
+              <a:prstGeom prst="rect">
+                <a:avLst/>
+              </a:prstGeom>
+              <a:blipFill rotWithShape="1">
+                <a:blip r:embed="rId11"/>
+                <a:stretch>
+                  <a:fillRect/>
+                </a:stretch>
+              </a:blipFill>
+            </p:spPr>
+            <p:txBody>
+              <a:bodyPr/>
+              <a:lstStyle/>
+              <a:p>
+                <a:r>
+                  <a:rPr lang="fr-FR">
+                    <a:noFill/>
+                  </a:rPr>
+                  <a:t> </a:t>
+                </a:r>
+              </a:p>
+            </p:txBody>
+          </p:sp>
+        </mc:Fallback>
+      </mc:AlternateContent>
+    </p:spTree>
+    <p:extLst>
+      <p:ext uri="{BB962C8B-B14F-4D97-AF65-F5344CB8AC3E}">
+        <p14:creationId xmlns:p14="http://schemas.microsoft.com/office/powerpoint/2010/main" val="2515697952"/>
+      </p:ext>
+    </p:extLst>
+  </p:cSld>
+  <p:clrMapOvr>
+    <a:masterClrMapping/>
+  </p:clrMapOvr>
+</p:sld>
+</file>
+
+<file path=ppt/slides/slide3.xml><?xml version="1.0" encoding="utf-8"?>
+<p:sld xmlns:a="http://schemas.openxmlformats.org/drawingml/2006/main" xmlns:r="http://schemas.openxmlformats.org/officeDocument/2006/relationships" xmlns:p="http://schemas.openxmlformats.org/presentationml/2006/main">
+  <p:cSld>
+    <p:spTree>
+      <p:nvGrpSpPr>
+        <p:cNvPr id="1" name=""/>
+        <p:cNvGrpSpPr/>
+        <p:nvPr/>
+      </p:nvGrpSpPr>
+      <p:grpSpPr>
+        <a:xfrm>
+          <a:off x="0" y="0"/>
+          <a:ext cx="0" cy="0"/>
+          <a:chOff x="0" y="0"/>
+          <a:chExt cx="0" cy="0"/>
+        </a:xfrm>
+      </p:grpSpPr>
+      <p:sp>
+        <p:nvSpPr>
+          <p:cNvPr id="2" name="Titre 1"/>
+          <p:cNvSpPr>
+            <a:spLocks noGrp="1"/>
+          </p:cNvSpPr>
+          <p:nvPr>
+            <p:ph type="title"/>
+          </p:nvPr>
+        </p:nvSpPr>
+        <p:spPr/>
+        <p:txBody>
+          <a:bodyPr/>
+          <a:lstStyle/>
+          <a:p>
+            <a:endParaRPr lang="fr-FR"/>
+          </a:p>
+        </p:txBody>
+      </p:sp>
+      <p:grpSp>
+        <p:nvGrpSpPr>
+          <p:cNvPr id="21" name="Groupe 20"/>
+          <p:cNvGrpSpPr/>
+          <p:nvPr/>
+        </p:nvGrpSpPr>
+        <p:grpSpPr>
+          <a:xfrm>
+            <a:off x="597908" y="2466902"/>
+            <a:ext cx="1321377" cy="1272179"/>
+            <a:chOff x="597908" y="2466902"/>
+            <a:chExt cx="1321377" cy="1272179"/>
+          </a:xfrm>
+        </p:grpSpPr>
+        <mc:AlternateContent xmlns:mc="http://schemas.openxmlformats.org/markup-compatibility/2006">
+          <mc:Choice xmlns:a14="http://schemas.microsoft.com/office/drawing/2010/main" Requires="a14">
+            <p:sp>
+              <p:nvSpPr>
+                <p:cNvPr id="6" name="ZoneTexte 5"/>
+                <p:cNvSpPr txBox="1"/>
+                <p:nvPr/>
+              </p:nvSpPr>
+              <p:spPr>
+                <a:xfrm>
+                  <a:off x="1605866" y="3309226"/>
+                  <a:ext cx="313419" cy="263790"/>
+                </a:xfrm>
+                <a:prstGeom prst="rect">
+                  <a:avLst/>
+                </a:prstGeom>
+                <a:noFill/>
+              </p:spPr>
+              <p:txBody>
+                <a:bodyPr wrap="none" rtlCol="0">
+                  <a:spAutoFit/>
+                </a:bodyPr>
+                <a:lstStyle/>
+                <a:p>
+                  <a14:m>
+                    <m:oMathPara xmlns:m="http://schemas.openxmlformats.org/officeDocument/2006/math">
+                      <m:oMathParaPr>
+                        <m:jc m:val="centerGroup"/>
+                      </m:oMathParaPr>
+                      <m:oMath xmlns:m="http://schemas.openxmlformats.org/officeDocument/2006/math">
+                        <m:acc>
+                          <m:accPr>
+                            <m:chr m:val="⃗"/>
+                            <m:ctrlPr>
+                              <a:rPr lang="fr-FR" sz="1000" i="1" smtClean="0">
+                                <a:latin typeface="Cambria Math"/>
+                              </a:rPr>
+                            </m:ctrlPr>
+                          </m:accPr>
+                          <m:e>
+                            <m:sSub>
+                              <m:sSubPr>
+                                <m:ctrlPr>
+                                  <a:rPr lang="fr-FR" sz="1000" b="0" i="1" smtClean="0">
+                                    <a:latin typeface="Cambria Math"/>
+                                  </a:rPr>
+                                </m:ctrlPr>
+                              </m:sSubPr>
+                              <m:e>
+                                <m:r>
+                                  <a:rPr lang="fr-FR" sz="1000" b="0" i="1" smtClean="0">
+                                    <a:latin typeface="Cambria Math"/>
+                                  </a:rPr>
+                                  <m:t>𝑖</m:t>
+                                </m:r>
+                              </m:e>
+                              <m:sub>
+                                <m:r>
+                                  <a:rPr lang="fr-FR" sz="1000" b="0" i="1" smtClean="0">
+                                    <a:latin typeface="Cambria Math"/>
+                                  </a:rPr>
+                                  <m:t>0</m:t>
+                                </m:r>
+                              </m:sub>
+                            </m:sSub>
+                          </m:e>
+                        </m:acc>
+                      </m:oMath>
+                    </m:oMathPara>
+                  </a14:m>
+                  <a:endParaRPr lang="fr-FR" sz="1000" dirty="0"/>
+                </a:p>
+              </p:txBody>
+            </p:sp>
+          </mc:Choice>
+          <mc:Fallback>
+            <p:sp>
+              <p:nvSpPr>
+                <p:cNvPr id="6" name="ZoneTexte 5"/>
+                <p:cNvSpPr txBox="1">
+                  <a:spLocks noRot="1" noChangeAspect="1" noMove="1" noResize="1" noEditPoints="1" noAdjustHandles="1" noChangeArrowheads="1" noChangeShapeType="1" noTextEdit="1"/>
+                </p:cNvSpPr>
+                <p:nvPr/>
+              </p:nvSpPr>
+              <p:spPr>
+                <a:xfrm>
+                  <a:off x="1605866" y="3309226"/>
+                  <a:ext cx="313419" cy="263790"/>
+                </a:xfrm>
+                <a:prstGeom prst="rect">
+                  <a:avLst/>
+                </a:prstGeom>
+                <a:blipFill rotWithShape="1">
+                  <a:blip r:embed="rId2"/>
+                  <a:stretch>
+                    <a:fillRect/>
+                  </a:stretch>
+                </a:blipFill>
+              </p:spPr>
+              <p:txBody>
+                <a:bodyPr/>
+                <a:lstStyle/>
+                <a:p>
+                  <a:r>
+                    <a:rPr lang="fr-FR">
+                      <a:noFill/>
+                    </a:rPr>
+                    <a:t> </a:t>
+                  </a:r>
+                </a:p>
+              </p:txBody>
+            </p:sp>
+          </mc:Fallback>
+        </mc:AlternateContent>
+        <mc:AlternateContent xmlns:mc="http://schemas.openxmlformats.org/markup-compatibility/2006">
+          <mc:Choice xmlns:a14="http://schemas.microsoft.com/office/drawing/2010/main" Requires="a14">
+            <p:sp>
+              <p:nvSpPr>
+                <p:cNvPr id="7" name="ZoneTexte 6"/>
+                <p:cNvSpPr txBox="1"/>
+                <p:nvPr/>
+              </p:nvSpPr>
+              <p:spPr>
+                <a:xfrm>
+                  <a:off x="813864" y="2466902"/>
+                  <a:ext cx="315471" cy="263790"/>
+                </a:xfrm>
+                <a:prstGeom prst="rect">
+                  <a:avLst/>
+                </a:prstGeom>
+                <a:noFill/>
+              </p:spPr>
+              <p:txBody>
+                <a:bodyPr wrap="none" rtlCol="0">
+                  <a:spAutoFit/>
+                </a:bodyPr>
+                <a:lstStyle/>
+                <a:p>
+                  <a14:m>
+                    <m:oMathPara xmlns:m="http://schemas.openxmlformats.org/officeDocument/2006/math">
+                      <m:oMathParaPr>
+                        <m:jc m:val="centerGroup"/>
+                      </m:oMathParaPr>
+                      <m:oMath xmlns:m="http://schemas.openxmlformats.org/officeDocument/2006/math">
+                        <m:acc>
+                          <m:accPr>
+                            <m:chr m:val="⃗"/>
+                            <m:ctrlPr>
+                              <a:rPr lang="fr-FR" sz="1000" i="1" smtClean="0">
+                                <a:latin typeface="Cambria Math"/>
+                              </a:rPr>
+                            </m:ctrlPr>
+                          </m:accPr>
+                          <m:e>
+                            <m:sSub>
+                              <m:sSubPr>
+                                <m:ctrlPr>
+                                  <a:rPr lang="fr-FR" sz="1000" b="0" i="1" smtClean="0">
+                                    <a:latin typeface="Cambria Math"/>
+                                  </a:rPr>
+                                </m:ctrlPr>
+                              </m:sSubPr>
+                              <m:e>
+                                <m:r>
+                                  <a:rPr lang="fr-FR" sz="1000" b="0" i="1" smtClean="0">
+                                    <a:latin typeface="Cambria Math"/>
+                                  </a:rPr>
+                                  <m:t>𝑗</m:t>
+                                </m:r>
+                              </m:e>
+                              <m:sub>
+                                <m:r>
+                                  <a:rPr lang="fr-FR" sz="1000" b="0" i="1" smtClean="0">
+                                    <a:latin typeface="Cambria Math"/>
+                                  </a:rPr>
+                                  <m:t>0</m:t>
+                                </m:r>
+                              </m:sub>
+                            </m:sSub>
+                          </m:e>
+                        </m:acc>
+                      </m:oMath>
+                    </m:oMathPara>
+                  </a14:m>
+                  <a:endParaRPr lang="fr-FR" sz="1000" dirty="0"/>
+                </a:p>
+              </p:txBody>
+            </p:sp>
+          </mc:Choice>
+          <mc:Fallback>
+            <p:sp>
+              <p:nvSpPr>
+                <p:cNvPr id="7" name="ZoneTexte 6"/>
+                <p:cNvSpPr txBox="1">
+                  <a:spLocks noRot="1" noChangeAspect="1" noMove="1" noResize="1" noEditPoints="1" noAdjustHandles="1" noChangeArrowheads="1" noChangeShapeType="1" noTextEdit="1"/>
+                </p:cNvSpPr>
+                <p:nvPr/>
+              </p:nvSpPr>
+              <p:spPr>
+                <a:xfrm>
+                  <a:off x="813864" y="2466902"/>
+                  <a:ext cx="315471" cy="263790"/>
+                </a:xfrm>
+                <a:prstGeom prst="rect">
+                  <a:avLst/>
+                </a:prstGeom>
+                <a:blipFill rotWithShape="1">
+                  <a:blip r:embed="rId3"/>
+                  <a:stretch>
+                    <a:fillRect b="-2326"/>
+                  </a:stretch>
+                </a:blipFill>
+              </p:spPr>
+              <p:txBody>
+                <a:bodyPr/>
+                <a:lstStyle/>
+                <a:p>
+                  <a:r>
+                    <a:rPr lang="fr-FR">
+                      <a:noFill/>
+                    </a:rPr>
+                    <a:t> </a:t>
+                  </a:r>
+                </a:p>
+              </p:txBody>
+            </p:sp>
+          </mc:Fallback>
+        </mc:AlternateContent>
+        <p:grpSp>
+          <p:nvGrpSpPr>
+            <p:cNvPr id="11" name="Groupe 10"/>
+            <p:cNvGrpSpPr/>
+            <p:nvPr/>
+          </p:nvGrpSpPr>
+          <p:grpSpPr>
+            <a:xfrm>
+              <a:off x="971600" y="2709717"/>
+              <a:ext cx="720000" cy="720000"/>
+              <a:chOff x="971600" y="2709717"/>
+              <a:chExt cx="720000" cy="720000"/>
+            </a:xfrm>
+          </p:grpSpPr>
+          <p:cxnSp>
+            <p:nvCxnSpPr>
+              <p:cNvPr id="5" name="Connecteur droit 4"/>
+              <p:cNvCxnSpPr/>
+              <p:nvPr/>
+            </p:nvCxnSpPr>
+            <p:spPr>
+              <a:xfrm flipV="1">
+                <a:off x="971600" y="2709717"/>
+                <a:ext cx="0" cy="720000"/>
+              </a:xfrm>
+              <a:prstGeom prst="line">
+                <a:avLst/>
+              </a:prstGeom>
+              <a:ln w="12700">
+                <a:solidFill>
+                  <a:schemeClr val="tx1"/>
+                </a:solidFill>
+                <a:tailEnd type="stealth" w="sm" len="med"/>
+              </a:ln>
+            </p:spPr>
+            <p:style>
+              <a:lnRef idx="1">
+                <a:schemeClr val="accent1"/>
+              </a:lnRef>
+              <a:fillRef idx="0">
+                <a:schemeClr val="accent1"/>
+              </a:fillRef>
+              <a:effectRef idx="0">
+                <a:schemeClr val="accent1"/>
+              </a:effectRef>
+              <a:fontRef idx="minor">
+                <a:schemeClr val="tx1"/>
+              </a:fontRef>
+            </p:style>
+          </p:cxnSp>
+          <p:cxnSp>
+            <p:nvCxnSpPr>
+              <p:cNvPr id="10" name="Connecteur droit 9"/>
+              <p:cNvCxnSpPr/>
+              <p:nvPr/>
+            </p:nvCxnSpPr>
+            <p:spPr>
+              <a:xfrm rot="5400000" flipV="1">
+                <a:off x="1331600" y="3069717"/>
+                <a:ext cx="0" cy="720000"/>
+              </a:xfrm>
+              <a:prstGeom prst="line">
+                <a:avLst/>
+              </a:prstGeom>
+              <a:ln w="12700">
+                <a:solidFill>
+                  <a:schemeClr val="tx1"/>
+                </a:solidFill>
+                <a:tailEnd type="stealth" w="sm" len="med"/>
+              </a:ln>
+            </p:spPr>
+            <p:style>
+              <a:lnRef idx="1">
+                <a:schemeClr val="accent1"/>
+              </a:lnRef>
+              <a:fillRef idx="0">
+                <a:schemeClr val="accent1"/>
+              </a:fillRef>
+              <a:effectRef idx="0">
+                <a:schemeClr val="accent1"/>
+              </a:effectRef>
+              <a:fontRef idx="minor">
+                <a:schemeClr val="tx1"/>
+              </a:fontRef>
+            </p:style>
+          </p:cxnSp>
+        </p:grpSp>
+        <p:grpSp>
+          <p:nvGrpSpPr>
+            <p:cNvPr id="12" name="Groupe 11"/>
+            <p:cNvGrpSpPr/>
+            <p:nvPr/>
+          </p:nvGrpSpPr>
+          <p:grpSpPr>
+            <a:xfrm rot="20700000">
+              <a:off x="869441" y="2628809"/>
+              <a:ext cx="720000" cy="720000"/>
+              <a:chOff x="971600" y="2709717"/>
+              <a:chExt cx="720000" cy="720000"/>
+            </a:xfrm>
+          </p:grpSpPr>
+          <p:cxnSp>
+            <p:nvCxnSpPr>
+              <p:cNvPr id="13" name="Connecteur droit 12"/>
+              <p:cNvCxnSpPr/>
+              <p:nvPr/>
+            </p:nvCxnSpPr>
+            <p:spPr>
+              <a:xfrm flipV="1">
+                <a:off x="971600" y="2709717"/>
+                <a:ext cx="0" cy="720000"/>
+              </a:xfrm>
+              <a:prstGeom prst="line">
+                <a:avLst/>
+              </a:prstGeom>
+              <a:ln w="12700">
+                <a:solidFill>
+                  <a:schemeClr val="tx2"/>
+                </a:solidFill>
+                <a:tailEnd type="stealth" w="sm" len="med"/>
+              </a:ln>
+            </p:spPr>
+            <p:style>
+              <a:lnRef idx="1">
+                <a:schemeClr val="accent1"/>
+              </a:lnRef>
+              <a:fillRef idx="0">
+                <a:schemeClr val="accent1"/>
+              </a:fillRef>
+              <a:effectRef idx="0">
+                <a:schemeClr val="accent1"/>
+              </a:effectRef>
+              <a:fontRef idx="minor">
+                <a:schemeClr val="tx1"/>
+              </a:fontRef>
+            </p:style>
+          </p:cxnSp>
+          <p:cxnSp>
+            <p:nvCxnSpPr>
+              <p:cNvPr id="14" name="Connecteur droit 13"/>
+              <p:cNvCxnSpPr/>
+              <p:nvPr/>
+            </p:nvCxnSpPr>
+            <p:spPr>
+              <a:xfrm rot="5400000" flipV="1">
+                <a:off x="1331600" y="3069717"/>
+                <a:ext cx="0" cy="720000"/>
+              </a:xfrm>
+              <a:prstGeom prst="line">
+                <a:avLst/>
+              </a:prstGeom>
+              <a:ln w="12700">
+                <a:solidFill>
+                  <a:schemeClr val="tx2"/>
+                </a:solidFill>
+                <a:tailEnd type="stealth" w="sm" len="med"/>
+              </a:ln>
+            </p:spPr>
+            <p:style>
+              <a:lnRef idx="1">
+                <a:schemeClr val="accent1"/>
+              </a:lnRef>
+              <a:fillRef idx="0">
+                <a:schemeClr val="accent1"/>
+              </a:fillRef>
+              <a:effectRef idx="0">
+                <a:schemeClr val="accent1"/>
+              </a:effectRef>
+              <a:fontRef idx="minor">
+                <a:schemeClr val="tx1"/>
+              </a:fontRef>
+            </p:style>
+          </p:cxnSp>
+        </p:grpSp>
+        <mc:AlternateContent xmlns:mc="http://schemas.openxmlformats.org/markup-compatibility/2006">
+          <mc:Choice xmlns:a14="http://schemas.microsoft.com/office/drawing/2010/main" Requires="a14">
+            <p:sp>
+              <p:nvSpPr>
+                <p:cNvPr id="15" name="ZoneTexte 14"/>
+                <p:cNvSpPr txBox="1"/>
+                <p:nvPr/>
+              </p:nvSpPr>
+              <p:spPr>
+                <a:xfrm>
+                  <a:off x="1574433" y="3097186"/>
+                  <a:ext cx="310470" cy="263790"/>
+                </a:xfrm>
+                <a:prstGeom prst="rect">
+                  <a:avLst/>
+                </a:prstGeom>
+                <a:noFill/>
+              </p:spPr>
+              <p:txBody>
+                <a:bodyPr wrap="none" rtlCol="0">
+                  <a:spAutoFit/>
+                </a:bodyPr>
+                <a:lstStyle/>
+                <a:p>
+                  <a14:m>
+                    <m:oMathPara xmlns:m="http://schemas.openxmlformats.org/officeDocument/2006/math">
+                      <m:oMathParaPr>
+                        <m:jc m:val="centerGroup"/>
+                      </m:oMathParaPr>
+                      <m:oMath xmlns:m="http://schemas.openxmlformats.org/officeDocument/2006/math">
+                        <m:acc>
+                          <m:accPr>
+                            <m:chr m:val="⃗"/>
+                            <m:ctrlPr>
+                              <a:rPr lang="fr-FR" sz="1000" i="1" smtClean="0">
+                                <a:latin typeface="Cambria Math"/>
+                              </a:rPr>
+                            </m:ctrlPr>
+                          </m:accPr>
+                          <m:e>
+                            <m:sSub>
+                              <m:sSubPr>
+                                <m:ctrlPr>
+                                  <a:rPr lang="fr-FR" sz="1000" b="0" i="1" smtClean="0">
+                                    <a:latin typeface="Cambria Math"/>
+                                  </a:rPr>
+                                </m:ctrlPr>
+                              </m:sSubPr>
+                              <m:e>
+                                <m:r>
+                                  <a:rPr lang="fr-FR" sz="1000" b="0" i="1" smtClean="0">
+                                    <a:latin typeface="Cambria Math"/>
+                                  </a:rPr>
+                                  <m:t>𝑖</m:t>
+                                </m:r>
+                              </m:e>
+                              <m:sub>
+                                <m:r>
+                                  <a:rPr lang="fr-FR" sz="1000" b="0" i="1" smtClean="0">
+                                    <a:latin typeface="Cambria Math"/>
+                                  </a:rPr>
+                                  <m:t>1</m:t>
+                                </m:r>
+                              </m:sub>
+                            </m:sSub>
+                          </m:e>
+                        </m:acc>
+                      </m:oMath>
+                    </m:oMathPara>
+                  </a14:m>
+                  <a:endParaRPr lang="fr-FR" sz="1000" dirty="0"/>
+                </a:p>
+              </p:txBody>
+            </p:sp>
+          </mc:Choice>
+          <mc:Fallback>
+            <p:sp>
+              <p:nvSpPr>
+                <p:cNvPr id="15" name="ZoneTexte 14"/>
+                <p:cNvSpPr txBox="1">
+                  <a:spLocks noRot="1" noChangeAspect="1" noMove="1" noResize="1" noEditPoints="1" noAdjustHandles="1" noChangeArrowheads="1" noChangeShapeType="1" noTextEdit="1"/>
+                </p:cNvSpPr>
+                <p:nvPr/>
+              </p:nvSpPr>
+              <p:spPr>
+                <a:xfrm>
+                  <a:off x="1574433" y="3097186"/>
+                  <a:ext cx="310470" cy="263790"/>
+                </a:xfrm>
+                <a:prstGeom prst="rect">
+                  <a:avLst/>
+                </a:prstGeom>
+                <a:blipFill rotWithShape="1">
+                  <a:blip r:embed="rId4"/>
+                  <a:stretch>
+                    <a:fillRect/>
+                  </a:stretch>
+                </a:blipFill>
+              </p:spPr>
+              <p:txBody>
+                <a:bodyPr/>
+                <a:lstStyle/>
+                <a:p>
+                  <a:r>
+                    <a:rPr lang="fr-FR">
+                      <a:noFill/>
+                    </a:rPr>
+                    <a:t> </a:t>
+                  </a:r>
+                </a:p>
+              </p:txBody>
+            </p:sp>
+          </mc:Fallback>
+        </mc:AlternateContent>
+        <mc:AlternateContent xmlns:mc="http://schemas.openxmlformats.org/markup-compatibility/2006">
+          <mc:Choice xmlns:a14="http://schemas.microsoft.com/office/drawing/2010/main" Requires="a14">
+            <p:sp>
+              <p:nvSpPr>
+                <p:cNvPr id="16" name="ZoneTexte 15"/>
+                <p:cNvSpPr txBox="1"/>
+                <p:nvPr/>
+              </p:nvSpPr>
+              <p:spPr>
+                <a:xfrm>
+                  <a:off x="597908" y="2517284"/>
+                  <a:ext cx="312521" cy="263790"/>
+                </a:xfrm>
+                <a:prstGeom prst="rect">
+                  <a:avLst/>
+                </a:prstGeom>
+                <a:noFill/>
+              </p:spPr>
+              <p:txBody>
+                <a:bodyPr wrap="none" rtlCol="0">
+                  <a:spAutoFit/>
+                </a:bodyPr>
+                <a:lstStyle/>
+                <a:p>
+                  <a14:m>
+                    <m:oMathPara xmlns:m="http://schemas.openxmlformats.org/officeDocument/2006/math">
+                      <m:oMathParaPr>
+                        <m:jc m:val="centerGroup"/>
+                      </m:oMathParaPr>
+                      <m:oMath xmlns:m="http://schemas.openxmlformats.org/officeDocument/2006/math">
+                        <m:acc>
+                          <m:accPr>
+                            <m:chr m:val="⃗"/>
+                            <m:ctrlPr>
+                              <a:rPr lang="fr-FR" sz="1000" i="1" smtClean="0">
+                                <a:latin typeface="Cambria Math"/>
+                              </a:rPr>
+                            </m:ctrlPr>
+                          </m:accPr>
+                          <m:e>
+                            <m:sSub>
+                              <m:sSubPr>
+                                <m:ctrlPr>
+                                  <a:rPr lang="fr-FR" sz="1000" b="0" i="1" smtClean="0">
+                                    <a:latin typeface="Cambria Math"/>
+                                  </a:rPr>
+                                </m:ctrlPr>
+                              </m:sSubPr>
+                              <m:e>
+                                <m:r>
+                                  <a:rPr lang="fr-FR" sz="1000" b="0" i="1" smtClean="0">
+                                    <a:latin typeface="Cambria Math"/>
+                                  </a:rPr>
+                                  <m:t>𝑗</m:t>
+                                </m:r>
+                              </m:e>
+                              <m:sub>
+                                <m:r>
+                                  <a:rPr lang="fr-FR" sz="1000" b="0" i="1" smtClean="0">
+                                    <a:latin typeface="Cambria Math"/>
+                                  </a:rPr>
+                                  <m:t>1</m:t>
+                                </m:r>
+                              </m:sub>
+                            </m:sSub>
+                          </m:e>
+                        </m:acc>
+                      </m:oMath>
+                    </m:oMathPara>
+                  </a14:m>
+                  <a:endParaRPr lang="fr-FR" sz="1000" dirty="0"/>
+                </a:p>
+              </p:txBody>
+            </p:sp>
+          </mc:Choice>
+          <mc:Fallback>
+            <p:sp>
+              <p:nvSpPr>
+                <p:cNvPr id="16" name="ZoneTexte 15"/>
+                <p:cNvSpPr txBox="1">
+                  <a:spLocks noRot="1" noChangeAspect="1" noMove="1" noResize="1" noEditPoints="1" noAdjustHandles="1" noChangeArrowheads="1" noChangeShapeType="1" noTextEdit="1"/>
+                </p:cNvSpPr>
+                <p:nvPr/>
+              </p:nvSpPr>
+              <p:spPr>
+                <a:xfrm>
+                  <a:off x="597908" y="2517284"/>
+                  <a:ext cx="312521" cy="263790"/>
+                </a:xfrm>
+                <a:prstGeom prst="rect">
+                  <a:avLst/>
+                </a:prstGeom>
+                <a:blipFill rotWithShape="1">
+                  <a:blip r:embed="rId5"/>
+                  <a:stretch>
+                    <a:fillRect b="-2326"/>
+                  </a:stretch>
+                </a:blipFill>
+              </p:spPr>
+              <p:txBody>
+                <a:bodyPr/>
+                <a:lstStyle/>
+                <a:p>
+                  <a:r>
+                    <a:rPr lang="fr-FR">
+                      <a:noFill/>
+                    </a:rPr>
+                    <a:t> </a:t>
+                  </a:r>
+                </a:p>
+              </p:txBody>
+            </p:sp>
+          </mc:Fallback>
+        </mc:AlternateContent>
+        <mc:AlternateContent xmlns:mc="http://schemas.openxmlformats.org/markup-compatibility/2006">
+          <mc:Choice xmlns:a14="http://schemas.microsoft.com/office/drawing/2010/main" Requires="a14">
+            <p:sp>
+              <p:nvSpPr>
+                <p:cNvPr id="17" name="ZoneTexte 16"/>
+                <p:cNvSpPr txBox="1"/>
+                <p:nvPr/>
+              </p:nvSpPr>
+              <p:spPr>
+                <a:xfrm>
+                  <a:off x="718324" y="3470161"/>
+                  <a:ext cx="506549" cy="268920"/>
+                </a:xfrm>
+                <a:prstGeom prst="rect">
+                  <a:avLst/>
+                </a:prstGeom>
+                <a:noFill/>
+              </p:spPr>
+              <p:txBody>
+                <a:bodyPr wrap="none" rtlCol="0">
+                  <a:spAutoFit/>
+                </a:bodyPr>
+                <a:lstStyle/>
+                <a:p>
+                  <a14:m>
+                    <m:oMath xmlns:m="http://schemas.openxmlformats.org/officeDocument/2006/math">
+                      <m:acc>
+                        <m:accPr>
+                          <m:chr m:val="⃗"/>
+                          <m:ctrlPr>
+                            <a:rPr lang="fr-FR" sz="1000" i="1" smtClean="0">
+                              <a:latin typeface="Cambria Math"/>
+                            </a:rPr>
+                          </m:ctrlPr>
+                        </m:accPr>
+                        <m:e>
+                          <m:sSub>
+                            <m:sSubPr>
+                              <m:ctrlPr>
+                                <a:rPr lang="fr-FR" sz="1000" b="0" i="1" smtClean="0">
+                                  <a:latin typeface="Cambria Math"/>
+                                </a:rPr>
+                              </m:ctrlPr>
+                            </m:sSubPr>
+                            <m:e>
+                              <m:r>
+                                <a:rPr lang="fr-FR" sz="1000" b="0" i="1" smtClean="0">
+                                  <a:latin typeface="Cambria Math"/>
+                                </a:rPr>
+                                <m:t>𝑘</m:t>
+                              </m:r>
+                            </m:e>
+                            <m:sub>
+                              <m:r>
+                                <a:rPr lang="fr-FR" sz="1000" b="0" i="1" smtClean="0">
+                                  <a:latin typeface="Cambria Math"/>
+                                </a:rPr>
+                                <m:t>0</m:t>
+                              </m:r>
+                            </m:sub>
+                          </m:sSub>
+                        </m:e>
+                      </m:acc>
+                    </m:oMath>
+                  </a14:m>
+                  <a:r>
+                    <a:rPr lang="fr-FR" sz="1000" dirty="0" smtClean="0"/>
+                    <a:t>=</a:t>
+                  </a:r>
+                  <a14:m>
+                    <m:oMath xmlns:m="http://schemas.openxmlformats.org/officeDocument/2006/math">
+                      <m:acc>
+                        <m:accPr>
+                          <m:chr m:val="⃗"/>
+                          <m:ctrlPr>
+                            <a:rPr lang="fr-FR" sz="1000" i="1">
+                              <a:latin typeface="Cambria Math"/>
+                            </a:rPr>
+                          </m:ctrlPr>
+                        </m:accPr>
+                        <m:e>
+                          <m:sSub>
+                            <m:sSubPr>
+                              <m:ctrlPr>
+                                <a:rPr lang="fr-FR" sz="1000" i="1">
+                                  <a:latin typeface="Cambria Math"/>
+                                </a:rPr>
+                              </m:ctrlPr>
+                            </m:sSubPr>
+                            <m:e>
+                              <m:r>
+                                <a:rPr lang="fr-FR" sz="1000" b="0" i="1" smtClean="0">
+                                  <a:latin typeface="Cambria Math"/>
+                                </a:rPr>
+                                <m:t>𝑘</m:t>
+                              </m:r>
+                            </m:e>
+                            <m:sub>
+                              <m:r>
+                                <a:rPr lang="fr-FR" sz="1000" b="0" i="1" smtClean="0">
+                                  <a:latin typeface="Cambria Math"/>
+                                </a:rPr>
+                                <m:t>1</m:t>
+                              </m:r>
+                            </m:sub>
+                          </m:sSub>
+                        </m:e>
+                      </m:acc>
+                    </m:oMath>
+                  </a14:m>
+                  <a:endParaRPr lang="fr-FR" sz="1000" dirty="0"/>
+                </a:p>
+              </p:txBody>
+            </p:sp>
+          </mc:Choice>
+          <mc:Fallback>
+            <p:sp>
+              <p:nvSpPr>
+                <p:cNvPr id="17" name="ZoneTexte 16"/>
+                <p:cNvSpPr txBox="1">
+                  <a:spLocks noRot="1" noChangeAspect="1" noMove="1" noResize="1" noEditPoints="1" noAdjustHandles="1" noChangeArrowheads="1" noChangeShapeType="1" noTextEdit="1"/>
+                </p:cNvSpPr>
+                <p:nvPr/>
+              </p:nvSpPr>
+              <p:spPr>
+                <a:xfrm>
+                  <a:off x="718324" y="3470161"/>
+                  <a:ext cx="506549" cy="268920"/>
+                </a:xfrm>
+                <a:prstGeom prst="rect">
+                  <a:avLst/>
+                </a:prstGeom>
+                <a:blipFill rotWithShape="1">
+                  <a:blip r:embed="rId6"/>
+                  <a:stretch>
+                    <a:fillRect b="-11364"/>
+                  </a:stretch>
+                </a:blipFill>
+              </p:spPr>
+              <p:txBody>
+                <a:bodyPr/>
+                <a:lstStyle/>
+                <a:p>
+                  <a:r>
+                    <a:rPr lang="fr-FR">
+                      <a:noFill/>
+                    </a:rPr>
+                    <a:t> </a:t>
+                  </a:r>
+                </a:p>
+              </p:txBody>
+            </p:sp>
+          </mc:Fallback>
+        </mc:AlternateContent>
+        <p:grpSp>
+          <p:nvGrpSpPr>
+            <p:cNvPr id="20" name="Groupe 19"/>
+            <p:cNvGrpSpPr/>
+            <p:nvPr/>
+          </p:nvGrpSpPr>
+          <p:grpSpPr>
+            <a:xfrm>
+              <a:off x="935598" y="3393717"/>
+              <a:ext cx="72000" cy="72000"/>
+              <a:chOff x="395536" y="3284984"/>
+              <a:chExt cx="72000" cy="72000"/>
+            </a:xfrm>
+          </p:grpSpPr>
+          <p:sp>
+            <p:nvSpPr>
+              <p:cNvPr id="18" name="Ellipse 17"/>
+              <p:cNvSpPr/>
+              <p:nvPr/>
+            </p:nvSpPr>
+            <p:spPr>
+              <a:xfrm>
+                <a:off x="395536" y="3284984"/>
+                <a:ext cx="72000" cy="72000"/>
+              </a:xfrm>
+              <a:prstGeom prst="ellipse">
+                <a:avLst/>
+              </a:prstGeom>
+              <a:solidFill>
+                <a:schemeClr val="bg1"/>
+              </a:solidFill>
+              <a:ln w="12700">
+                <a:solidFill>
+                  <a:schemeClr val="tx1"/>
+                </a:solidFill>
+              </a:ln>
+            </p:spPr>
+            <p:style>
+              <a:lnRef idx="2">
+                <a:schemeClr val="accent1">
+                  <a:shade val="50000"/>
+                </a:schemeClr>
+              </a:lnRef>
+              <a:fillRef idx="1">
+                <a:schemeClr val="accent1"/>
+              </a:fillRef>
+              <a:effectRef idx="0">
+                <a:schemeClr val="accent1"/>
+              </a:effectRef>
+              <a:fontRef idx="minor">
+                <a:schemeClr val="lt1"/>
+              </a:fontRef>
+            </p:style>
+            <p:txBody>
+              <a:bodyPr rtlCol="0" anchor="ctr"/>
+              <a:lstStyle/>
+              <a:p>
+                <a:pPr algn="ctr"/>
+                <a:endParaRPr lang="fr-FR"/>
+              </a:p>
+            </p:txBody>
+          </p:sp>
+          <p:sp>
+            <p:nvSpPr>
+              <p:cNvPr id="19" name="Ellipse 18"/>
+              <p:cNvSpPr/>
+              <p:nvPr/>
+            </p:nvSpPr>
+            <p:spPr>
+              <a:xfrm flipH="1" flipV="1">
+                <a:off x="422536" y="3311984"/>
+                <a:ext cx="18000" cy="18000"/>
+              </a:xfrm>
+              <a:prstGeom prst="ellipse">
+                <a:avLst/>
+              </a:prstGeom>
+              <a:solidFill>
+                <a:schemeClr val="tx1"/>
+              </a:solidFill>
+              <a:ln w="12700">
+                <a:solidFill>
+                  <a:schemeClr val="tx1"/>
+                </a:solidFill>
+              </a:ln>
+            </p:spPr>
+            <p:style>
+              <a:lnRef idx="2">
+                <a:schemeClr val="accent1">
+                  <a:shade val="50000"/>
+                </a:schemeClr>
+              </a:lnRef>
+              <a:fillRef idx="1">
+                <a:schemeClr val="accent1"/>
+              </a:fillRef>
+              <a:effectRef idx="0">
+                <a:schemeClr val="accent1"/>
+              </a:effectRef>
+              <a:fontRef idx="minor">
+                <a:schemeClr val="lt1"/>
+              </a:fontRef>
+            </p:style>
+            <p:txBody>
+              <a:bodyPr rtlCol="0" anchor="ctr"/>
+              <a:lstStyle/>
+              <a:p>
+                <a:pPr algn="ctr"/>
+                <a:endParaRPr lang="fr-FR"/>
+              </a:p>
+            </p:txBody>
+          </p:sp>
+        </p:grpSp>
+      </p:grpSp>
+      <p:grpSp>
+        <p:nvGrpSpPr>
+          <p:cNvPr id="37" name="Groupe 36"/>
+          <p:cNvGrpSpPr/>
+          <p:nvPr/>
+        </p:nvGrpSpPr>
+        <p:grpSpPr>
+          <a:xfrm>
+            <a:off x="2029287" y="2462763"/>
+            <a:ext cx="1332717" cy="1272179"/>
+            <a:chOff x="597908" y="2466902"/>
+            <a:chExt cx="1332717" cy="1272179"/>
+          </a:xfrm>
+        </p:grpSpPr>
+        <mc:AlternateContent xmlns:mc="http://schemas.openxmlformats.org/markup-compatibility/2006">
+          <mc:Choice xmlns:a14="http://schemas.microsoft.com/office/drawing/2010/main" Requires="a14">
+            <p:sp>
+              <p:nvSpPr>
+                <p:cNvPr id="38" name="ZoneTexte 37"/>
+                <p:cNvSpPr txBox="1"/>
+                <p:nvPr/>
+              </p:nvSpPr>
+              <p:spPr>
+                <a:xfrm>
+                  <a:off x="1620155" y="3309226"/>
+                  <a:ext cx="310470" cy="263790"/>
+                </a:xfrm>
+                <a:prstGeom prst="rect">
+                  <a:avLst/>
+                </a:prstGeom>
+                <a:noFill/>
+              </p:spPr>
+              <p:txBody>
+                <a:bodyPr wrap="none" rtlCol="0">
+                  <a:spAutoFit/>
+                </a:bodyPr>
+                <a:lstStyle/>
+                <a:p>
+                  <a14:m>
+                    <m:oMathPara xmlns:m="http://schemas.openxmlformats.org/officeDocument/2006/math">
+                      <m:oMathParaPr>
+                        <m:jc m:val="centerGroup"/>
+                      </m:oMathParaPr>
+                      <m:oMath xmlns:m="http://schemas.openxmlformats.org/officeDocument/2006/math">
+                        <m:acc>
+                          <m:accPr>
+                            <m:chr m:val="⃗"/>
+                            <m:ctrlPr>
+                              <a:rPr lang="fr-FR" sz="1000" i="1" smtClean="0">
+                                <a:latin typeface="Cambria Math"/>
+                              </a:rPr>
+                            </m:ctrlPr>
+                          </m:accPr>
+                          <m:e>
+                            <m:sSub>
+                              <m:sSubPr>
+                                <m:ctrlPr>
+                                  <a:rPr lang="fr-FR" sz="1000" b="0" i="1" smtClean="0">
+                                    <a:latin typeface="Cambria Math"/>
+                                  </a:rPr>
+                                </m:ctrlPr>
+                              </m:sSubPr>
+                              <m:e>
+                                <m:r>
+                                  <a:rPr lang="fr-FR" sz="1000" b="0" i="1" smtClean="0">
+                                    <a:latin typeface="Cambria Math"/>
+                                  </a:rPr>
+                                  <m:t>𝑖</m:t>
+                                </m:r>
+                              </m:e>
+                              <m:sub>
+                                <m:r>
+                                  <a:rPr lang="fr-FR" sz="1000" b="0" i="1" smtClean="0">
+                                    <a:latin typeface="Cambria Math"/>
+                                  </a:rPr>
+                                  <m:t>1</m:t>
+                                </m:r>
+                              </m:sub>
+                            </m:sSub>
+                          </m:e>
+                        </m:acc>
+                      </m:oMath>
+                    </m:oMathPara>
+                  </a14:m>
+                  <a:endParaRPr lang="fr-FR" sz="1000" dirty="0"/>
+                </a:p>
+              </p:txBody>
+            </p:sp>
+          </mc:Choice>
+          <mc:Fallback>
+            <p:sp>
+              <p:nvSpPr>
+                <p:cNvPr id="38" name="ZoneTexte 37"/>
+                <p:cNvSpPr txBox="1">
+                  <a:spLocks noRot="1" noChangeAspect="1" noMove="1" noResize="1" noEditPoints="1" noAdjustHandles="1" noChangeArrowheads="1" noChangeShapeType="1" noTextEdit="1"/>
+                </p:cNvSpPr>
+                <p:nvPr/>
+              </p:nvSpPr>
+              <p:spPr>
+                <a:xfrm>
+                  <a:off x="1620155" y="3309226"/>
+                  <a:ext cx="310470" cy="263790"/>
+                </a:xfrm>
+                <a:prstGeom prst="rect">
+                  <a:avLst/>
+                </a:prstGeom>
+                <a:blipFill rotWithShape="1">
+                  <a:blip r:embed="rId7"/>
+                  <a:stretch>
+                    <a:fillRect/>
+                  </a:stretch>
+                </a:blipFill>
+              </p:spPr>
+              <p:txBody>
+                <a:bodyPr/>
+                <a:lstStyle/>
+                <a:p>
+                  <a:r>
+                    <a:rPr lang="fr-FR">
+                      <a:noFill/>
+                    </a:rPr>
+                    <a:t> </a:t>
+                  </a:r>
+                </a:p>
+              </p:txBody>
+            </p:sp>
+          </mc:Fallback>
+        </mc:AlternateContent>
+        <mc:AlternateContent xmlns:mc="http://schemas.openxmlformats.org/markup-compatibility/2006">
+          <mc:Choice xmlns:a14="http://schemas.microsoft.com/office/drawing/2010/main" Requires="a14">
+            <p:sp>
+              <p:nvSpPr>
+                <p:cNvPr id="39" name="ZoneTexte 38"/>
+                <p:cNvSpPr txBox="1"/>
+                <p:nvPr/>
+              </p:nvSpPr>
+              <p:spPr>
+                <a:xfrm>
+                  <a:off x="813864" y="2466902"/>
+                  <a:ext cx="312521" cy="263790"/>
+                </a:xfrm>
+                <a:prstGeom prst="rect">
+                  <a:avLst/>
+                </a:prstGeom>
+                <a:noFill/>
+              </p:spPr>
+              <p:txBody>
+                <a:bodyPr wrap="none" rtlCol="0">
+                  <a:spAutoFit/>
+                </a:bodyPr>
+                <a:lstStyle/>
+                <a:p>
+                  <a14:m>
+                    <m:oMathPara xmlns:m="http://schemas.openxmlformats.org/officeDocument/2006/math">
+                      <m:oMathParaPr>
+                        <m:jc m:val="centerGroup"/>
+                      </m:oMathParaPr>
+                      <m:oMath xmlns:m="http://schemas.openxmlformats.org/officeDocument/2006/math">
+                        <m:acc>
+                          <m:accPr>
+                            <m:chr m:val="⃗"/>
+                            <m:ctrlPr>
+                              <a:rPr lang="fr-FR" sz="1000" i="1" smtClean="0">
+                                <a:latin typeface="Cambria Math"/>
+                              </a:rPr>
+                            </m:ctrlPr>
+                          </m:accPr>
+                          <m:e>
+                            <m:sSub>
+                              <m:sSubPr>
+                                <m:ctrlPr>
+                                  <a:rPr lang="fr-FR" sz="1000" b="0" i="1" smtClean="0">
+                                    <a:latin typeface="Cambria Math"/>
+                                  </a:rPr>
+                                </m:ctrlPr>
+                              </m:sSubPr>
+                              <m:e>
+                                <m:r>
+                                  <a:rPr lang="fr-FR" sz="1000" b="0" i="1" smtClean="0">
+                                    <a:latin typeface="Cambria Math"/>
+                                  </a:rPr>
+                                  <m:t>𝑗</m:t>
+                                </m:r>
+                              </m:e>
+                              <m:sub>
+                                <m:r>
+                                  <a:rPr lang="fr-FR" sz="1000" b="0" i="1" smtClean="0">
+                                    <a:latin typeface="Cambria Math"/>
+                                  </a:rPr>
+                                  <m:t>1</m:t>
+                                </m:r>
+                              </m:sub>
+                            </m:sSub>
+                          </m:e>
+                        </m:acc>
+                      </m:oMath>
+                    </m:oMathPara>
+                  </a14:m>
+                  <a:endParaRPr lang="fr-FR" sz="1000" dirty="0"/>
+                </a:p>
+              </p:txBody>
+            </p:sp>
+          </mc:Choice>
+          <mc:Fallback>
+            <p:sp>
+              <p:nvSpPr>
+                <p:cNvPr id="39" name="ZoneTexte 38"/>
+                <p:cNvSpPr txBox="1">
+                  <a:spLocks noRot="1" noChangeAspect="1" noMove="1" noResize="1" noEditPoints="1" noAdjustHandles="1" noChangeArrowheads="1" noChangeShapeType="1" noTextEdit="1"/>
+                </p:cNvSpPr>
+                <p:nvPr/>
+              </p:nvSpPr>
+              <p:spPr>
+                <a:xfrm>
+                  <a:off x="813864" y="2466902"/>
+                  <a:ext cx="312521" cy="263790"/>
+                </a:xfrm>
+                <a:prstGeom prst="rect">
+                  <a:avLst/>
+                </a:prstGeom>
+                <a:blipFill rotWithShape="1">
+                  <a:blip r:embed="rId8"/>
+                  <a:stretch>
+                    <a:fillRect b="-2326"/>
+                  </a:stretch>
+                </a:blipFill>
+              </p:spPr>
+              <p:txBody>
+                <a:bodyPr/>
+                <a:lstStyle/>
+                <a:p>
+                  <a:r>
+                    <a:rPr lang="fr-FR">
+                      <a:noFill/>
+                    </a:rPr>
+                    <a:t> </a:t>
+                  </a:r>
+                </a:p>
+              </p:txBody>
+            </p:sp>
+          </mc:Fallback>
+        </mc:AlternateContent>
+        <p:grpSp>
+          <p:nvGrpSpPr>
+            <p:cNvPr id="40" name="Groupe 39"/>
+            <p:cNvGrpSpPr/>
+            <p:nvPr/>
+          </p:nvGrpSpPr>
+          <p:grpSpPr>
+            <a:xfrm>
+              <a:off x="971600" y="2709717"/>
+              <a:ext cx="720000" cy="720000"/>
+              <a:chOff x="971600" y="2709717"/>
+              <a:chExt cx="720000" cy="720000"/>
+            </a:xfrm>
+          </p:grpSpPr>
+          <p:cxnSp>
+            <p:nvCxnSpPr>
+              <p:cNvPr id="50" name="Connecteur droit 49"/>
+              <p:cNvCxnSpPr/>
+              <p:nvPr/>
+            </p:nvCxnSpPr>
+            <p:spPr>
+              <a:xfrm flipV="1">
+                <a:off x="971600" y="2709717"/>
+                <a:ext cx="0" cy="720000"/>
+              </a:xfrm>
+              <a:prstGeom prst="line">
+                <a:avLst/>
+              </a:prstGeom>
+              <a:ln w="12700">
+                <a:solidFill>
+                  <a:schemeClr val="tx2"/>
+                </a:solidFill>
+                <a:tailEnd type="stealth" w="sm" len="med"/>
+              </a:ln>
+            </p:spPr>
+            <p:style>
+              <a:lnRef idx="1">
+                <a:schemeClr val="accent1"/>
+              </a:lnRef>
+              <a:fillRef idx="0">
+                <a:schemeClr val="accent1"/>
+              </a:fillRef>
+              <a:effectRef idx="0">
+                <a:schemeClr val="accent1"/>
+              </a:effectRef>
+              <a:fontRef idx="minor">
+                <a:schemeClr val="tx1"/>
+              </a:fontRef>
+            </p:style>
+          </p:cxnSp>
+          <p:cxnSp>
+            <p:nvCxnSpPr>
+              <p:cNvPr id="51" name="Connecteur droit 50"/>
+              <p:cNvCxnSpPr/>
+              <p:nvPr/>
+            </p:nvCxnSpPr>
+            <p:spPr>
+              <a:xfrm rot="5400000" flipV="1">
+                <a:off x="1331600" y="3069717"/>
+                <a:ext cx="0" cy="720000"/>
+              </a:xfrm>
+              <a:prstGeom prst="line">
+                <a:avLst/>
+              </a:prstGeom>
+              <a:ln w="12700">
+                <a:solidFill>
+                  <a:schemeClr val="tx2"/>
+                </a:solidFill>
+                <a:tailEnd type="stealth" w="sm" len="med"/>
+              </a:ln>
+            </p:spPr>
+            <p:style>
+              <a:lnRef idx="1">
+                <a:schemeClr val="accent1"/>
+              </a:lnRef>
+              <a:fillRef idx="0">
+                <a:schemeClr val="accent1"/>
+              </a:fillRef>
+              <a:effectRef idx="0">
+                <a:schemeClr val="accent1"/>
+              </a:effectRef>
+              <a:fontRef idx="minor">
+                <a:schemeClr val="tx1"/>
+              </a:fontRef>
+            </p:style>
+          </p:cxnSp>
+        </p:grpSp>
+        <p:grpSp>
+          <p:nvGrpSpPr>
+            <p:cNvPr id="41" name="Groupe 40"/>
+            <p:cNvGrpSpPr/>
+            <p:nvPr/>
+          </p:nvGrpSpPr>
+          <p:grpSpPr>
+            <a:xfrm rot="20700000">
+              <a:off x="869441" y="2628809"/>
+              <a:ext cx="720000" cy="720000"/>
+              <a:chOff x="971600" y="2709717"/>
+              <a:chExt cx="720000" cy="720000"/>
+            </a:xfrm>
+          </p:grpSpPr>
+          <p:cxnSp>
+            <p:nvCxnSpPr>
+              <p:cNvPr id="48" name="Connecteur droit 47"/>
+              <p:cNvCxnSpPr/>
+              <p:nvPr/>
+            </p:nvCxnSpPr>
+            <p:spPr>
+              <a:xfrm flipV="1">
+                <a:off x="971600" y="2709717"/>
+                <a:ext cx="0" cy="720000"/>
+              </a:xfrm>
+              <a:prstGeom prst="line">
+                <a:avLst/>
+              </a:prstGeom>
+              <a:ln w="12700">
+                <a:solidFill>
+                  <a:srgbClr val="7030A0"/>
+                </a:solidFill>
+                <a:tailEnd type="stealth" w="sm" len="med"/>
+              </a:ln>
+            </p:spPr>
+            <p:style>
+              <a:lnRef idx="1">
+                <a:schemeClr val="accent1"/>
+              </a:lnRef>
+              <a:fillRef idx="0">
+                <a:schemeClr val="accent1"/>
+              </a:fillRef>
+              <a:effectRef idx="0">
+                <a:schemeClr val="accent1"/>
+              </a:effectRef>
+              <a:fontRef idx="minor">
+                <a:schemeClr val="tx1"/>
+              </a:fontRef>
+            </p:style>
+          </p:cxnSp>
+          <p:cxnSp>
+            <p:nvCxnSpPr>
+              <p:cNvPr id="49" name="Connecteur droit 48"/>
+              <p:cNvCxnSpPr/>
+              <p:nvPr/>
+            </p:nvCxnSpPr>
+            <p:spPr>
+              <a:xfrm rot="5400000" flipV="1">
+                <a:off x="1331600" y="3069717"/>
+                <a:ext cx="0" cy="720000"/>
+              </a:xfrm>
+              <a:prstGeom prst="line">
+                <a:avLst/>
+              </a:prstGeom>
+              <a:ln w="12700">
+                <a:solidFill>
+                  <a:srgbClr val="7030A0"/>
+                </a:solidFill>
+                <a:tailEnd type="stealth" w="sm" len="med"/>
+              </a:ln>
+            </p:spPr>
+            <p:style>
+              <a:lnRef idx="1">
+                <a:schemeClr val="accent1"/>
+              </a:lnRef>
+              <a:fillRef idx="0">
+                <a:schemeClr val="accent1"/>
+              </a:fillRef>
+              <a:effectRef idx="0">
+                <a:schemeClr val="accent1"/>
+              </a:effectRef>
+              <a:fontRef idx="minor">
+                <a:schemeClr val="tx1"/>
+              </a:fontRef>
+            </p:style>
+          </p:cxnSp>
+        </p:grpSp>
+        <mc:AlternateContent xmlns:mc="http://schemas.openxmlformats.org/markup-compatibility/2006">
+          <mc:Choice xmlns:a14="http://schemas.microsoft.com/office/drawing/2010/main" Requires="a14">
+            <p:sp>
+              <p:nvSpPr>
+                <p:cNvPr id="42" name="ZoneTexte 41"/>
+                <p:cNvSpPr txBox="1"/>
+                <p:nvPr/>
+              </p:nvSpPr>
+              <p:spPr>
+                <a:xfrm>
+                  <a:off x="1574433" y="3097186"/>
+                  <a:ext cx="313419" cy="263790"/>
+                </a:xfrm>
+                <a:prstGeom prst="rect">
+                  <a:avLst/>
+                </a:prstGeom>
+                <a:noFill/>
+              </p:spPr>
+              <p:txBody>
+                <a:bodyPr wrap="none" rtlCol="0">
+                  <a:spAutoFit/>
+                </a:bodyPr>
+                <a:lstStyle/>
+                <a:p>
+                  <a14:m>
+                    <m:oMathPara xmlns:m="http://schemas.openxmlformats.org/officeDocument/2006/math">
+                      <m:oMathParaPr>
+                        <m:jc m:val="centerGroup"/>
+                      </m:oMathParaPr>
+                      <m:oMath xmlns:m="http://schemas.openxmlformats.org/officeDocument/2006/math">
+                        <m:acc>
+                          <m:accPr>
+                            <m:chr m:val="⃗"/>
+                            <m:ctrlPr>
+                              <a:rPr lang="fr-FR" sz="1000" i="1" smtClean="0">
+                                <a:latin typeface="Cambria Math"/>
+                              </a:rPr>
+                            </m:ctrlPr>
+                          </m:accPr>
+                          <m:e>
+                            <m:sSub>
+                              <m:sSubPr>
+                                <m:ctrlPr>
+                                  <a:rPr lang="fr-FR" sz="1000" b="0" i="1" smtClean="0">
+                                    <a:latin typeface="Cambria Math"/>
+                                  </a:rPr>
+                                </m:ctrlPr>
+                              </m:sSubPr>
+                              <m:e>
+                                <m:r>
+                                  <a:rPr lang="fr-FR" sz="1000" b="0" i="1" smtClean="0">
+                                    <a:latin typeface="Cambria Math"/>
+                                  </a:rPr>
+                                  <m:t>𝑖</m:t>
+                                </m:r>
+                              </m:e>
+                              <m:sub>
+                                <m:r>
+                                  <a:rPr lang="fr-FR" sz="1000" b="0" i="1" smtClean="0">
+                                    <a:latin typeface="Cambria Math"/>
+                                  </a:rPr>
+                                  <m:t>2</m:t>
+                                </m:r>
+                              </m:sub>
+                            </m:sSub>
+                          </m:e>
+                        </m:acc>
+                      </m:oMath>
+                    </m:oMathPara>
+                  </a14:m>
+                  <a:endParaRPr lang="fr-FR" sz="1000" dirty="0"/>
+                </a:p>
+              </p:txBody>
+            </p:sp>
+          </mc:Choice>
+          <mc:Fallback>
+            <p:sp>
+              <p:nvSpPr>
+                <p:cNvPr id="42" name="ZoneTexte 41"/>
+                <p:cNvSpPr txBox="1">
+                  <a:spLocks noRot="1" noChangeAspect="1" noMove="1" noResize="1" noEditPoints="1" noAdjustHandles="1" noChangeArrowheads="1" noChangeShapeType="1" noTextEdit="1"/>
+                </p:cNvSpPr>
+                <p:nvPr/>
+              </p:nvSpPr>
+              <p:spPr>
+                <a:xfrm>
+                  <a:off x="1574433" y="3097186"/>
+                  <a:ext cx="313419" cy="263790"/>
+                </a:xfrm>
+                <a:prstGeom prst="rect">
+                  <a:avLst/>
+                </a:prstGeom>
+                <a:blipFill rotWithShape="1">
+                  <a:blip r:embed="rId9"/>
+                  <a:stretch>
+                    <a:fillRect/>
+                  </a:stretch>
+                </a:blipFill>
+              </p:spPr>
+              <p:txBody>
+                <a:bodyPr/>
+                <a:lstStyle/>
+                <a:p>
+                  <a:r>
+                    <a:rPr lang="fr-FR">
+                      <a:noFill/>
+                    </a:rPr>
+                    <a:t> </a:t>
+                  </a:r>
+                </a:p>
+              </p:txBody>
+            </p:sp>
+          </mc:Fallback>
+        </mc:AlternateContent>
+        <mc:AlternateContent xmlns:mc="http://schemas.openxmlformats.org/markup-compatibility/2006">
+          <mc:Choice xmlns:a14="http://schemas.microsoft.com/office/drawing/2010/main" Requires="a14">
+            <p:sp>
+              <p:nvSpPr>
+                <p:cNvPr id="43" name="ZoneTexte 42"/>
+                <p:cNvSpPr txBox="1"/>
+                <p:nvPr/>
+              </p:nvSpPr>
+              <p:spPr>
+                <a:xfrm>
+                  <a:off x="597908" y="2517284"/>
+                  <a:ext cx="315471" cy="263790"/>
+                </a:xfrm>
+                <a:prstGeom prst="rect">
+                  <a:avLst/>
+                </a:prstGeom>
+                <a:noFill/>
+              </p:spPr>
+              <p:txBody>
+                <a:bodyPr wrap="none" rtlCol="0">
+                  <a:spAutoFit/>
+                </a:bodyPr>
+                <a:lstStyle/>
+                <a:p>
+                  <a14:m>
+                    <m:oMathPara xmlns:m="http://schemas.openxmlformats.org/officeDocument/2006/math">
+                      <m:oMathParaPr>
+                        <m:jc m:val="centerGroup"/>
+                      </m:oMathParaPr>
+                      <m:oMath xmlns:m="http://schemas.openxmlformats.org/officeDocument/2006/math">
+                        <m:acc>
+                          <m:accPr>
+                            <m:chr m:val="⃗"/>
+                            <m:ctrlPr>
+                              <a:rPr lang="fr-FR" sz="1000" i="1" smtClean="0">
+                                <a:latin typeface="Cambria Math"/>
+                              </a:rPr>
+                            </m:ctrlPr>
+                          </m:accPr>
+                          <m:e>
+                            <m:sSub>
+                              <m:sSubPr>
+                                <m:ctrlPr>
+                                  <a:rPr lang="fr-FR" sz="1000" b="0" i="1" smtClean="0">
+                                    <a:latin typeface="Cambria Math"/>
+                                  </a:rPr>
+                                </m:ctrlPr>
+                              </m:sSubPr>
+                              <m:e>
+                                <m:r>
+                                  <a:rPr lang="fr-FR" sz="1000" b="0" i="1" smtClean="0">
+                                    <a:latin typeface="Cambria Math"/>
+                                  </a:rPr>
+                                  <m:t>𝑗</m:t>
+                                </m:r>
+                              </m:e>
+                              <m:sub>
+                                <m:r>
+                                  <a:rPr lang="fr-FR" sz="1000" b="0" i="1" smtClean="0">
+                                    <a:latin typeface="Cambria Math"/>
+                                  </a:rPr>
+                                  <m:t>2</m:t>
+                                </m:r>
+                              </m:sub>
+                            </m:sSub>
+                          </m:e>
+                        </m:acc>
+                      </m:oMath>
+                    </m:oMathPara>
+                  </a14:m>
+                  <a:endParaRPr lang="fr-FR" sz="1000" dirty="0"/>
+                </a:p>
+              </p:txBody>
+            </p:sp>
+          </mc:Choice>
+          <mc:Fallback>
+            <p:sp>
+              <p:nvSpPr>
+                <p:cNvPr id="43" name="ZoneTexte 42"/>
+                <p:cNvSpPr txBox="1">
+                  <a:spLocks noRot="1" noChangeAspect="1" noMove="1" noResize="1" noEditPoints="1" noAdjustHandles="1" noChangeArrowheads="1" noChangeShapeType="1" noTextEdit="1"/>
+                </p:cNvSpPr>
+                <p:nvPr/>
+              </p:nvSpPr>
+              <p:spPr>
+                <a:xfrm>
+                  <a:off x="597908" y="2517284"/>
+                  <a:ext cx="315471" cy="263790"/>
+                </a:xfrm>
+                <a:prstGeom prst="rect">
+                  <a:avLst/>
+                </a:prstGeom>
+                <a:blipFill rotWithShape="1">
+                  <a:blip r:embed="rId10"/>
+                  <a:stretch>
+                    <a:fillRect/>
+                  </a:stretch>
+                </a:blipFill>
+              </p:spPr>
+              <p:txBody>
+                <a:bodyPr/>
+                <a:lstStyle/>
+                <a:p>
+                  <a:r>
+                    <a:rPr lang="fr-FR">
+                      <a:noFill/>
+                    </a:rPr>
+                    <a:t> </a:t>
+                  </a:r>
+                </a:p>
+              </p:txBody>
+            </p:sp>
+          </mc:Fallback>
+        </mc:AlternateContent>
+        <mc:AlternateContent xmlns:mc="http://schemas.openxmlformats.org/markup-compatibility/2006">
+          <mc:Choice xmlns:a14="http://schemas.microsoft.com/office/drawing/2010/main" Requires="a14">
+            <p:sp>
+              <p:nvSpPr>
+                <p:cNvPr id="44" name="ZoneTexte 43"/>
+                <p:cNvSpPr txBox="1"/>
+                <p:nvPr/>
+              </p:nvSpPr>
+              <p:spPr>
+                <a:xfrm>
+                  <a:off x="718324" y="3470161"/>
+                  <a:ext cx="506549" cy="268920"/>
+                </a:xfrm>
+                <a:prstGeom prst="rect">
+                  <a:avLst/>
+                </a:prstGeom>
+                <a:noFill/>
+              </p:spPr>
+              <p:txBody>
+                <a:bodyPr wrap="none" rtlCol="0">
+                  <a:spAutoFit/>
+                </a:bodyPr>
+                <a:lstStyle/>
+                <a:p>
+                  <a14:m>
+                    <m:oMath xmlns:m="http://schemas.openxmlformats.org/officeDocument/2006/math">
+                      <m:acc>
+                        <m:accPr>
+                          <m:chr m:val="⃗"/>
+                          <m:ctrlPr>
+                            <a:rPr lang="fr-FR" sz="1000" i="1" smtClean="0">
+                              <a:latin typeface="Cambria Math"/>
+                            </a:rPr>
+                          </m:ctrlPr>
+                        </m:accPr>
+                        <m:e>
+                          <m:sSub>
+                            <m:sSubPr>
+                              <m:ctrlPr>
+                                <a:rPr lang="fr-FR" sz="1000" b="0" i="1" smtClean="0">
+                                  <a:latin typeface="Cambria Math"/>
+                                </a:rPr>
+                              </m:ctrlPr>
+                            </m:sSubPr>
+                            <m:e>
+                              <m:r>
+                                <a:rPr lang="fr-FR" sz="1000" b="0" i="1" smtClean="0">
+                                  <a:latin typeface="Cambria Math"/>
+                                </a:rPr>
+                                <m:t>𝑘</m:t>
+                              </m:r>
+                            </m:e>
+                            <m:sub>
+                              <m:r>
+                                <a:rPr lang="fr-FR" sz="1000" b="0" i="1" smtClean="0">
+                                  <a:latin typeface="Cambria Math"/>
+                                </a:rPr>
+                                <m:t>1</m:t>
+                              </m:r>
+                            </m:sub>
+                          </m:sSub>
+                        </m:e>
+                      </m:acc>
+                    </m:oMath>
+                  </a14:m>
+                  <a:r>
+                    <a:rPr lang="fr-FR" sz="1000" dirty="0" smtClean="0"/>
+                    <a:t>=</a:t>
+                  </a:r>
+                  <a14:m>
+                    <m:oMath xmlns:m="http://schemas.openxmlformats.org/officeDocument/2006/math">
+                      <m:acc>
+                        <m:accPr>
+                          <m:chr m:val="⃗"/>
+                          <m:ctrlPr>
+                            <a:rPr lang="fr-FR" sz="1000" i="1">
+                              <a:latin typeface="Cambria Math"/>
+                            </a:rPr>
+                          </m:ctrlPr>
+                        </m:accPr>
+                        <m:e>
+                          <m:sSub>
+                            <m:sSubPr>
+                              <m:ctrlPr>
+                                <a:rPr lang="fr-FR" sz="1000" i="1">
+                                  <a:latin typeface="Cambria Math"/>
+                                </a:rPr>
+                              </m:ctrlPr>
+                            </m:sSubPr>
+                            <m:e>
+                              <m:r>
+                                <a:rPr lang="fr-FR" sz="1000" b="0" i="1" smtClean="0">
+                                  <a:latin typeface="Cambria Math"/>
+                                </a:rPr>
+                                <m:t>𝑘</m:t>
+                              </m:r>
+                            </m:e>
+                            <m:sub>
+                              <m:r>
+                                <a:rPr lang="fr-FR" sz="1000" b="0" i="1" smtClean="0">
+                                  <a:latin typeface="Cambria Math"/>
+                                </a:rPr>
+                                <m:t>2</m:t>
+                              </m:r>
+                            </m:sub>
+                          </m:sSub>
+                        </m:e>
+                      </m:acc>
+                    </m:oMath>
+                  </a14:m>
+                  <a:endParaRPr lang="fr-FR" sz="1000" dirty="0"/>
+                </a:p>
+              </p:txBody>
+            </p:sp>
+          </mc:Choice>
+          <mc:Fallback>
+            <p:sp>
+              <p:nvSpPr>
+                <p:cNvPr id="44" name="ZoneTexte 43"/>
+                <p:cNvSpPr txBox="1">
+                  <a:spLocks noRot="1" noChangeAspect="1" noMove="1" noResize="1" noEditPoints="1" noAdjustHandles="1" noChangeArrowheads="1" noChangeShapeType="1" noTextEdit="1"/>
+                </p:cNvSpPr>
+                <p:nvPr/>
+              </p:nvSpPr>
+              <p:spPr>
+                <a:xfrm>
+                  <a:off x="718324" y="3470161"/>
+                  <a:ext cx="506549" cy="268920"/>
+                </a:xfrm>
+                <a:prstGeom prst="rect">
+                  <a:avLst/>
+                </a:prstGeom>
+                <a:blipFill rotWithShape="1">
+                  <a:blip r:embed="rId11"/>
+                  <a:stretch>
+                    <a:fillRect b="-11364"/>
+                  </a:stretch>
+                </a:blipFill>
+              </p:spPr>
+              <p:txBody>
+                <a:bodyPr/>
+                <a:lstStyle/>
+                <a:p>
+                  <a:r>
+                    <a:rPr lang="fr-FR">
+                      <a:noFill/>
+                    </a:rPr>
+                    <a:t> </a:t>
+                  </a:r>
+                </a:p>
+              </p:txBody>
+            </p:sp>
+          </mc:Fallback>
+        </mc:AlternateContent>
+        <p:grpSp>
+          <p:nvGrpSpPr>
+            <p:cNvPr id="45" name="Groupe 44"/>
+            <p:cNvGrpSpPr/>
+            <p:nvPr/>
+          </p:nvGrpSpPr>
+          <p:grpSpPr>
+            <a:xfrm>
+              <a:off x="935598" y="3393717"/>
+              <a:ext cx="72000" cy="72000"/>
+              <a:chOff x="395536" y="3284984"/>
+              <a:chExt cx="72000" cy="72000"/>
+            </a:xfrm>
+          </p:grpSpPr>
+          <p:sp>
+            <p:nvSpPr>
+              <p:cNvPr id="46" name="Ellipse 45"/>
+              <p:cNvSpPr/>
+              <p:nvPr/>
+            </p:nvSpPr>
+            <p:spPr>
+              <a:xfrm>
+                <a:off x="395536" y="3284984"/>
+                <a:ext cx="72000" cy="72000"/>
+              </a:xfrm>
+              <a:prstGeom prst="ellipse">
+                <a:avLst/>
+              </a:prstGeom>
+              <a:solidFill>
+                <a:schemeClr val="bg1"/>
+              </a:solidFill>
+              <a:ln w="12700">
+                <a:solidFill>
+                  <a:schemeClr val="tx1"/>
+                </a:solidFill>
+              </a:ln>
+            </p:spPr>
+            <p:style>
+              <a:lnRef idx="2">
+                <a:schemeClr val="accent1">
+                  <a:shade val="50000"/>
+                </a:schemeClr>
+              </a:lnRef>
+              <a:fillRef idx="1">
+                <a:schemeClr val="accent1"/>
+              </a:fillRef>
+              <a:effectRef idx="0">
+                <a:schemeClr val="accent1"/>
+              </a:effectRef>
+              <a:fontRef idx="minor">
+                <a:schemeClr val="lt1"/>
+              </a:fontRef>
+            </p:style>
+            <p:txBody>
+              <a:bodyPr rtlCol="0" anchor="ctr"/>
+              <a:lstStyle/>
+              <a:p>
+                <a:pPr algn="ctr"/>
+                <a:endParaRPr lang="fr-FR"/>
+              </a:p>
+            </p:txBody>
+          </p:sp>
+          <p:sp>
+            <p:nvSpPr>
+              <p:cNvPr id="47" name="Ellipse 46"/>
+              <p:cNvSpPr/>
+              <p:nvPr/>
+            </p:nvSpPr>
+            <p:spPr>
+              <a:xfrm flipH="1" flipV="1">
+                <a:off x="422536" y="3311984"/>
+                <a:ext cx="18000" cy="18000"/>
+              </a:xfrm>
+              <a:prstGeom prst="ellipse">
+                <a:avLst/>
+              </a:prstGeom>
+              <a:solidFill>
+                <a:schemeClr val="tx1"/>
+              </a:solidFill>
+              <a:ln w="12700">
+                <a:solidFill>
+                  <a:schemeClr val="tx1"/>
+                </a:solidFill>
+              </a:ln>
+            </p:spPr>
+            <p:style>
+              <a:lnRef idx="2">
+                <a:schemeClr val="accent1">
+                  <a:shade val="50000"/>
+                </a:schemeClr>
+              </a:lnRef>
+              <a:fillRef idx="1">
+                <a:schemeClr val="accent1"/>
+              </a:fillRef>
+              <a:effectRef idx="0">
+                <a:schemeClr val="accent1"/>
+              </a:effectRef>
+              <a:fontRef idx="minor">
+                <a:schemeClr val="lt1"/>
+              </a:fontRef>
+            </p:style>
+            <p:txBody>
+              <a:bodyPr rtlCol="0" anchor="ctr"/>
+              <a:lstStyle/>
+              <a:p>
+                <a:pPr algn="ctr"/>
+                <a:endParaRPr lang="fr-FR"/>
+              </a:p>
+            </p:txBody>
+          </p:sp>
+        </p:grpSp>
+      </p:grpSp>
+      <p:sp>
+        <p:nvSpPr>
+          <p:cNvPr id="52" name="Arc 51"/>
+          <p:cNvSpPr/>
+          <p:nvPr/>
+        </p:nvSpPr>
+        <p:spPr>
+          <a:xfrm>
+            <a:off x="1818142" y="2840743"/>
+            <a:ext cx="1187670" cy="1187670"/>
+          </a:xfrm>
+          <a:prstGeom prst="arc">
+            <a:avLst>
+              <a:gd name="adj1" fmla="val 20709189"/>
+              <a:gd name="adj2" fmla="val 21503913"/>
+            </a:avLst>
+          </a:prstGeom>
+          <a:ln>
+            <a:solidFill>
+              <a:srgbClr val="7030A0"/>
+            </a:solidFill>
+            <a:headEnd type="stealth" w="sm" len="med"/>
+            <a:tailEnd type="none"/>
+          </a:ln>
+        </p:spPr>
+        <p:style>
+          <a:lnRef idx="1">
+            <a:schemeClr val="accent1"/>
+          </a:lnRef>
+          <a:fillRef idx="0">
+            <a:schemeClr val="accent1"/>
+          </a:fillRef>
+          <a:effectRef idx="0">
+            <a:schemeClr val="accent1"/>
+          </a:effectRef>
+          <a:fontRef idx="minor">
+            <a:schemeClr val="tx1"/>
+          </a:fontRef>
+        </p:style>
+        <p:txBody>
+          <a:bodyPr rtlCol="0" anchor="ctr"/>
+          <a:lstStyle/>
+          <a:p>
+            <a:pPr algn="ctr"/>
+            <a:endParaRPr lang="fr-FR"/>
+          </a:p>
+        </p:txBody>
+      </p:sp>
+      <p:sp>
+        <p:nvSpPr>
+          <p:cNvPr id="53" name="Arc 52"/>
+          <p:cNvSpPr/>
+          <p:nvPr/>
+        </p:nvSpPr>
+        <p:spPr>
+          <a:xfrm>
+            <a:off x="378148" y="2840743"/>
+            <a:ext cx="1187670" cy="1187670"/>
+          </a:xfrm>
+          <a:prstGeom prst="arc">
+            <a:avLst>
+              <a:gd name="adj1" fmla="val 20709189"/>
+              <a:gd name="adj2" fmla="val 21503913"/>
+            </a:avLst>
+          </a:prstGeom>
+          <a:ln>
+            <a:solidFill>
+              <a:schemeClr val="tx2"/>
+            </a:solidFill>
+            <a:headEnd type="stealth" w="sm" len="med"/>
+            <a:tailEnd type="none"/>
+          </a:ln>
+        </p:spPr>
+        <p:style>
+          <a:lnRef idx="1">
+            <a:schemeClr val="accent1"/>
+          </a:lnRef>
+          <a:fillRef idx="0">
+            <a:schemeClr val="accent1"/>
+          </a:fillRef>
+          <a:effectRef idx="0">
+            <a:schemeClr val="accent1"/>
+          </a:effectRef>
+          <a:fontRef idx="minor">
+            <a:schemeClr val="tx1"/>
+          </a:fontRef>
+        </p:style>
+        <p:txBody>
+          <a:bodyPr rtlCol="0" anchor="ctr"/>
+          <a:lstStyle/>
+          <a:p>
+            <a:pPr algn="ctr"/>
+            <a:endParaRPr lang="fr-FR"/>
+          </a:p>
+        </p:txBody>
+      </p:sp>
+      <p:grpSp>
+        <p:nvGrpSpPr>
+          <p:cNvPr id="54" name="Groupe 53"/>
+          <p:cNvGrpSpPr/>
+          <p:nvPr/>
+        </p:nvGrpSpPr>
+        <p:grpSpPr>
+          <a:xfrm>
+            <a:off x="3471631" y="2462763"/>
+            <a:ext cx="1366124" cy="1267049"/>
+            <a:chOff x="597908" y="2466902"/>
+            <a:chExt cx="1366124" cy="1267049"/>
+          </a:xfrm>
+        </p:grpSpPr>
+        <mc:AlternateContent xmlns:mc="http://schemas.openxmlformats.org/markup-compatibility/2006">
+          <mc:Choice xmlns:a14="http://schemas.microsoft.com/office/drawing/2010/main" Requires="a14">
+            <p:sp>
+              <p:nvSpPr>
+                <p:cNvPr id="55" name="ZoneTexte 54"/>
+                <p:cNvSpPr txBox="1"/>
+                <p:nvPr/>
+              </p:nvSpPr>
+              <p:spPr>
+                <a:xfrm>
+                  <a:off x="1620155" y="3309226"/>
+                  <a:ext cx="343877" cy="268920"/>
+                </a:xfrm>
+                <a:prstGeom prst="rect">
+                  <a:avLst/>
+                </a:prstGeom>
+                <a:noFill/>
+              </p:spPr>
+              <p:txBody>
+                <a:bodyPr wrap="none" rtlCol="0">
+                  <a:spAutoFit/>
+                </a:bodyPr>
+                <a:lstStyle/>
+                <a:p>
+                  <a14:m>
+                    <m:oMathPara xmlns:m="http://schemas.openxmlformats.org/officeDocument/2006/math">
+                      <m:oMathParaPr>
+                        <m:jc m:val="centerGroup"/>
+                      </m:oMathParaPr>
+                      <m:oMath xmlns:m="http://schemas.openxmlformats.org/officeDocument/2006/math">
+                        <m:acc>
+                          <m:accPr>
+                            <m:chr m:val="⃗"/>
+                            <m:ctrlPr>
+                              <a:rPr lang="fr-FR" sz="1000" i="1" smtClean="0">
+                                <a:latin typeface="Cambria Math"/>
+                              </a:rPr>
+                            </m:ctrlPr>
+                          </m:accPr>
+                          <m:e>
+                            <m:sSub>
+                              <m:sSubPr>
+                                <m:ctrlPr>
+                                  <a:rPr lang="fr-FR" sz="1000" b="0" i="1" smtClean="0">
+                                    <a:latin typeface="Cambria Math"/>
+                                  </a:rPr>
+                                </m:ctrlPr>
+                              </m:sSubPr>
+                              <m:e>
+                                <m:r>
+                                  <a:rPr lang="fr-FR" sz="1000" b="0" i="1" smtClean="0">
+                                    <a:latin typeface="Cambria Math"/>
+                                  </a:rPr>
+                                  <m:t>𝑘</m:t>
+                                </m:r>
+                              </m:e>
+                              <m:sub>
+                                <m:r>
+                                  <a:rPr lang="fr-FR" sz="1000" b="0" i="1" smtClean="0">
+                                    <a:latin typeface="Cambria Math"/>
+                                  </a:rPr>
+                                  <m:t>2</m:t>
+                                </m:r>
+                              </m:sub>
+                            </m:sSub>
+                          </m:e>
+                        </m:acc>
+                      </m:oMath>
+                    </m:oMathPara>
+                  </a14:m>
+                  <a:endParaRPr lang="fr-FR" sz="1000" dirty="0"/>
+                </a:p>
+              </p:txBody>
+            </p:sp>
+          </mc:Choice>
+          <mc:Fallback>
+            <p:sp>
+              <p:nvSpPr>
+                <p:cNvPr id="55" name="ZoneTexte 54"/>
+                <p:cNvSpPr txBox="1">
+                  <a:spLocks noRot="1" noChangeAspect="1" noMove="1" noResize="1" noEditPoints="1" noAdjustHandles="1" noChangeArrowheads="1" noChangeShapeType="1" noTextEdit="1"/>
+                </p:cNvSpPr>
+                <p:nvPr/>
+              </p:nvSpPr>
+              <p:spPr>
+                <a:xfrm>
+                  <a:off x="1620155" y="3309226"/>
+                  <a:ext cx="343877" cy="268920"/>
+                </a:xfrm>
+                <a:prstGeom prst="rect">
+                  <a:avLst/>
+                </a:prstGeom>
+                <a:blipFill rotWithShape="1">
+                  <a:blip r:embed="rId12"/>
+                  <a:stretch>
+                    <a:fillRect/>
+                  </a:stretch>
+                </a:blipFill>
+              </p:spPr>
+              <p:txBody>
+                <a:bodyPr/>
+                <a:lstStyle/>
+                <a:p>
+                  <a:r>
+                    <a:rPr lang="fr-FR">
+                      <a:noFill/>
+                    </a:rPr>
+                    <a:t> </a:t>
+                  </a:r>
+                </a:p>
+              </p:txBody>
+            </p:sp>
+          </mc:Fallback>
+        </mc:AlternateContent>
+        <mc:AlternateContent xmlns:mc="http://schemas.openxmlformats.org/markup-compatibility/2006">
+          <mc:Choice xmlns:a14="http://schemas.microsoft.com/office/drawing/2010/main" Requires="a14">
+            <p:sp>
+              <p:nvSpPr>
+                <p:cNvPr id="56" name="ZoneTexte 55"/>
+                <p:cNvSpPr txBox="1"/>
+                <p:nvPr/>
+              </p:nvSpPr>
+              <p:spPr>
+                <a:xfrm>
+                  <a:off x="813864" y="2466902"/>
+                  <a:ext cx="313419" cy="263790"/>
+                </a:xfrm>
+                <a:prstGeom prst="rect">
+                  <a:avLst/>
+                </a:prstGeom>
+                <a:noFill/>
+              </p:spPr>
+              <p:txBody>
+                <a:bodyPr wrap="none" rtlCol="0">
+                  <a:spAutoFit/>
+                </a:bodyPr>
+                <a:lstStyle/>
+                <a:p>
+                  <a14:m>
+                    <m:oMathPara xmlns:m="http://schemas.openxmlformats.org/officeDocument/2006/math">
+                      <m:oMathParaPr>
+                        <m:jc m:val="centerGroup"/>
+                      </m:oMathParaPr>
+                      <m:oMath xmlns:m="http://schemas.openxmlformats.org/officeDocument/2006/math">
+                        <m:acc>
+                          <m:accPr>
+                            <m:chr m:val="⃗"/>
+                            <m:ctrlPr>
+                              <a:rPr lang="fr-FR" sz="1000" i="1" smtClean="0">
+                                <a:latin typeface="Cambria Math"/>
+                              </a:rPr>
+                            </m:ctrlPr>
+                          </m:accPr>
+                          <m:e>
+                            <m:sSub>
+                              <m:sSubPr>
+                                <m:ctrlPr>
+                                  <a:rPr lang="fr-FR" sz="1000" b="0" i="1" smtClean="0">
+                                    <a:latin typeface="Cambria Math"/>
+                                  </a:rPr>
+                                </m:ctrlPr>
+                              </m:sSubPr>
+                              <m:e>
+                                <m:r>
+                                  <a:rPr lang="fr-FR" sz="1000" b="0" i="1" smtClean="0">
+                                    <a:latin typeface="Cambria Math"/>
+                                  </a:rPr>
+                                  <m:t>𝑖</m:t>
+                                </m:r>
+                              </m:e>
+                              <m:sub>
+                                <m:r>
+                                  <a:rPr lang="fr-FR" sz="1000" b="0" i="1" smtClean="0">
+                                    <a:latin typeface="Cambria Math"/>
+                                  </a:rPr>
+                                  <m:t>2</m:t>
+                                </m:r>
+                              </m:sub>
+                            </m:sSub>
+                          </m:e>
+                        </m:acc>
+                      </m:oMath>
+                    </m:oMathPara>
+                  </a14:m>
+                  <a:endParaRPr lang="fr-FR" sz="1000" dirty="0"/>
+                </a:p>
+              </p:txBody>
+            </p:sp>
+          </mc:Choice>
+          <mc:Fallback>
+            <p:sp>
+              <p:nvSpPr>
+                <p:cNvPr id="56" name="ZoneTexte 55"/>
+                <p:cNvSpPr txBox="1">
+                  <a:spLocks noRot="1" noChangeAspect="1" noMove="1" noResize="1" noEditPoints="1" noAdjustHandles="1" noChangeArrowheads="1" noChangeShapeType="1" noTextEdit="1"/>
+                </p:cNvSpPr>
+                <p:nvPr/>
+              </p:nvSpPr>
+              <p:spPr>
+                <a:xfrm>
+                  <a:off x="813864" y="2466902"/>
+                  <a:ext cx="313419" cy="263790"/>
+                </a:xfrm>
+                <a:prstGeom prst="rect">
+                  <a:avLst/>
+                </a:prstGeom>
+                <a:blipFill rotWithShape="1">
+                  <a:blip r:embed="rId13"/>
+                  <a:stretch>
+                    <a:fillRect/>
+                  </a:stretch>
+                </a:blipFill>
+              </p:spPr>
+              <p:txBody>
+                <a:bodyPr/>
+                <a:lstStyle/>
+                <a:p>
+                  <a:r>
+                    <a:rPr lang="fr-FR">
+                      <a:noFill/>
+                    </a:rPr>
+                    <a:t> </a:t>
+                  </a:r>
+                </a:p>
+              </p:txBody>
+            </p:sp>
+          </mc:Fallback>
+        </mc:AlternateContent>
+        <p:grpSp>
+          <p:nvGrpSpPr>
+            <p:cNvPr id="57" name="Groupe 56"/>
+            <p:cNvGrpSpPr/>
+            <p:nvPr/>
+          </p:nvGrpSpPr>
+          <p:grpSpPr>
+            <a:xfrm>
+              <a:off x="971600" y="2709717"/>
+              <a:ext cx="720000" cy="720000"/>
+              <a:chOff x="971600" y="2709717"/>
+              <a:chExt cx="720000" cy="720000"/>
+            </a:xfrm>
+          </p:grpSpPr>
+          <p:cxnSp>
+            <p:nvCxnSpPr>
+              <p:cNvPr id="67" name="Connecteur droit 66"/>
+              <p:cNvCxnSpPr/>
+              <p:nvPr/>
+            </p:nvCxnSpPr>
+            <p:spPr>
+              <a:xfrm flipV="1">
+                <a:off x="971600" y="2709717"/>
+                <a:ext cx="0" cy="720000"/>
+              </a:xfrm>
+              <a:prstGeom prst="line">
+                <a:avLst/>
+              </a:prstGeom>
+              <a:ln w="12700">
+                <a:solidFill>
+                  <a:schemeClr val="tx2"/>
+                </a:solidFill>
+                <a:tailEnd type="stealth" w="sm" len="med"/>
+              </a:ln>
+            </p:spPr>
+            <p:style>
+              <a:lnRef idx="1">
+                <a:schemeClr val="accent1"/>
+              </a:lnRef>
+              <a:fillRef idx="0">
+                <a:schemeClr val="accent1"/>
+              </a:fillRef>
+              <a:effectRef idx="0">
+                <a:schemeClr val="accent1"/>
+              </a:effectRef>
+              <a:fontRef idx="minor">
+                <a:schemeClr val="tx1"/>
+              </a:fontRef>
+            </p:style>
+          </p:cxnSp>
+          <p:cxnSp>
+            <p:nvCxnSpPr>
+              <p:cNvPr id="68" name="Connecteur droit 67"/>
+              <p:cNvCxnSpPr/>
+              <p:nvPr/>
+            </p:nvCxnSpPr>
+            <p:spPr>
+              <a:xfrm rot="5400000" flipV="1">
+                <a:off x="1331600" y="3069717"/>
+                <a:ext cx="0" cy="720000"/>
+              </a:xfrm>
+              <a:prstGeom prst="line">
+                <a:avLst/>
+              </a:prstGeom>
+              <a:ln w="12700">
+                <a:solidFill>
+                  <a:schemeClr val="tx2"/>
+                </a:solidFill>
+                <a:tailEnd type="stealth" w="sm" len="med"/>
+              </a:ln>
+            </p:spPr>
+            <p:style>
+              <a:lnRef idx="1">
+                <a:schemeClr val="accent1"/>
+              </a:lnRef>
+              <a:fillRef idx="0">
+                <a:schemeClr val="accent1"/>
+              </a:fillRef>
+              <a:effectRef idx="0">
+                <a:schemeClr val="accent1"/>
+              </a:effectRef>
+              <a:fontRef idx="minor">
+                <a:schemeClr val="tx1"/>
+              </a:fontRef>
+            </p:style>
+          </p:cxnSp>
+        </p:grpSp>
+        <p:grpSp>
+          <p:nvGrpSpPr>
+            <p:cNvPr id="58" name="Groupe 57"/>
+            <p:cNvGrpSpPr/>
+            <p:nvPr/>
+          </p:nvGrpSpPr>
+          <p:grpSpPr>
+            <a:xfrm rot="20700000">
+              <a:off x="869441" y="2628809"/>
+              <a:ext cx="720000" cy="720000"/>
+              <a:chOff x="971600" y="2709717"/>
+              <a:chExt cx="720000" cy="720000"/>
+            </a:xfrm>
+          </p:grpSpPr>
+          <p:cxnSp>
+            <p:nvCxnSpPr>
+              <p:cNvPr id="65" name="Connecteur droit 64"/>
+              <p:cNvCxnSpPr/>
+              <p:nvPr/>
+            </p:nvCxnSpPr>
+            <p:spPr>
+              <a:xfrm flipV="1">
+                <a:off x="971600" y="2709717"/>
+                <a:ext cx="0" cy="720000"/>
+              </a:xfrm>
+              <a:prstGeom prst="line">
+                <a:avLst/>
+              </a:prstGeom>
+              <a:ln w="12700">
+                <a:solidFill>
+                  <a:schemeClr val="accent2"/>
+                </a:solidFill>
+                <a:tailEnd type="stealth" w="sm" len="med"/>
+              </a:ln>
+            </p:spPr>
+            <p:style>
+              <a:lnRef idx="1">
+                <a:schemeClr val="accent1"/>
+              </a:lnRef>
+              <a:fillRef idx="0">
+                <a:schemeClr val="accent1"/>
+              </a:fillRef>
+              <a:effectRef idx="0">
+                <a:schemeClr val="accent1"/>
+              </a:effectRef>
+              <a:fontRef idx="minor">
+                <a:schemeClr val="tx1"/>
+              </a:fontRef>
+            </p:style>
+          </p:cxnSp>
+          <p:cxnSp>
+            <p:nvCxnSpPr>
+              <p:cNvPr id="66" name="Connecteur droit 65"/>
+              <p:cNvCxnSpPr/>
+              <p:nvPr/>
+            </p:nvCxnSpPr>
+            <p:spPr>
+              <a:xfrm rot="5400000" flipV="1">
+                <a:off x="1331600" y="3069717"/>
+                <a:ext cx="0" cy="720000"/>
+              </a:xfrm>
+              <a:prstGeom prst="line">
+                <a:avLst/>
+              </a:prstGeom>
+              <a:ln w="12700">
+                <a:solidFill>
+                  <a:schemeClr val="accent2"/>
+                </a:solidFill>
+                <a:tailEnd type="stealth" w="sm" len="med"/>
+              </a:ln>
+            </p:spPr>
+            <p:style>
+              <a:lnRef idx="1">
+                <a:schemeClr val="accent1"/>
+              </a:lnRef>
+              <a:fillRef idx="0">
+                <a:schemeClr val="accent1"/>
+              </a:fillRef>
+              <a:effectRef idx="0">
+                <a:schemeClr val="accent1"/>
+              </a:effectRef>
+              <a:fontRef idx="minor">
+                <a:schemeClr val="tx1"/>
+              </a:fontRef>
+            </p:style>
+          </p:cxnSp>
+        </p:grpSp>
+        <mc:AlternateContent xmlns:mc="http://schemas.openxmlformats.org/markup-compatibility/2006">
+          <mc:Choice xmlns:a14="http://schemas.microsoft.com/office/drawing/2010/main" Requires="a14">
+            <p:sp>
+              <p:nvSpPr>
+                <p:cNvPr id="59" name="ZoneTexte 58"/>
+                <p:cNvSpPr txBox="1"/>
+                <p:nvPr/>
+              </p:nvSpPr>
+              <p:spPr>
+                <a:xfrm>
+                  <a:off x="1574433" y="3097186"/>
+                  <a:ext cx="343877" cy="268920"/>
+                </a:xfrm>
+                <a:prstGeom prst="rect">
+                  <a:avLst/>
+                </a:prstGeom>
+                <a:noFill/>
+              </p:spPr>
+              <p:txBody>
+                <a:bodyPr wrap="none" rtlCol="0">
+                  <a:spAutoFit/>
+                </a:bodyPr>
+                <a:lstStyle/>
+                <a:p>
+                  <a14:m>
+                    <m:oMathPara xmlns:m="http://schemas.openxmlformats.org/officeDocument/2006/math">
+                      <m:oMathParaPr>
+                        <m:jc m:val="centerGroup"/>
+                      </m:oMathParaPr>
+                      <m:oMath xmlns:m="http://schemas.openxmlformats.org/officeDocument/2006/math">
+                        <m:acc>
+                          <m:accPr>
+                            <m:chr m:val="⃗"/>
+                            <m:ctrlPr>
+                              <a:rPr lang="fr-FR" sz="1000" i="1" smtClean="0">
+                                <a:latin typeface="Cambria Math"/>
+                              </a:rPr>
+                            </m:ctrlPr>
+                          </m:accPr>
+                          <m:e>
+                            <m:sSub>
+                              <m:sSubPr>
+                                <m:ctrlPr>
+                                  <a:rPr lang="fr-FR" sz="1000" b="0" i="1" smtClean="0">
+                                    <a:latin typeface="Cambria Math"/>
+                                  </a:rPr>
+                                </m:ctrlPr>
+                              </m:sSubPr>
+                              <m:e>
+                                <m:r>
+                                  <a:rPr lang="fr-FR" sz="1000" b="0" i="1" smtClean="0">
+                                    <a:latin typeface="Cambria Math"/>
+                                  </a:rPr>
+                                  <m:t>𝑘</m:t>
+                                </m:r>
+                              </m:e>
+                              <m:sub>
+                                <m:r>
+                                  <a:rPr lang="fr-FR" sz="1000" b="0" i="1" smtClean="0">
+                                    <a:latin typeface="Cambria Math"/>
+                                  </a:rPr>
+                                  <m:t>3</m:t>
+                                </m:r>
+                              </m:sub>
+                            </m:sSub>
+                          </m:e>
+                        </m:acc>
+                      </m:oMath>
+                    </m:oMathPara>
+                  </a14:m>
+                  <a:endParaRPr lang="fr-FR" sz="1000" dirty="0"/>
+                </a:p>
+              </p:txBody>
+            </p:sp>
+          </mc:Choice>
+          <mc:Fallback>
+            <p:sp>
+              <p:nvSpPr>
+                <p:cNvPr id="59" name="ZoneTexte 58"/>
+                <p:cNvSpPr txBox="1">
+                  <a:spLocks noRot="1" noChangeAspect="1" noMove="1" noResize="1" noEditPoints="1" noAdjustHandles="1" noChangeArrowheads="1" noChangeShapeType="1" noTextEdit="1"/>
+                </p:cNvSpPr>
+                <p:nvPr/>
+              </p:nvSpPr>
+              <p:spPr>
+                <a:xfrm>
+                  <a:off x="1574433" y="3097186"/>
+                  <a:ext cx="343877" cy="268920"/>
+                </a:xfrm>
+                <a:prstGeom prst="rect">
+                  <a:avLst/>
+                </a:prstGeom>
+                <a:blipFill rotWithShape="1">
+                  <a:blip r:embed="rId14"/>
+                  <a:stretch>
+                    <a:fillRect/>
+                  </a:stretch>
+                </a:blipFill>
+              </p:spPr>
+              <p:txBody>
+                <a:bodyPr/>
+                <a:lstStyle/>
+                <a:p>
+                  <a:r>
+                    <a:rPr lang="fr-FR">
+                      <a:noFill/>
+                    </a:rPr>
+                    <a:t> </a:t>
+                  </a:r>
+                </a:p>
+              </p:txBody>
+            </p:sp>
+          </mc:Fallback>
+        </mc:AlternateContent>
+        <mc:AlternateContent xmlns:mc="http://schemas.openxmlformats.org/markup-compatibility/2006">
+          <mc:Choice xmlns:a14="http://schemas.microsoft.com/office/drawing/2010/main" Requires="a14">
+            <p:sp>
+              <p:nvSpPr>
+                <p:cNvPr id="60" name="ZoneTexte 59"/>
+                <p:cNvSpPr txBox="1"/>
+                <p:nvPr/>
+              </p:nvSpPr>
+              <p:spPr>
+                <a:xfrm>
+                  <a:off x="597908" y="2517284"/>
+                  <a:ext cx="313419" cy="263790"/>
+                </a:xfrm>
+                <a:prstGeom prst="rect">
+                  <a:avLst/>
+                </a:prstGeom>
+                <a:noFill/>
+              </p:spPr>
+              <p:txBody>
+                <a:bodyPr wrap="none" rtlCol="0">
+                  <a:spAutoFit/>
+                </a:bodyPr>
+                <a:lstStyle/>
+                <a:p>
+                  <a14:m>
+                    <m:oMathPara xmlns:m="http://schemas.openxmlformats.org/officeDocument/2006/math">
+                      <m:oMathParaPr>
+                        <m:jc m:val="centerGroup"/>
+                      </m:oMathParaPr>
+                      <m:oMath xmlns:m="http://schemas.openxmlformats.org/officeDocument/2006/math">
+                        <m:acc>
+                          <m:accPr>
+                            <m:chr m:val="⃗"/>
+                            <m:ctrlPr>
+                              <a:rPr lang="fr-FR" sz="1000" i="1" smtClean="0">
+                                <a:latin typeface="Cambria Math"/>
+                              </a:rPr>
+                            </m:ctrlPr>
+                          </m:accPr>
+                          <m:e>
+                            <m:sSub>
+                              <m:sSubPr>
+                                <m:ctrlPr>
+                                  <a:rPr lang="fr-FR" sz="1000" b="0" i="1" smtClean="0">
+                                    <a:latin typeface="Cambria Math"/>
+                                  </a:rPr>
+                                </m:ctrlPr>
+                              </m:sSubPr>
+                              <m:e>
+                                <m:r>
+                                  <a:rPr lang="fr-FR" sz="1000" b="0" i="1" smtClean="0">
+                                    <a:latin typeface="Cambria Math"/>
+                                  </a:rPr>
+                                  <m:t>𝑖</m:t>
+                                </m:r>
+                              </m:e>
+                              <m:sub>
+                                <m:r>
+                                  <a:rPr lang="fr-FR" sz="1000" b="0" i="1" smtClean="0">
+                                    <a:latin typeface="Cambria Math"/>
+                                  </a:rPr>
+                                  <m:t>3</m:t>
+                                </m:r>
+                              </m:sub>
+                            </m:sSub>
+                          </m:e>
+                        </m:acc>
+                      </m:oMath>
+                    </m:oMathPara>
+                  </a14:m>
+                  <a:endParaRPr lang="fr-FR" sz="1000" dirty="0"/>
+                </a:p>
+              </p:txBody>
+            </p:sp>
+          </mc:Choice>
+          <mc:Fallback>
+            <p:sp>
+              <p:nvSpPr>
+                <p:cNvPr id="60" name="ZoneTexte 59"/>
+                <p:cNvSpPr txBox="1">
+                  <a:spLocks noRot="1" noChangeAspect="1" noMove="1" noResize="1" noEditPoints="1" noAdjustHandles="1" noChangeArrowheads="1" noChangeShapeType="1" noTextEdit="1"/>
+                </p:cNvSpPr>
+                <p:nvPr/>
+              </p:nvSpPr>
+              <p:spPr>
+                <a:xfrm>
+                  <a:off x="597908" y="2517284"/>
+                  <a:ext cx="313419" cy="263790"/>
+                </a:xfrm>
+                <a:prstGeom prst="rect">
+                  <a:avLst/>
+                </a:prstGeom>
+                <a:blipFill rotWithShape="1">
+                  <a:blip r:embed="rId15"/>
+                  <a:stretch>
+                    <a:fillRect/>
+                  </a:stretch>
+                </a:blipFill>
+              </p:spPr>
+              <p:txBody>
+                <a:bodyPr/>
+                <a:lstStyle/>
+                <a:p>
+                  <a:r>
+                    <a:rPr lang="fr-FR">
+                      <a:noFill/>
+                    </a:rPr>
+                    <a:t> </a:t>
+                  </a:r>
+                </a:p>
+              </p:txBody>
+            </p:sp>
+          </mc:Fallback>
+        </mc:AlternateContent>
+        <mc:AlternateContent xmlns:mc="http://schemas.openxmlformats.org/markup-compatibility/2006">
+          <mc:Choice xmlns:a14="http://schemas.microsoft.com/office/drawing/2010/main" Requires="a14">
+            <p:sp>
+              <p:nvSpPr>
+                <p:cNvPr id="61" name="ZoneTexte 60"/>
+                <p:cNvSpPr txBox="1"/>
+                <p:nvPr/>
+              </p:nvSpPr>
+              <p:spPr>
+                <a:xfrm>
+                  <a:off x="718324" y="3470161"/>
+                  <a:ext cx="452688" cy="263790"/>
+                </a:xfrm>
+                <a:prstGeom prst="rect">
+                  <a:avLst/>
+                </a:prstGeom>
+                <a:noFill/>
+              </p:spPr>
+              <p:txBody>
+                <a:bodyPr wrap="none" rtlCol="0">
+                  <a:spAutoFit/>
+                </a:bodyPr>
+                <a:lstStyle/>
+                <a:p>
+                  <a14:m>
+                    <m:oMath xmlns:m="http://schemas.openxmlformats.org/officeDocument/2006/math">
+                      <m:acc>
+                        <m:accPr>
+                          <m:chr m:val="⃗"/>
+                          <m:ctrlPr>
+                            <a:rPr lang="fr-FR" sz="1000" i="1" smtClean="0">
+                              <a:latin typeface="Cambria Math"/>
+                            </a:rPr>
+                          </m:ctrlPr>
+                        </m:accPr>
+                        <m:e>
+                          <m:sSub>
+                            <m:sSubPr>
+                              <m:ctrlPr>
+                                <a:rPr lang="fr-FR" sz="1000" b="0" i="1" smtClean="0">
+                                  <a:latin typeface="Cambria Math"/>
+                                </a:rPr>
+                              </m:ctrlPr>
+                            </m:sSubPr>
+                            <m:e>
+                              <m:r>
+                                <a:rPr lang="fr-FR" sz="1000" b="0" i="1" smtClean="0">
+                                  <a:latin typeface="Cambria Math"/>
+                                </a:rPr>
+                                <m:t>𝑗</m:t>
+                              </m:r>
+                            </m:e>
+                            <m:sub>
+                              <m:r>
+                                <a:rPr lang="fr-FR" sz="1000" b="0" i="1" smtClean="0">
+                                  <a:latin typeface="Cambria Math"/>
+                                </a:rPr>
+                                <m:t>2</m:t>
+                              </m:r>
+                            </m:sub>
+                          </m:sSub>
+                        </m:e>
+                      </m:acc>
+                    </m:oMath>
+                  </a14:m>
+                  <a:r>
+                    <a:rPr lang="fr-FR" sz="1000" dirty="0" smtClean="0"/>
+                    <a:t>=</a:t>
+                  </a:r>
+                  <a14:m>
+                    <m:oMath xmlns:m="http://schemas.openxmlformats.org/officeDocument/2006/math">
+                      <m:acc>
+                        <m:accPr>
+                          <m:chr m:val="⃗"/>
+                          <m:ctrlPr>
+                            <a:rPr lang="fr-FR" sz="1000" i="1">
+                              <a:latin typeface="Cambria Math"/>
+                            </a:rPr>
+                          </m:ctrlPr>
+                        </m:accPr>
+                        <m:e>
+                          <m:sSub>
+                            <m:sSubPr>
+                              <m:ctrlPr>
+                                <a:rPr lang="fr-FR" sz="1000" i="1">
+                                  <a:latin typeface="Cambria Math"/>
+                                </a:rPr>
+                              </m:ctrlPr>
+                            </m:sSubPr>
+                            <m:e>
+                              <m:r>
+                                <a:rPr lang="fr-FR" sz="1000" b="0" i="1" smtClean="0">
+                                  <a:latin typeface="Cambria Math"/>
+                                </a:rPr>
+                                <m:t>𝑗</m:t>
+                              </m:r>
+                            </m:e>
+                            <m:sub>
+                              <m:r>
+                                <a:rPr lang="fr-FR" sz="1000" b="0" i="1" smtClean="0">
+                                  <a:latin typeface="Cambria Math"/>
+                                </a:rPr>
+                                <m:t>3</m:t>
+                              </m:r>
+                            </m:sub>
+                          </m:sSub>
+                        </m:e>
+                      </m:acc>
+                    </m:oMath>
+                  </a14:m>
+                  <a:endParaRPr lang="fr-FR" sz="1000" dirty="0"/>
+                </a:p>
+              </p:txBody>
+            </p:sp>
+          </mc:Choice>
+          <mc:Fallback>
+            <p:sp>
+              <p:nvSpPr>
+                <p:cNvPr id="61" name="ZoneTexte 60"/>
+                <p:cNvSpPr txBox="1">
+                  <a:spLocks noRot="1" noChangeAspect="1" noMove="1" noResize="1" noEditPoints="1" noAdjustHandles="1" noChangeArrowheads="1" noChangeShapeType="1" noTextEdit="1"/>
+                </p:cNvSpPr>
+                <p:nvPr/>
+              </p:nvSpPr>
+              <p:spPr>
+                <a:xfrm>
+                  <a:off x="718324" y="3470161"/>
+                  <a:ext cx="452688" cy="263790"/>
+                </a:xfrm>
+                <a:prstGeom prst="rect">
+                  <a:avLst/>
+                </a:prstGeom>
+                <a:blipFill rotWithShape="1">
+                  <a:blip r:embed="rId16"/>
+                  <a:stretch>
+                    <a:fillRect b="-13953"/>
+                  </a:stretch>
+                </a:blipFill>
+              </p:spPr>
+              <p:txBody>
+                <a:bodyPr/>
+                <a:lstStyle/>
+                <a:p>
+                  <a:r>
+                    <a:rPr lang="fr-FR">
+                      <a:noFill/>
+                    </a:rPr>
+                    <a:t> </a:t>
+                  </a:r>
+                </a:p>
+              </p:txBody>
+            </p:sp>
+          </mc:Fallback>
+        </mc:AlternateContent>
+        <p:grpSp>
+          <p:nvGrpSpPr>
+            <p:cNvPr id="62" name="Groupe 61"/>
+            <p:cNvGrpSpPr/>
+            <p:nvPr/>
+          </p:nvGrpSpPr>
+          <p:grpSpPr>
+            <a:xfrm>
+              <a:off x="935598" y="3393717"/>
+              <a:ext cx="72000" cy="72000"/>
+              <a:chOff x="395536" y="3284984"/>
+              <a:chExt cx="72000" cy="72000"/>
+            </a:xfrm>
+          </p:grpSpPr>
+          <p:sp>
+            <p:nvSpPr>
+              <p:cNvPr id="63" name="Ellipse 62"/>
+              <p:cNvSpPr/>
+              <p:nvPr/>
+            </p:nvSpPr>
+            <p:spPr>
+              <a:xfrm>
+                <a:off x="395536" y="3284984"/>
+                <a:ext cx="72000" cy="72000"/>
+              </a:xfrm>
+              <a:prstGeom prst="ellipse">
+                <a:avLst/>
+              </a:prstGeom>
+              <a:solidFill>
+                <a:schemeClr val="bg1"/>
+              </a:solidFill>
+              <a:ln w="12700">
+                <a:solidFill>
+                  <a:schemeClr val="tx1"/>
+                </a:solidFill>
+              </a:ln>
+            </p:spPr>
+            <p:style>
+              <a:lnRef idx="2">
+                <a:schemeClr val="accent1">
+                  <a:shade val="50000"/>
+                </a:schemeClr>
+              </a:lnRef>
+              <a:fillRef idx="1">
+                <a:schemeClr val="accent1"/>
+              </a:fillRef>
+              <a:effectRef idx="0">
+                <a:schemeClr val="accent1"/>
+              </a:effectRef>
+              <a:fontRef idx="minor">
+                <a:schemeClr val="lt1"/>
+              </a:fontRef>
+            </p:style>
+            <p:txBody>
+              <a:bodyPr rtlCol="0" anchor="ctr"/>
+              <a:lstStyle/>
+              <a:p>
+                <a:pPr algn="ctr"/>
+                <a:endParaRPr lang="fr-FR"/>
+              </a:p>
+            </p:txBody>
+          </p:sp>
+          <p:sp>
+            <p:nvSpPr>
+              <p:cNvPr id="64" name="Ellipse 63"/>
+              <p:cNvSpPr/>
+              <p:nvPr/>
+            </p:nvSpPr>
+            <p:spPr>
+              <a:xfrm flipH="1" flipV="1">
+                <a:off x="422536" y="3311984"/>
+                <a:ext cx="18000" cy="18000"/>
+              </a:xfrm>
+              <a:prstGeom prst="ellipse">
+                <a:avLst/>
+              </a:prstGeom>
+              <a:solidFill>
+                <a:schemeClr val="tx1"/>
+              </a:solidFill>
+              <a:ln w="12700">
+                <a:solidFill>
+                  <a:schemeClr val="tx1"/>
+                </a:solidFill>
+              </a:ln>
+            </p:spPr>
+            <p:style>
+              <a:lnRef idx="2">
+                <a:schemeClr val="accent1">
+                  <a:shade val="50000"/>
+                </a:schemeClr>
+              </a:lnRef>
+              <a:fillRef idx="1">
+                <a:schemeClr val="accent1"/>
+              </a:fillRef>
+              <a:effectRef idx="0">
+                <a:schemeClr val="accent1"/>
+              </a:effectRef>
+              <a:fontRef idx="minor">
+                <a:schemeClr val="lt1"/>
+              </a:fontRef>
+            </p:style>
+            <p:txBody>
+              <a:bodyPr rtlCol="0" anchor="ctr"/>
+              <a:lstStyle/>
+              <a:p>
+                <a:pPr algn="ctr"/>
+                <a:endParaRPr lang="fr-FR"/>
+              </a:p>
+            </p:txBody>
+          </p:sp>
+        </p:grpSp>
+      </p:grpSp>
+      <p:sp>
+        <p:nvSpPr>
+          <p:cNvPr id="69" name="Arc 68"/>
+          <p:cNvSpPr/>
+          <p:nvPr/>
+        </p:nvSpPr>
+        <p:spPr>
+          <a:xfrm>
+            <a:off x="3254603" y="2831645"/>
+            <a:ext cx="1187670" cy="1187670"/>
+          </a:xfrm>
+          <a:prstGeom prst="arc">
+            <a:avLst>
+              <a:gd name="adj1" fmla="val 20709189"/>
+              <a:gd name="adj2" fmla="val 21503913"/>
+            </a:avLst>
+          </a:prstGeom>
+          <a:ln>
+            <a:solidFill>
+              <a:schemeClr val="accent2"/>
+            </a:solidFill>
+            <a:headEnd type="stealth" w="sm" len="med"/>
+            <a:tailEnd type="none"/>
+          </a:ln>
+        </p:spPr>
+        <p:style>
+          <a:lnRef idx="1">
+            <a:schemeClr val="accent1"/>
+          </a:lnRef>
+          <a:fillRef idx="0">
+            <a:schemeClr val="accent1"/>
+          </a:fillRef>
+          <a:effectRef idx="0">
+            <a:schemeClr val="accent1"/>
+          </a:effectRef>
+          <a:fontRef idx="minor">
+            <a:schemeClr val="tx1"/>
+          </a:fontRef>
+        </p:style>
+        <p:txBody>
+          <a:bodyPr rtlCol="0" anchor="ctr"/>
+          <a:lstStyle/>
+          <a:p>
+            <a:pPr algn="ctr"/>
+            <a:endParaRPr lang="fr-FR"/>
+          </a:p>
+        </p:txBody>
+      </p:sp>
+      <mc:AlternateContent xmlns:mc="http://schemas.openxmlformats.org/markup-compatibility/2006">
+        <mc:Choice xmlns:a14="http://schemas.microsoft.com/office/drawing/2010/main" Requires="a14">
+          <p:sp>
+            <p:nvSpPr>
+              <p:cNvPr id="70" name="ZoneTexte 69"/>
+              <p:cNvSpPr txBox="1"/>
+              <p:nvPr/>
+            </p:nvSpPr>
+            <p:spPr>
+              <a:xfrm>
+                <a:off x="1340949" y="3077918"/>
+                <a:ext cx="294375" cy="246221"/>
+              </a:xfrm>
+              <a:prstGeom prst="rect">
+                <a:avLst/>
+              </a:prstGeom>
+              <a:noFill/>
+            </p:spPr>
+            <p:txBody>
+              <a:bodyPr wrap="none" rtlCol="0">
+                <a:spAutoFit/>
+              </a:bodyPr>
+              <a:lstStyle/>
+              <a:p>
+                <a14:m>
+                  <m:oMathPara xmlns:m="http://schemas.openxmlformats.org/officeDocument/2006/math">
+                    <m:oMathParaPr>
+                      <m:jc m:val="centerGroup"/>
+                    </m:oMathParaPr>
+                    <m:oMath xmlns:m="http://schemas.openxmlformats.org/officeDocument/2006/math">
+                      <m:r>
+                        <a:rPr lang="fr-FR" sz="1000" i="1" smtClean="0">
+                          <a:latin typeface="Cambria Math"/>
+                        </a:rPr>
+                        <m:t>𝛼</m:t>
+                      </m:r>
+                    </m:oMath>
+                  </m:oMathPara>
+                </a14:m>
+                <a:endParaRPr lang="fr-FR" sz="1000" dirty="0"/>
+              </a:p>
+            </p:txBody>
+          </p:sp>
+        </mc:Choice>
+        <mc:Fallback>
+          <p:sp>
+            <p:nvSpPr>
+              <p:cNvPr id="70" name="ZoneTexte 69"/>
+              <p:cNvSpPr txBox="1">
+                <a:spLocks noRot="1" noChangeAspect="1" noMove="1" noResize="1" noEditPoints="1" noAdjustHandles="1" noChangeArrowheads="1" noChangeShapeType="1" noTextEdit="1"/>
+              </p:cNvSpPr>
+              <p:nvPr/>
+            </p:nvSpPr>
+            <p:spPr>
+              <a:xfrm>
+                <a:off x="1340949" y="3077918"/>
+                <a:ext cx="294375" cy="246221"/>
+              </a:xfrm>
+              <a:prstGeom prst="rect">
+                <a:avLst/>
+              </a:prstGeom>
+              <a:blipFill rotWithShape="1">
+                <a:blip r:embed="rId17"/>
+                <a:stretch>
+                  <a:fillRect/>
+                </a:stretch>
+              </a:blipFill>
+            </p:spPr>
+            <p:txBody>
+              <a:bodyPr/>
+              <a:lstStyle/>
+              <a:p>
+                <a:r>
+                  <a:rPr lang="fr-FR">
+                    <a:noFill/>
+                  </a:rPr>
+                  <a:t> </a:t>
+                </a:r>
+              </a:p>
+            </p:txBody>
+          </p:sp>
+        </mc:Fallback>
+      </mc:AlternateContent>
+      <mc:AlternateContent xmlns:mc="http://schemas.openxmlformats.org/markup-compatibility/2006">
+        <mc:Choice xmlns:a14="http://schemas.microsoft.com/office/drawing/2010/main" Requires="a14">
+          <p:sp>
+            <p:nvSpPr>
+              <p:cNvPr id="71" name="ZoneTexte 70"/>
+              <p:cNvSpPr txBox="1"/>
+              <p:nvPr/>
+            </p:nvSpPr>
+            <p:spPr>
+              <a:xfrm>
+                <a:off x="2762979" y="3058866"/>
+                <a:ext cx="294376" cy="246221"/>
+              </a:xfrm>
+              <a:prstGeom prst="rect">
+                <a:avLst/>
+              </a:prstGeom>
+              <a:noFill/>
+            </p:spPr>
+            <p:txBody>
+              <a:bodyPr wrap="none" rtlCol="0">
+                <a:spAutoFit/>
+              </a:bodyPr>
+              <a:lstStyle/>
+              <a:p>
+                <a14:m>
+                  <m:oMathPara xmlns:m="http://schemas.openxmlformats.org/officeDocument/2006/math">
+                    <m:oMathParaPr>
+                      <m:jc m:val="centerGroup"/>
+                    </m:oMathParaPr>
+                    <m:oMath xmlns:m="http://schemas.openxmlformats.org/officeDocument/2006/math">
+                      <m:r>
+                        <a:rPr lang="fr-FR" sz="1000" b="0" i="1" smtClean="0">
+                          <a:latin typeface="Cambria Math"/>
+                        </a:rPr>
+                        <m:t>𝛽</m:t>
+                      </m:r>
+                    </m:oMath>
+                  </m:oMathPara>
+                </a14:m>
+                <a:endParaRPr lang="fr-FR" sz="1000" dirty="0"/>
+              </a:p>
+            </p:txBody>
+          </p:sp>
+        </mc:Choice>
+        <mc:Fallback>
+          <p:sp>
+            <p:nvSpPr>
+              <p:cNvPr id="71" name="ZoneTexte 70"/>
+              <p:cNvSpPr txBox="1">
+                <a:spLocks noRot="1" noChangeAspect="1" noMove="1" noResize="1" noEditPoints="1" noAdjustHandles="1" noChangeArrowheads="1" noChangeShapeType="1" noTextEdit="1"/>
+              </p:cNvSpPr>
+              <p:nvPr/>
+            </p:nvSpPr>
+            <p:spPr>
+              <a:xfrm>
+                <a:off x="2762979" y="3058866"/>
+                <a:ext cx="294376" cy="246221"/>
+              </a:xfrm>
+              <a:prstGeom prst="rect">
+                <a:avLst/>
+              </a:prstGeom>
+              <a:blipFill rotWithShape="1">
+                <a:blip r:embed="rId18"/>
+                <a:stretch>
+                  <a:fillRect b="-2500"/>
+                </a:stretch>
+              </a:blipFill>
+            </p:spPr>
+            <p:txBody>
+              <a:bodyPr/>
+              <a:lstStyle/>
+              <a:p>
+                <a:r>
+                  <a:rPr lang="fr-FR">
+                    <a:noFill/>
+                  </a:rPr>
+                  <a:t> </a:t>
+                </a:r>
+              </a:p>
+            </p:txBody>
+          </p:sp>
+        </mc:Fallback>
+      </mc:AlternateContent>
+      <mc:AlternateContent xmlns:mc="http://schemas.openxmlformats.org/markup-compatibility/2006">
+        <mc:Choice xmlns:a14="http://schemas.microsoft.com/office/drawing/2010/main" Requires="a14">
+          <p:sp>
+            <p:nvSpPr>
+              <p:cNvPr id="72" name="ZoneTexte 71"/>
+              <p:cNvSpPr txBox="1"/>
+              <p:nvPr/>
+            </p:nvSpPr>
+            <p:spPr>
+              <a:xfrm>
+                <a:off x="4185009" y="3039814"/>
+                <a:ext cx="284309" cy="246221"/>
+              </a:xfrm>
+              <a:prstGeom prst="rect">
+                <a:avLst/>
+              </a:prstGeom>
+              <a:noFill/>
+            </p:spPr>
+            <p:txBody>
+              <a:bodyPr wrap="none" rtlCol="0">
+                <a:spAutoFit/>
+              </a:bodyPr>
+              <a:lstStyle/>
+              <a:p>
+                <a14:m>
+                  <m:oMathPara xmlns:m="http://schemas.openxmlformats.org/officeDocument/2006/math">
+                    <m:oMathParaPr>
+                      <m:jc m:val="centerGroup"/>
+                    </m:oMathParaPr>
+                    <m:oMath xmlns:m="http://schemas.openxmlformats.org/officeDocument/2006/math">
+                      <m:r>
+                        <a:rPr lang="fr-FR" sz="1000" b="0" i="1" smtClean="0">
+                          <a:latin typeface="Cambria Math"/>
+                        </a:rPr>
+                        <m:t>𝛾</m:t>
+                      </m:r>
+                    </m:oMath>
+                  </m:oMathPara>
+                </a14:m>
+                <a:endParaRPr lang="fr-FR" sz="1000" dirty="0"/>
+              </a:p>
+            </p:txBody>
+          </p:sp>
+        </mc:Choice>
+        <mc:Fallback>
+          <p:sp>
+            <p:nvSpPr>
+              <p:cNvPr id="72" name="ZoneTexte 71"/>
+              <p:cNvSpPr txBox="1">
+                <a:spLocks noRot="1" noChangeAspect="1" noMove="1" noResize="1" noEditPoints="1" noAdjustHandles="1" noChangeArrowheads="1" noChangeShapeType="1" noTextEdit="1"/>
+              </p:cNvSpPr>
+              <p:nvPr/>
+            </p:nvSpPr>
+            <p:spPr>
+              <a:xfrm>
+                <a:off x="4185009" y="3039814"/>
+                <a:ext cx="284309" cy="246221"/>
+              </a:xfrm>
+              <a:prstGeom prst="rect">
+                <a:avLst/>
+              </a:prstGeom>
+              <a:blipFill rotWithShape="1">
+                <a:blip r:embed="rId19"/>
+                <a:stretch>
+                  <a:fillRect/>
+                </a:stretch>
+              </a:blipFill>
+            </p:spPr>
+            <p:txBody>
+              <a:bodyPr/>
+              <a:lstStyle/>
+              <a:p>
+                <a:r>
+                  <a:rPr lang="fr-FR">
+                    <a:noFill/>
+                  </a:rPr>
+                  <a:t> </a:t>
+                </a:r>
+              </a:p>
+            </p:txBody>
+          </p:sp>
+        </mc:Fallback>
+      </mc:AlternateContent>
+    </p:spTree>
+    <p:extLst>
+      <p:ext uri="{BB962C8B-B14F-4D97-AF65-F5344CB8AC3E}">
+        <p14:creationId xmlns:p14="http://schemas.microsoft.com/office/powerpoint/2010/main" val="3320871178"/>
+      </p:ext>
+    </p:extLst>
+  </p:cSld>
+  <p:clrMapOvr>
+    <a:masterClrMapping/>
+  </p:clrMapOvr>
+</p:sld>
+</file>
+
 <file path=ppt/theme/theme1.xml><?xml version="1.0" encoding="utf-8"?>
 <a:theme xmlns:a="http://schemas.openxmlformats.org/drawingml/2006/main" name="Thème Office">
   <a:themeElements>
